--- a/50 kW Integrated Fault toerant Permanent Magnet Machine.pptx
+++ b/50 kW Integrated Fault toerant Permanent Magnet Machine.pptx
@@ -2,32 +2,38 @@
 <file path=ppt/presentation.xml><?xml version="1.0" encoding="utf-8"?>
 <p:presentation xmlns:a="http://schemas.openxmlformats.org/drawingml/2006/main" xmlns:r="http://schemas.openxmlformats.org/officeDocument/2006/relationships" xmlns:p="http://schemas.openxmlformats.org/presentationml/2006/main" saveSubsetFonts="1">
   <p:sldMasterIdLst>
-    <p:sldMasterId id="2147483648" r:id="rId1"/>
+    <p:sldMasterId id="2147483720" r:id="rId1"/>
   </p:sldMasterIdLst>
   <p:sldIdLst>
     <p:sldId id="256" r:id="rId2"/>
-    <p:sldId id="270" r:id="rId3"/>
-    <p:sldId id="257" r:id="rId4"/>
-    <p:sldId id="265" r:id="rId5"/>
-    <p:sldId id="258" r:id="rId6"/>
-    <p:sldId id="259" r:id="rId7"/>
-    <p:sldId id="260" r:id="rId8"/>
-    <p:sldId id="261" r:id="rId9"/>
-    <p:sldId id="262" r:id="rId10"/>
-    <p:sldId id="263" r:id="rId11"/>
-    <p:sldId id="264" r:id="rId12"/>
-    <p:sldId id="266" r:id="rId13"/>
-    <p:sldId id="267" r:id="rId14"/>
-    <p:sldId id="268" r:id="rId15"/>
-    <p:sldId id="269" r:id="rId16"/>
-    <p:sldId id="271" r:id="rId17"/>
-    <p:sldId id="272" r:id="rId18"/>
-    <p:sldId id="273" r:id="rId19"/>
-    <p:sldId id="274" r:id="rId20"/>
-    <p:sldId id="275" r:id="rId21"/>
-    <p:sldId id="276" r:id="rId22"/>
-    <p:sldId id="277" r:id="rId23"/>
-    <p:sldId id="278" r:id="rId24"/>
+    <p:sldId id="284" r:id="rId3"/>
+    <p:sldId id="270" r:id="rId4"/>
+    <p:sldId id="257" r:id="rId5"/>
+    <p:sldId id="265" r:id="rId6"/>
+    <p:sldId id="258" r:id="rId7"/>
+    <p:sldId id="259" r:id="rId8"/>
+    <p:sldId id="260" r:id="rId9"/>
+    <p:sldId id="261" r:id="rId10"/>
+    <p:sldId id="262" r:id="rId11"/>
+    <p:sldId id="263" r:id="rId12"/>
+    <p:sldId id="264" r:id="rId13"/>
+    <p:sldId id="266" r:id="rId14"/>
+    <p:sldId id="267" r:id="rId15"/>
+    <p:sldId id="268" r:id="rId16"/>
+    <p:sldId id="269" r:id="rId17"/>
+    <p:sldId id="271" r:id="rId18"/>
+    <p:sldId id="272" r:id="rId19"/>
+    <p:sldId id="273" r:id="rId20"/>
+    <p:sldId id="274" r:id="rId21"/>
+    <p:sldId id="275" r:id="rId22"/>
+    <p:sldId id="276" r:id="rId23"/>
+    <p:sldId id="277" r:id="rId24"/>
+    <p:sldId id="278" r:id="rId25"/>
+    <p:sldId id="279" r:id="rId26"/>
+    <p:sldId id="280" r:id="rId27"/>
+    <p:sldId id="281" r:id="rId28"/>
+    <p:sldId id="282" r:id="rId29"/>
+    <p:sldId id="283" r:id="rId30"/>
   </p:sldIdLst>
   <p:sldSz cx="9144000" cy="6858000" type="screen4x3"/>
   <p:notesSz cx="6858000" cy="9144000"/>
@@ -130,7 +136,7 @@
 </file>
 
 <file path=ppt/slideLayouts/slideLayout1.xml><?xml version="1.0" encoding="utf-8"?>
-<p:sldLayout xmlns:a="http://schemas.openxmlformats.org/drawingml/2006/main" xmlns:r="http://schemas.openxmlformats.org/officeDocument/2006/relationships" xmlns:p="http://schemas.openxmlformats.org/presentationml/2006/main" type="title" preserve="1">
+<p:sldLayout xmlns:a="http://schemas.openxmlformats.org/drawingml/2006/main" xmlns:r="http://schemas.openxmlformats.org/officeDocument/2006/relationships" xmlns:p="http://schemas.openxmlformats.org/presentationml/2006/main" showMasterSp="0" type="title" preserve="1">
   <p:cSld name="Başlık Slaydı">
     <p:spTree>
       <p:nvGrpSpPr>
@@ -148,7 +154,163 @@
       </p:grpSpPr>
       <p:sp>
         <p:nvSpPr>
-          <p:cNvPr id="2" name="1 Başlık"/>
+          <p:cNvPr id="15" name="14 Yuvarlatılmış Dikdörtgen"/>
+          <p:cNvSpPr/>
+          <p:nvPr/>
+        </p:nvSpPr>
+        <p:spPr>
+          <a:xfrm>
+            <a:off x="304800" y="329184"/>
+            <a:ext cx="8532055" cy="6196819"/>
+          </a:xfrm>
+          <a:prstGeom prst="roundRect">
+            <a:avLst>
+              <a:gd name="adj" fmla="val 2081"/>
+            </a:avLst>
+          </a:prstGeom>
+          <a:gradFill flip="none" rotWithShape="1">
+            <a:gsLst>
+              <a:gs pos="0">
+                <a:srgbClr val="FFFFFF">
+                  <a:shade val="100000"/>
+                </a:srgbClr>
+              </a:gs>
+              <a:gs pos="98000">
+                <a:srgbClr val="FFFFFF">
+                  <a:shade val="100000"/>
+                </a:srgbClr>
+              </a:gs>
+              <a:gs pos="99055">
+                <a:srgbClr val="FFFFFF">
+                  <a:shade val="93000"/>
+                </a:srgbClr>
+              </a:gs>
+              <a:gs pos="100000">
+                <a:srgbClr val="FFFFFF">
+                  <a:shade val="70000"/>
+                </a:srgbClr>
+              </a:gs>
+            </a:gsLst>
+            <a:lin ang="5400000" scaled="1"/>
+            <a:tileRect/>
+          </a:gradFill>
+          <a:ln w="2000" cap="rnd" cmpd="sng" algn="ctr">
+            <a:solidFill>
+              <a:srgbClr val="302F2C">
+                <a:tint val="65000"/>
+                <a:satMod val="120000"/>
+              </a:srgbClr>
+            </a:solidFill>
+            <a:prstDash val="solid"/>
+          </a:ln>
+          <a:effectLst>
+            <a:outerShdw blurRad="76200" dist="50800" dir="5400000" algn="tl" rotWithShape="0">
+              <a:srgbClr val="000000">
+                <a:alpha val="25000"/>
+              </a:srgbClr>
+            </a:outerShdw>
+          </a:effectLst>
+        </p:spPr>
+        <p:style>
+          <a:lnRef idx="3">
+            <a:schemeClr val="lt1"/>
+          </a:lnRef>
+          <a:fillRef idx="1">
+            <a:schemeClr val="accent1"/>
+          </a:fillRef>
+          <a:effectRef idx="1">
+            <a:schemeClr val="accent1"/>
+          </a:effectRef>
+          <a:fontRef idx="minor">
+            <a:schemeClr val="lt1"/>
+          </a:fontRef>
+        </p:style>
+        <p:txBody>
+          <a:bodyPr anchor="ctr"/>
+          <a:lstStyle>
+            <a:extLst/>
+          </a:lstStyle>
+          <a:p>
+            <a:pPr algn="ctr" eaLnBrk="1" latinLnBrk="0" hangingPunct="1"/>
+            <a:endParaRPr kumimoji="0" lang="en-US"/>
+          </a:p>
+        </p:txBody>
+      </p:sp>
+      <p:sp>
+        <p:nvSpPr>
+          <p:cNvPr id="10" name="9 Yuvarlatılmış Dikdörtgen"/>
+          <p:cNvSpPr/>
+          <p:nvPr/>
+        </p:nvSpPr>
+        <p:spPr>
+          <a:xfrm>
+            <a:off x="418596" y="434162"/>
+            <a:ext cx="8306809" cy="3108960"/>
+          </a:xfrm>
+          <a:prstGeom prst="roundRect">
+            <a:avLst>
+              <a:gd name="adj" fmla="val 4578"/>
+            </a:avLst>
+          </a:prstGeom>
+          <a:gradFill rotWithShape="1">
+            <a:gsLst>
+              <a:gs pos="0">
+                <a:schemeClr val="bg1">
+                  <a:tint val="75000"/>
+                  <a:satMod val="150000"/>
+                </a:schemeClr>
+              </a:gs>
+              <a:gs pos="55000">
+                <a:schemeClr val="bg1">
+                  <a:shade val="75000"/>
+                  <a:satMod val="100000"/>
+                </a:schemeClr>
+              </a:gs>
+              <a:gs pos="100000">
+                <a:schemeClr val="bg1">
+                  <a:shade val="35000"/>
+                  <a:satMod val="100000"/>
+                </a:schemeClr>
+              </a:gs>
+            </a:gsLst>
+            <a:path path="circle">
+              <a:fillToRect l="50000" t="175000" r="50000" b="-75000"/>
+            </a:path>
+          </a:gradFill>
+          <a:ln w="8890" cap="rnd" cmpd="sng" algn="ctr">
+            <a:noFill/>
+            <a:prstDash val="solid"/>
+          </a:ln>
+          <a:effectLst/>
+        </p:spPr>
+        <p:style>
+          <a:lnRef idx="3">
+            <a:schemeClr val="lt1"/>
+          </a:lnRef>
+          <a:fillRef idx="1">
+            <a:schemeClr val="accent1"/>
+          </a:fillRef>
+          <a:effectRef idx="1">
+            <a:schemeClr val="accent1"/>
+          </a:effectRef>
+          <a:fontRef idx="minor">
+            <a:schemeClr val="lt1"/>
+          </a:fontRef>
+        </p:style>
+        <p:txBody>
+          <a:bodyPr anchor="ctr"/>
+          <a:lstStyle>
+            <a:extLst/>
+          </a:lstStyle>
+          <a:p>
+            <a:pPr algn="ctr" eaLnBrk="1" latinLnBrk="0" hangingPunct="1"/>
+            <a:endParaRPr kumimoji="0" lang="en-US"/>
+          </a:p>
+        </p:txBody>
+      </p:sp>
+      <p:sp>
+        <p:nvSpPr>
+          <p:cNvPr id="5" name="4 Başlık"/>
           <p:cNvSpPr>
             <a:spLocks noGrp="1"/>
           </p:cNvSpPr>
@@ -158,25 +320,44 @@
         </p:nvSpPr>
         <p:spPr>
           <a:xfrm>
-            <a:off x="685800" y="2130425"/>
-            <a:ext cx="7772400" cy="1470025"/>
-          </a:xfrm>
-        </p:spPr>
-        <p:txBody>
-          <a:bodyPr/>
-          <a:lstStyle/>
-          <a:p>
-            <a:r>
-              <a:rPr lang="tr-TR" smtClean="0"/>
+            <a:off x="722376" y="1820206"/>
+            <a:ext cx="7772400" cy="1828800"/>
+          </a:xfrm>
+        </p:spPr>
+        <p:txBody>
+          <a:bodyPr lIns="45720" rIns="45720" bIns="45720"/>
+          <a:lstStyle>
+            <a:lvl1pPr algn="r">
+              <a:defRPr sz="4500" b="1">
+                <a:solidFill>
+                  <a:schemeClr val="accent1">
+                    <a:tint val="88000"/>
+                    <a:satMod val="150000"/>
+                  </a:schemeClr>
+                </a:solidFill>
+                <a:effectLst>
+                  <a:outerShdw blurRad="53975" dist="22860" dir="5400000" algn="tl" rotWithShape="0">
+                    <a:srgbClr val="000000">
+                      <a:alpha val="55000"/>
+                    </a:srgbClr>
+                  </a:outerShdw>
+                </a:effectLst>
+              </a:defRPr>
+            </a:lvl1pPr>
+            <a:extLst/>
+          </a:lstStyle>
+          <a:p>
+            <a:r>
+              <a:rPr kumimoji="0" lang="tr-TR" smtClean="0"/>
               <a:t>Asıl başlık stili için tıklatın</a:t>
             </a:r>
-            <a:endParaRPr lang="tr-TR"/>
-          </a:p>
-        </p:txBody>
-      </p:sp>
-      <p:sp>
-        <p:nvSpPr>
-          <p:cNvPr id="3" name="2 Alt Başlık"/>
+            <a:endParaRPr kumimoji="0" lang="en-US"/>
+          </a:p>
+        </p:txBody>
+      </p:sp>
+      <p:sp>
+        <p:nvSpPr>
+          <p:cNvPr id="20" name="19 Alt Başlık"/>
           <p:cNvSpPr>
             <a:spLocks noGrp="1"/>
           </p:cNvSpPr>
@@ -186,116 +367,64 @@
         </p:nvSpPr>
         <p:spPr>
           <a:xfrm>
-            <a:off x="1371600" y="3886200"/>
-            <a:ext cx="6400800" cy="1752600"/>
-          </a:xfrm>
-        </p:spPr>
-        <p:txBody>
-          <a:bodyPr/>
-          <a:lstStyle>
-            <a:lvl1pPr marL="0" indent="0" algn="ctr">
+            <a:off x="722376" y="3685032"/>
+            <a:ext cx="7772400" cy="914400"/>
+          </a:xfrm>
+        </p:spPr>
+        <p:txBody>
+          <a:bodyPr lIns="182880" tIns="0"/>
+          <a:lstStyle>
+            <a:lvl1pPr marL="36576" indent="0" algn="r">
+              <a:spcBef>
+                <a:spcPts val="0"/>
+              </a:spcBef>
               <a:buNone/>
-              <a:defRPr>
+              <a:defRPr sz="2000">
                 <a:solidFill>
-                  <a:schemeClr val="tx1">
-                    <a:tint val="75000"/>
+                  <a:schemeClr val="bg2">
+                    <a:shade val="25000"/>
                   </a:schemeClr>
                 </a:solidFill>
               </a:defRPr>
             </a:lvl1pPr>
             <a:lvl2pPr marL="457200" indent="0" algn="ctr">
               <a:buNone/>
-              <a:defRPr>
-                <a:solidFill>
-                  <a:schemeClr val="tx1">
-                    <a:tint val="75000"/>
-                  </a:schemeClr>
-                </a:solidFill>
-              </a:defRPr>
             </a:lvl2pPr>
             <a:lvl3pPr marL="914400" indent="0" algn="ctr">
               <a:buNone/>
-              <a:defRPr>
-                <a:solidFill>
-                  <a:schemeClr val="tx1">
-                    <a:tint val="75000"/>
-                  </a:schemeClr>
-                </a:solidFill>
-              </a:defRPr>
             </a:lvl3pPr>
             <a:lvl4pPr marL="1371600" indent="0" algn="ctr">
               <a:buNone/>
-              <a:defRPr>
-                <a:solidFill>
-                  <a:schemeClr val="tx1">
-                    <a:tint val="75000"/>
-                  </a:schemeClr>
-                </a:solidFill>
-              </a:defRPr>
             </a:lvl4pPr>
             <a:lvl5pPr marL="1828800" indent="0" algn="ctr">
               <a:buNone/>
-              <a:defRPr>
-                <a:solidFill>
-                  <a:schemeClr val="tx1">
-                    <a:tint val="75000"/>
-                  </a:schemeClr>
-                </a:solidFill>
-              </a:defRPr>
             </a:lvl5pPr>
             <a:lvl6pPr marL="2286000" indent="0" algn="ctr">
               <a:buNone/>
-              <a:defRPr>
-                <a:solidFill>
-                  <a:schemeClr val="tx1">
-                    <a:tint val="75000"/>
-                  </a:schemeClr>
-                </a:solidFill>
-              </a:defRPr>
             </a:lvl6pPr>
             <a:lvl7pPr marL="2743200" indent="0" algn="ctr">
               <a:buNone/>
-              <a:defRPr>
-                <a:solidFill>
-                  <a:schemeClr val="tx1">
-                    <a:tint val="75000"/>
-                  </a:schemeClr>
-                </a:solidFill>
-              </a:defRPr>
             </a:lvl7pPr>
             <a:lvl8pPr marL="3200400" indent="0" algn="ctr">
               <a:buNone/>
-              <a:defRPr>
-                <a:solidFill>
-                  <a:schemeClr val="tx1">
-                    <a:tint val="75000"/>
-                  </a:schemeClr>
-                </a:solidFill>
-              </a:defRPr>
             </a:lvl8pPr>
             <a:lvl9pPr marL="3657600" indent="0" algn="ctr">
               <a:buNone/>
-              <a:defRPr>
-                <a:solidFill>
-                  <a:schemeClr val="tx1">
-                    <a:tint val="75000"/>
-                  </a:schemeClr>
-                </a:solidFill>
-              </a:defRPr>
             </a:lvl9pPr>
-          </a:lstStyle>
-          <a:p>
-            <a:r>
-              <a:rPr lang="tr-TR" smtClean="0"/>
+            <a:extLst/>
+          </a:lstStyle>
+          <a:p>
+            <a:r>
+              <a:rPr kumimoji="0" lang="tr-TR" smtClean="0"/>
               <a:t>Asıl alt başlık stilini düzenlemek için tıklatın</a:t>
             </a:r>
-            <a:endParaRPr lang="tr-TR"/>
-          </a:p>
-        </p:txBody>
-      </p:sp>
-      <p:sp>
-        <p:nvSpPr>
-          <p:cNvPr id="4" name="3 Veri Yer Tutucusu"/>
+            <a:endParaRPr kumimoji="0" lang="en-US"/>
+          </a:p>
+        </p:txBody>
+      </p:sp>
+      <p:sp>
+        <p:nvSpPr>
+          <p:cNvPr id="19" name="18 Veri Yer Tutucusu"/>
           <p:cNvSpPr>
             <a:spLocks noGrp="1"/>
           </p:cNvSpPr>
@@ -306,11 +435,14 @@
         <p:spPr/>
         <p:txBody>
           <a:bodyPr/>
-          <a:lstStyle/>
+          <a:lstStyle>
+            <a:extLst/>
+          </a:lstStyle>
           <a:p>
             <a:fld id="{8C62C1B3-2DE2-4893-9E07-7B781D8C28DC}" type="datetimeFigureOut">
               <a:rPr lang="tr-TR" smtClean="0"/>
-              <a:t>20.04.2017</a:t>
+              <a:pPr/>
+              <a:t>21.04.2017</a:t>
             </a:fld>
             <a:endParaRPr lang="tr-TR"/>
           </a:p>
@@ -318,7 +450,7 @@
       </p:sp>
       <p:sp>
         <p:nvSpPr>
-          <p:cNvPr id="5" name="4 Altbilgi Yer Tutucusu"/>
+          <p:cNvPr id="8" name="7 Altbilgi Yer Tutucusu"/>
           <p:cNvSpPr>
             <a:spLocks noGrp="1"/>
           </p:cNvSpPr>
@@ -329,7 +461,9 @@
         <p:spPr/>
         <p:txBody>
           <a:bodyPr/>
-          <a:lstStyle/>
+          <a:lstStyle>
+            <a:extLst/>
+          </a:lstStyle>
           <a:p>
             <a:endParaRPr lang="tr-TR"/>
           </a:p>
@@ -337,7 +471,7 @@
       </p:sp>
       <p:sp>
         <p:nvSpPr>
-          <p:cNvPr id="6" name="5 Slayt Numarası Yer Tutucusu"/>
+          <p:cNvPr id="11" name="10 Slayt Numarası Yer Tutucusu"/>
           <p:cNvSpPr>
             <a:spLocks noGrp="1"/>
           </p:cNvSpPr>
@@ -348,10 +482,13 @@
         <p:spPr/>
         <p:txBody>
           <a:bodyPr/>
-          <a:lstStyle/>
+          <a:lstStyle>
+            <a:extLst/>
+          </a:lstStyle>
           <a:p>
             <a:fld id="{ED569197-39BF-49E9-A0E9-4FB14A829211}" type="slidenum">
               <a:rPr lang="tr-TR" smtClean="0"/>
+              <a:pPr/>
               <a:t>‹#›</a:t>
             </a:fld>
             <a:endParaRPr lang="tr-TR"/>
@@ -393,89 +530,106 @@
             <p:ph type="title"/>
           </p:nvPr>
         </p:nvSpPr>
+        <p:spPr>
+          <a:xfrm>
+            <a:off x="502920" y="4983480"/>
+            <a:ext cx="8183880" cy="1051560"/>
+          </a:xfrm>
+        </p:spPr>
+        <p:txBody>
+          <a:bodyPr/>
+          <a:lstStyle>
+            <a:extLst/>
+          </a:lstStyle>
+          <a:p>
+            <a:r>
+              <a:rPr kumimoji="0" lang="tr-TR" smtClean="0"/>
+              <a:t>Asıl başlık stili için tıklatın</a:t>
+            </a:r>
+            <a:endParaRPr kumimoji="0" lang="en-US"/>
+          </a:p>
+        </p:txBody>
+      </p:sp>
+      <p:sp>
+        <p:nvSpPr>
+          <p:cNvPr id="3" name="2 Dikey Metin Yer Tutucusu"/>
+          <p:cNvSpPr>
+            <a:spLocks noGrp="1"/>
+          </p:cNvSpPr>
+          <p:nvPr>
+            <p:ph type="body" orient="vert" idx="1"/>
+          </p:nvPr>
+        </p:nvSpPr>
+        <p:spPr>
+          <a:xfrm>
+            <a:off x="502920" y="530352"/>
+            <a:ext cx="8183880" cy="4187952"/>
+          </a:xfrm>
+        </p:spPr>
+        <p:txBody>
+          <a:bodyPr vert="eaVert"/>
+          <a:lstStyle>
+            <a:extLst/>
+          </a:lstStyle>
+          <a:p>
+            <a:pPr lvl="0" eaLnBrk="1" latinLnBrk="0" hangingPunct="1"/>
+            <a:r>
+              <a:rPr lang="tr-TR" smtClean="0"/>
+              <a:t>Asıl metin stillerini düzenlemek için tıklatın</a:t>
+            </a:r>
+          </a:p>
+          <a:p>
+            <a:pPr lvl="1" eaLnBrk="1" latinLnBrk="0" hangingPunct="1"/>
+            <a:r>
+              <a:rPr lang="tr-TR" smtClean="0"/>
+              <a:t>İkinci düzey</a:t>
+            </a:r>
+          </a:p>
+          <a:p>
+            <a:pPr lvl="2" eaLnBrk="1" latinLnBrk="0" hangingPunct="1"/>
+            <a:r>
+              <a:rPr lang="tr-TR" smtClean="0"/>
+              <a:t>Üçüncü düzey</a:t>
+            </a:r>
+          </a:p>
+          <a:p>
+            <a:pPr lvl="3" eaLnBrk="1" latinLnBrk="0" hangingPunct="1"/>
+            <a:r>
+              <a:rPr lang="tr-TR" smtClean="0"/>
+              <a:t>Dördüncü düzey</a:t>
+            </a:r>
+          </a:p>
+          <a:p>
+            <a:pPr lvl="4" eaLnBrk="1" latinLnBrk="0" hangingPunct="1"/>
+            <a:r>
+              <a:rPr lang="tr-TR" smtClean="0"/>
+              <a:t>Beşinci düzey</a:t>
+            </a:r>
+            <a:endParaRPr kumimoji="0" lang="en-US"/>
+          </a:p>
+        </p:txBody>
+      </p:sp>
+      <p:sp>
+        <p:nvSpPr>
+          <p:cNvPr id="4" name="3 Veri Yer Tutucusu"/>
+          <p:cNvSpPr>
+            <a:spLocks noGrp="1"/>
+          </p:cNvSpPr>
+          <p:nvPr>
+            <p:ph type="dt" sz="half" idx="10"/>
+          </p:nvPr>
+        </p:nvSpPr>
         <p:spPr/>
         <p:txBody>
           <a:bodyPr/>
-          <a:lstStyle/>
-          <a:p>
-            <a:r>
-              <a:rPr lang="tr-TR" smtClean="0"/>
-              <a:t>Asıl başlık stili için tıklatın</a:t>
-            </a:r>
-            <a:endParaRPr lang="tr-TR"/>
-          </a:p>
-        </p:txBody>
-      </p:sp>
-      <p:sp>
-        <p:nvSpPr>
-          <p:cNvPr id="3" name="2 Dikey Metin Yer Tutucusu"/>
-          <p:cNvSpPr>
-            <a:spLocks noGrp="1"/>
-          </p:cNvSpPr>
-          <p:nvPr>
-            <p:ph type="body" orient="vert" idx="1"/>
-          </p:nvPr>
-        </p:nvSpPr>
-        <p:spPr/>
-        <p:txBody>
-          <a:bodyPr vert="eaVert"/>
-          <a:lstStyle/>
-          <a:p>
-            <a:pPr lvl="0"/>
-            <a:r>
-              <a:rPr lang="tr-TR" smtClean="0"/>
-              <a:t>Asıl metin stillerini düzenlemek için tıklatın</a:t>
-            </a:r>
-          </a:p>
-          <a:p>
-            <a:pPr lvl="1"/>
-            <a:r>
-              <a:rPr lang="tr-TR" smtClean="0"/>
-              <a:t>İkinci düzey</a:t>
-            </a:r>
-          </a:p>
-          <a:p>
-            <a:pPr lvl="2"/>
-            <a:r>
-              <a:rPr lang="tr-TR" smtClean="0"/>
-              <a:t>Üçüncü düzey</a:t>
-            </a:r>
-          </a:p>
-          <a:p>
-            <a:pPr lvl="3"/>
-            <a:r>
-              <a:rPr lang="tr-TR" smtClean="0"/>
-              <a:t>Dördüncü düzey</a:t>
-            </a:r>
-          </a:p>
-          <a:p>
-            <a:pPr lvl="4"/>
-            <a:r>
-              <a:rPr lang="tr-TR" smtClean="0"/>
-              <a:t>Beşinci düzey</a:t>
-            </a:r>
-            <a:endParaRPr lang="tr-TR"/>
-          </a:p>
-        </p:txBody>
-      </p:sp>
-      <p:sp>
-        <p:nvSpPr>
-          <p:cNvPr id="4" name="3 Veri Yer Tutucusu"/>
-          <p:cNvSpPr>
-            <a:spLocks noGrp="1"/>
-          </p:cNvSpPr>
-          <p:nvPr>
-            <p:ph type="dt" sz="half" idx="10"/>
-          </p:nvPr>
-        </p:nvSpPr>
-        <p:spPr/>
-        <p:txBody>
-          <a:bodyPr/>
-          <a:lstStyle/>
+          <a:lstStyle>
+            <a:extLst/>
+          </a:lstStyle>
           <a:p>
             <a:fld id="{8C62C1B3-2DE2-4893-9E07-7B781D8C28DC}" type="datetimeFigureOut">
               <a:rPr lang="tr-TR" smtClean="0"/>
-              <a:t>20.04.2017</a:t>
+              <a:pPr/>
+              <a:t>21.04.2017</a:t>
             </a:fld>
             <a:endParaRPr lang="tr-TR"/>
           </a:p>
@@ -494,7 +648,9 @@
         <p:spPr/>
         <p:txBody>
           <a:bodyPr/>
-          <a:lstStyle/>
+          <a:lstStyle>
+            <a:extLst/>
+          </a:lstStyle>
           <a:p>
             <a:endParaRPr lang="tr-TR"/>
           </a:p>
@@ -513,10 +669,13 @@
         <p:spPr/>
         <p:txBody>
           <a:bodyPr/>
-          <a:lstStyle/>
+          <a:lstStyle>
+            <a:extLst/>
+          </a:lstStyle>
           <a:p>
             <a:fld id="{ED569197-39BF-49E9-A0E9-4FB14A829211}" type="slidenum">
               <a:rPr lang="tr-TR" smtClean="0"/>
+              <a:pPr/>
               <a:t>‹#›</a:t>
             </a:fld>
             <a:endParaRPr lang="tr-TR"/>
@@ -560,19 +719,21 @@
         </p:nvSpPr>
         <p:spPr>
           <a:xfrm>
-            <a:off x="6629400" y="274638"/>
-            <a:ext cx="2057400" cy="5851525"/>
+            <a:off x="6629400" y="533404"/>
+            <a:ext cx="1981200" cy="5257799"/>
           </a:xfrm>
         </p:spPr>
         <p:txBody>
           <a:bodyPr vert="eaVert"/>
-          <a:lstStyle/>
-          <a:p>
-            <a:r>
-              <a:rPr lang="tr-TR" smtClean="0"/>
+          <a:lstStyle>
+            <a:extLst/>
+          </a:lstStyle>
+          <a:p>
+            <a:r>
+              <a:rPr kumimoji="0" lang="tr-TR" smtClean="0"/>
               <a:t>Asıl başlık stili için tıklatın</a:t>
             </a:r>
-            <a:endParaRPr lang="tr-TR"/>
+            <a:endParaRPr kumimoji="0" lang="en-US"/>
           </a:p>
         </p:txBody>
       </p:sp>
@@ -588,48 +749,50 @@
         </p:nvSpPr>
         <p:spPr>
           <a:xfrm>
-            <a:off x="457200" y="274638"/>
-            <a:ext cx="6019800" cy="5851525"/>
+            <a:off x="533400" y="533402"/>
+            <a:ext cx="5943600" cy="5257801"/>
           </a:xfrm>
         </p:spPr>
         <p:txBody>
           <a:bodyPr vert="eaVert"/>
-          <a:lstStyle/>
-          <a:p>
-            <a:pPr lvl="0"/>
+          <a:lstStyle>
+            <a:extLst/>
+          </a:lstStyle>
+          <a:p>
+            <a:pPr lvl="0" eaLnBrk="1" latinLnBrk="0" hangingPunct="1"/>
             <a:r>
               <a:rPr lang="tr-TR" smtClean="0"/>
               <a:t>Asıl metin stillerini düzenlemek için tıklatın</a:t>
             </a:r>
           </a:p>
           <a:p>
-            <a:pPr lvl="1"/>
+            <a:pPr lvl="1" eaLnBrk="1" latinLnBrk="0" hangingPunct="1"/>
             <a:r>
               <a:rPr lang="tr-TR" smtClean="0"/>
               <a:t>İkinci düzey</a:t>
             </a:r>
           </a:p>
           <a:p>
-            <a:pPr lvl="2"/>
+            <a:pPr lvl="2" eaLnBrk="1" latinLnBrk="0" hangingPunct="1"/>
             <a:r>
               <a:rPr lang="tr-TR" smtClean="0"/>
               <a:t>Üçüncü düzey</a:t>
             </a:r>
           </a:p>
           <a:p>
-            <a:pPr lvl="3"/>
+            <a:pPr lvl="3" eaLnBrk="1" latinLnBrk="0" hangingPunct="1"/>
             <a:r>
               <a:rPr lang="tr-TR" smtClean="0"/>
               <a:t>Dördüncü düzey</a:t>
             </a:r>
           </a:p>
           <a:p>
-            <a:pPr lvl="4"/>
+            <a:pPr lvl="4" eaLnBrk="1" latinLnBrk="0" hangingPunct="1"/>
             <a:r>
               <a:rPr lang="tr-TR" smtClean="0"/>
               <a:t>Beşinci düzey</a:t>
             </a:r>
-            <a:endParaRPr lang="tr-TR"/>
+            <a:endParaRPr kumimoji="0" lang="en-US"/>
           </a:p>
         </p:txBody>
       </p:sp>
@@ -646,11 +809,14 @@
         <p:spPr/>
         <p:txBody>
           <a:bodyPr/>
-          <a:lstStyle/>
+          <a:lstStyle>
+            <a:extLst/>
+          </a:lstStyle>
           <a:p>
             <a:fld id="{8C62C1B3-2DE2-4893-9E07-7B781D8C28DC}" type="datetimeFigureOut">
               <a:rPr lang="tr-TR" smtClean="0"/>
-              <a:t>20.04.2017</a:t>
+              <a:pPr/>
+              <a:t>21.04.2017</a:t>
             </a:fld>
             <a:endParaRPr lang="tr-TR"/>
           </a:p>
@@ -669,7 +835,9 @@
         <p:spPr/>
         <p:txBody>
           <a:bodyPr/>
-          <a:lstStyle/>
+          <a:lstStyle>
+            <a:extLst/>
+          </a:lstStyle>
           <a:p>
             <a:endParaRPr lang="tr-TR"/>
           </a:p>
@@ -688,10 +856,13 @@
         <p:spPr/>
         <p:txBody>
           <a:bodyPr/>
-          <a:lstStyle/>
+          <a:lstStyle>
+            <a:extLst/>
+          </a:lstStyle>
           <a:p>
             <a:fld id="{ED569197-39BF-49E9-A0E9-4FB14A829211}" type="slidenum">
               <a:rPr lang="tr-TR" smtClean="0"/>
+              <a:pPr/>
               <a:t>‹#›</a:t>
             </a:fld>
             <a:endParaRPr lang="tr-TR"/>
@@ -733,89 +904,106 @@
             <p:ph type="title"/>
           </p:nvPr>
         </p:nvSpPr>
+        <p:spPr>
+          <a:xfrm>
+            <a:off x="502920" y="4983480"/>
+            <a:ext cx="8183880" cy="1051560"/>
+          </a:xfrm>
+        </p:spPr>
+        <p:txBody>
+          <a:bodyPr/>
+          <a:lstStyle>
+            <a:extLst/>
+          </a:lstStyle>
+          <a:p>
+            <a:r>
+              <a:rPr kumimoji="0" lang="tr-TR" smtClean="0"/>
+              <a:t>Asıl başlık stili için tıklatın</a:t>
+            </a:r>
+            <a:endParaRPr kumimoji="0" lang="en-US"/>
+          </a:p>
+        </p:txBody>
+      </p:sp>
+      <p:sp>
+        <p:nvSpPr>
+          <p:cNvPr id="3" name="2 İçerik Yer Tutucusu"/>
+          <p:cNvSpPr>
+            <a:spLocks noGrp="1"/>
+          </p:cNvSpPr>
+          <p:nvPr>
+            <p:ph idx="1"/>
+          </p:nvPr>
+        </p:nvSpPr>
+        <p:spPr>
+          <a:xfrm>
+            <a:off x="502920" y="530352"/>
+            <a:ext cx="8183880" cy="4187952"/>
+          </a:xfrm>
+        </p:spPr>
+        <p:txBody>
+          <a:bodyPr/>
+          <a:lstStyle>
+            <a:extLst/>
+          </a:lstStyle>
+          <a:p>
+            <a:pPr lvl="0" eaLnBrk="1" latinLnBrk="0" hangingPunct="1"/>
+            <a:r>
+              <a:rPr lang="tr-TR" smtClean="0"/>
+              <a:t>Asıl metin stillerini düzenlemek için tıklatın</a:t>
+            </a:r>
+          </a:p>
+          <a:p>
+            <a:pPr lvl="1" eaLnBrk="1" latinLnBrk="0" hangingPunct="1"/>
+            <a:r>
+              <a:rPr lang="tr-TR" smtClean="0"/>
+              <a:t>İkinci düzey</a:t>
+            </a:r>
+          </a:p>
+          <a:p>
+            <a:pPr lvl="2" eaLnBrk="1" latinLnBrk="0" hangingPunct="1"/>
+            <a:r>
+              <a:rPr lang="tr-TR" smtClean="0"/>
+              <a:t>Üçüncü düzey</a:t>
+            </a:r>
+          </a:p>
+          <a:p>
+            <a:pPr lvl="3" eaLnBrk="1" latinLnBrk="0" hangingPunct="1"/>
+            <a:r>
+              <a:rPr lang="tr-TR" smtClean="0"/>
+              <a:t>Dördüncü düzey</a:t>
+            </a:r>
+          </a:p>
+          <a:p>
+            <a:pPr lvl="4" eaLnBrk="1" latinLnBrk="0" hangingPunct="1"/>
+            <a:r>
+              <a:rPr lang="tr-TR" smtClean="0"/>
+              <a:t>Beşinci düzey</a:t>
+            </a:r>
+            <a:endParaRPr kumimoji="0" lang="en-US"/>
+          </a:p>
+        </p:txBody>
+      </p:sp>
+      <p:sp>
+        <p:nvSpPr>
+          <p:cNvPr id="4" name="3 Veri Yer Tutucusu"/>
+          <p:cNvSpPr>
+            <a:spLocks noGrp="1"/>
+          </p:cNvSpPr>
+          <p:nvPr>
+            <p:ph type="dt" sz="half" idx="10"/>
+          </p:nvPr>
+        </p:nvSpPr>
         <p:spPr/>
         <p:txBody>
           <a:bodyPr/>
-          <a:lstStyle/>
-          <a:p>
-            <a:r>
-              <a:rPr lang="tr-TR" smtClean="0"/>
-              <a:t>Asıl başlık stili için tıklatın</a:t>
-            </a:r>
-            <a:endParaRPr lang="tr-TR"/>
-          </a:p>
-        </p:txBody>
-      </p:sp>
-      <p:sp>
-        <p:nvSpPr>
-          <p:cNvPr id="3" name="2 İçerik Yer Tutucusu"/>
-          <p:cNvSpPr>
-            <a:spLocks noGrp="1"/>
-          </p:cNvSpPr>
-          <p:nvPr>
-            <p:ph idx="1"/>
-          </p:nvPr>
-        </p:nvSpPr>
-        <p:spPr/>
-        <p:txBody>
-          <a:bodyPr/>
-          <a:lstStyle/>
-          <a:p>
-            <a:pPr lvl="0"/>
-            <a:r>
-              <a:rPr lang="tr-TR" smtClean="0"/>
-              <a:t>Asıl metin stillerini düzenlemek için tıklatın</a:t>
-            </a:r>
-          </a:p>
-          <a:p>
-            <a:pPr lvl="1"/>
-            <a:r>
-              <a:rPr lang="tr-TR" smtClean="0"/>
-              <a:t>İkinci düzey</a:t>
-            </a:r>
-          </a:p>
-          <a:p>
-            <a:pPr lvl="2"/>
-            <a:r>
-              <a:rPr lang="tr-TR" smtClean="0"/>
-              <a:t>Üçüncü düzey</a:t>
-            </a:r>
-          </a:p>
-          <a:p>
-            <a:pPr lvl="3"/>
-            <a:r>
-              <a:rPr lang="tr-TR" smtClean="0"/>
-              <a:t>Dördüncü düzey</a:t>
-            </a:r>
-          </a:p>
-          <a:p>
-            <a:pPr lvl="4"/>
-            <a:r>
-              <a:rPr lang="tr-TR" smtClean="0"/>
-              <a:t>Beşinci düzey</a:t>
-            </a:r>
-            <a:endParaRPr lang="tr-TR"/>
-          </a:p>
-        </p:txBody>
-      </p:sp>
-      <p:sp>
-        <p:nvSpPr>
-          <p:cNvPr id="4" name="3 Veri Yer Tutucusu"/>
-          <p:cNvSpPr>
-            <a:spLocks noGrp="1"/>
-          </p:cNvSpPr>
-          <p:nvPr>
-            <p:ph type="dt" sz="half" idx="10"/>
-          </p:nvPr>
-        </p:nvSpPr>
-        <p:spPr/>
-        <p:txBody>
-          <a:bodyPr/>
-          <a:lstStyle/>
+          <a:lstStyle>
+            <a:extLst/>
+          </a:lstStyle>
           <a:p>
             <a:fld id="{8C62C1B3-2DE2-4893-9E07-7B781D8C28DC}" type="datetimeFigureOut">
               <a:rPr lang="tr-TR" smtClean="0"/>
-              <a:t>20.04.2017</a:t>
+              <a:pPr/>
+              <a:t>21.04.2017</a:t>
             </a:fld>
             <a:endParaRPr lang="tr-TR"/>
           </a:p>
@@ -834,7 +1022,9 @@
         <p:spPr/>
         <p:txBody>
           <a:bodyPr/>
-          <a:lstStyle/>
+          <a:lstStyle>
+            <a:extLst/>
+          </a:lstStyle>
           <a:p>
             <a:endParaRPr lang="tr-TR"/>
           </a:p>
@@ -853,10 +1043,13 @@
         <p:spPr/>
         <p:txBody>
           <a:bodyPr/>
-          <a:lstStyle/>
+          <a:lstStyle>
+            <a:extLst/>
+          </a:lstStyle>
           <a:p>
             <a:fld id="{ED569197-39BF-49E9-A0E9-4FB14A829211}" type="slidenum">
               <a:rPr lang="tr-TR" smtClean="0"/>
+              <a:pPr/>
               <a:t>‹#›</a:t>
             </a:fld>
             <a:endParaRPr lang="tr-TR"/>
@@ -872,7 +1065,7 @@
 </file>
 
 <file path=ppt/slideLayouts/slideLayout3.xml><?xml version="1.0" encoding="utf-8"?>
-<p:sldLayout xmlns:a="http://schemas.openxmlformats.org/drawingml/2006/main" xmlns:r="http://schemas.openxmlformats.org/officeDocument/2006/relationships" xmlns:p="http://schemas.openxmlformats.org/presentationml/2006/main" type="secHead" preserve="1">
+<p:sldLayout xmlns:a="http://schemas.openxmlformats.org/drawingml/2006/main" xmlns:r="http://schemas.openxmlformats.org/officeDocument/2006/relationships" xmlns:p="http://schemas.openxmlformats.org/presentationml/2006/main" showMasterSp="0" type="secHead" preserve="1">
   <p:cSld name="Bölüm Üstbilgisi">
     <p:spTree>
       <p:nvGrpSpPr>
@@ -890,6 +1083,162 @@
       </p:grpSpPr>
       <p:sp>
         <p:nvSpPr>
+          <p:cNvPr id="14" name="13 Yuvarlatılmış Dikdörtgen"/>
+          <p:cNvSpPr/>
+          <p:nvPr/>
+        </p:nvSpPr>
+        <p:spPr>
+          <a:xfrm>
+            <a:off x="304800" y="329184"/>
+            <a:ext cx="8532055" cy="6196819"/>
+          </a:xfrm>
+          <a:prstGeom prst="roundRect">
+            <a:avLst>
+              <a:gd name="adj" fmla="val 2081"/>
+            </a:avLst>
+          </a:prstGeom>
+          <a:gradFill flip="none" rotWithShape="1">
+            <a:gsLst>
+              <a:gs pos="0">
+                <a:srgbClr val="FFFFFF">
+                  <a:shade val="100000"/>
+                </a:srgbClr>
+              </a:gs>
+              <a:gs pos="98000">
+                <a:srgbClr val="FFFFFF">
+                  <a:shade val="100000"/>
+                </a:srgbClr>
+              </a:gs>
+              <a:gs pos="99055">
+                <a:srgbClr val="FFFFFF">
+                  <a:shade val="93000"/>
+                </a:srgbClr>
+              </a:gs>
+              <a:gs pos="100000">
+                <a:srgbClr val="FFFFFF">
+                  <a:shade val="70000"/>
+                </a:srgbClr>
+              </a:gs>
+            </a:gsLst>
+            <a:lin ang="5400000" scaled="1"/>
+            <a:tileRect/>
+          </a:gradFill>
+          <a:ln w="2000" cap="rnd" cmpd="sng" algn="ctr">
+            <a:solidFill>
+              <a:srgbClr val="302F2C">
+                <a:tint val="65000"/>
+                <a:satMod val="120000"/>
+              </a:srgbClr>
+            </a:solidFill>
+            <a:prstDash val="solid"/>
+          </a:ln>
+          <a:effectLst>
+            <a:outerShdw blurRad="76200" dist="50800" dir="5400000" algn="tl" rotWithShape="0">
+              <a:srgbClr val="000000">
+                <a:alpha val="25000"/>
+              </a:srgbClr>
+            </a:outerShdw>
+          </a:effectLst>
+        </p:spPr>
+        <p:style>
+          <a:lnRef idx="3">
+            <a:schemeClr val="lt1"/>
+          </a:lnRef>
+          <a:fillRef idx="1">
+            <a:schemeClr val="accent1"/>
+          </a:fillRef>
+          <a:effectRef idx="1">
+            <a:schemeClr val="accent1"/>
+          </a:effectRef>
+          <a:fontRef idx="minor">
+            <a:schemeClr val="lt1"/>
+          </a:fontRef>
+        </p:style>
+        <p:txBody>
+          <a:bodyPr anchor="ctr"/>
+          <a:lstStyle>
+            <a:extLst/>
+          </a:lstStyle>
+          <a:p>
+            <a:pPr algn="ctr" eaLnBrk="1" latinLnBrk="0" hangingPunct="1"/>
+            <a:endParaRPr kumimoji="0" lang="en-US"/>
+          </a:p>
+        </p:txBody>
+      </p:sp>
+      <p:sp>
+        <p:nvSpPr>
+          <p:cNvPr id="11" name="10 Yuvarlatılmış Dikdörtgen"/>
+          <p:cNvSpPr/>
+          <p:nvPr/>
+        </p:nvSpPr>
+        <p:spPr>
+          <a:xfrm>
+            <a:off x="418596" y="434162"/>
+            <a:ext cx="8306809" cy="4341329"/>
+          </a:xfrm>
+          <a:prstGeom prst="roundRect">
+            <a:avLst>
+              <a:gd name="adj" fmla="val 2127"/>
+            </a:avLst>
+          </a:prstGeom>
+          <a:gradFill rotWithShape="1">
+            <a:gsLst>
+              <a:gs pos="0">
+                <a:schemeClr val="bg1">
+                  <a:tint val="75000"/>
+                  <a:satMod val="150000"/>
+                </a:schemeClr>
+              </a:gs>
+              <a:gs pos="55000">
+                <a:schemeClr val="bg1">
+                  <a:shade val="75000"/>
+                  <a:satMod val="100000"/>
+                </a:schemeClr>
+              </a:gs>
+              <a:gs pos="100000">
+                <a:schemeClr val="bg1">
+                  <a:shade val="35000"/>
+                  <a:satMod val="100000"/>
+                </a:schemeClr>
+              </a:gs>
+            </a:gsLst>
+            <a:path path="circle">
+              <a:fillToRect l="50000" t="175000" r="50000" b="-75000"/>
+            </a:path>
+          </a:gradFill>
+          <a:ln w="8890" cap="rnd" cmpd="sng" algn="ctr">
+            <a:noFill/>
+            <a:prstDash val="solid"/>
+          </a:ln>
+          <a:effectLst/>
+        </p:spPr>
+        <p:style>
+          <a:lnRef idx="3">
+            <a:schemeClr val="lt1"/>
+          </a:lnRef>
+          <a:fillRef idx="1">
+            <a:schemeClr val="accent1"/>
+          </a:fillRef>
+          <a:effectRef idx="1">
+            <a:schemeClr val="accent1"/>
+          </a:effectRef>
+          <a:fontRef idx="minor">
+            <a:schemeClr val="lt1"/>
+          </a:fontRef>
+        </p:style>
+        <p:txBody>
+          <a:bodyPr anchor="ctr"/>
+          <a:lstStyle>
+            <a:extLst/>
+          </a:lstStyle>
+          <a:p>
+            <a:pPr algn="ctr" eaLnBrk="1" latinLnBrk="0" hangingPunct="1"/>
+            <a:endParaRPr kumimoji="0" lang="en-US"/>
+          </a:p>
+        </p:txBody>
+      </p:sp>
+      <p:sp>
+        <p:nvSpPr>
           <p:cNvPr id="2" name="1 Başlık"/>
           <p:cNvSpPr>
             <a:spLocks noGrp="1"/>
@@ -900,56 +1249,73 @@
         </p:nvSpPr>
         <p:spPr>
           <a:xfrm>
-            <a:off x="722313" y="4406900"/>
-            <a:ext cx="7772400" cy="1362075"/>
-          </a:xfrm>
-        </p:spPr>
-        <p:txBody>
-          <a:bodyPr anchor="t"/>
+            <a:off x="468344" y="4928616"/>
+            <a:ext cx="8183880" cy="676656"/>
+          </a:xfrm>
+        </p:spPr>
+        <p:txBody>
+          <a:bodyPr lIns="91440" bIns="0" anchor="b"/>
           <a:lstStyle>
             <a:lvl1pPr algn="l">
-              <a:defRPr sz="4000" b="1" cap="all"/>
-            </a:lvl1pPr>
-          </a:lstStyle>
-          <a:p>
-            <a:r>
-              <a:rPr lang="tr-TR" smtClean="0"/>
-              <a:t>Asıl başlık stili için tıklatın</a:t>
-            </a:r>
-            <a:endParaRPr lang="tr-TR"/>
-          </a:p>
-        </p:txBody>
-      </p:sp>
-      <p:sp>
-        <p:nvSpPr>
-          <p:cNvPr id="3" name="2 Metin Yer Tutucusu"/>
-          <p:cNvSpPr>
-            <a:spLocks noGrp="1"/>
-          </p:cNvSpPr>
-          <p:nvPr>
-            <p:ph type="body" idx="1"/>
-          </p:nvPr>
-        </p:nvSpPr>
-        <p:spPr>
-          <a:xfrm>
-            <a:off x="722313" y="2906713"/>
-            <a:ext cx="7772400" cy="1500187"/>
-          </a:xfrm>
-        </p:spPr>
-        <p:txBody>
-          <a:bodyPr anchor="b"/>
-          <a:lstStyle>
-            <a:lvl1pPr marL="0" indent="0">
               <a:buNone/>
-              <a:defRPr sz="2000">
+              <a:defRPr sz="3600" b="0" cap="none" baseline="0">
                 <a:solidFill>
-                  <a:schemeClr val="tx1">
-                    <a:tint val="75000"/>
+                  <a:schemeClr val="bg2">
+                    <a:shade val="25000"/>
                   </a:schemeClr>
                 </a:solidFill>
+                <a:effectLst/>
               </a:defRPr>
             </a:lvl1pPr>
-            <a:lvl2pPr marL="457200" indent="0">
+            <a:extLst/>
+          </a:lstStyle>
+          <a:p>
+            <a:r>
+              <a:rPr kumimoji="0" lang="tr-TR" smtClean="0"/>
+              <a:t>Asıl başlık stili için tıklatın</a:t>
+            </a:r>
+            <a:endParaRPr kumimoji="0" lang="en-US"/>
+          </a:p>
+        </p:txBody>
+      </p:sp>
+      <p:sp>
+        <p:nvSpPr>
+          <p:cNvPr id="3" name="2 Metin Yer Tutucusu"/>
+          <p:cNvSpPr>
+            <a:spLocks noGrp="1"/>
+          </p:cNvSpPr>
+          <p:nvPr>
+            <p:ph type="body" idx="1"/>
+          </p:nvPr>
+        </p:nvSpPr>
+        <p:spPr>
+          <a:xfrm>
+            <a:off x="468344" y="5624484"/>
+            <a:ext cx="8183880" cy="420624"/>
+          </a:xfrm>
+        </p:spPr>
+        <p:txBody>
+          <a:bodyPr lIns="118872" tIns="0" anchor="t"/>
+          <a:lstStyle>
+            <a:lvl1pPr marL="0" marR="36576" indent="0" algn="l">
+              <a:spcBef>
+                <a:spcPts val="0"/>
+              </a:spcBef>
+              <a:spcAft>
+                <a:spcPts val="0"/>
+              </a:spcAft>
+              <a:buNone/>
+              <a:defRPr sz="1800" b="0">
+                <a:solidFill>
+                  <a:schemeClr val="accent1">
+                    <a:shade val="50000"/>
+                    <a:satMod val="110000"/>
+                  </a:schemeClr>
+                </a:solidFill>
+                <a:effectLst/>
+              </a:defRPr>
+            </a:lvl1pPr>
+            <a:lvl2pPr>
               <a:buNone/>
               <a:defRPr sz="1800">
                 <a:solidFill>
@@ -959,7 +1325,7 @@
                 </a:solidFill>
               </a:defRPr>
             </a:lvl2pPr>
-            <a:lvl3pPr marL="914400" indent="0">
+            <a:lvl3pPr>
               <a:buNone/>
               <a:defRPr sz="1600">
                 <a:solidFill>
@@ -969,7 +1335,7 @@
                 </a:solidFill>
               </a:defRPr>
             </a:lvl3pPr>
-            <a:lvl4pPr marL="1371600" indent="0">
+            <a:lvl4pPr>
               <a:buNone/>
               <a:defRPr sz="1400">
                 <a:solidFill>
@@ -979,7 +1345,7 @@
                 </a:solidFill>
               </a:defRPr>
             </a:lvl4pPr>
-            <a:lvl5pPr marL="1828800" indent="0">
+            <a:lvl5pPr>
               <a:buNone/>
               <a:defRPr sz="1400">
                 <a:solidFill>
@@ -989,51 +1355,12 @@
                 </a:solidFill>
               </a:defRPr>
             </a:lvl5pPr>
-            <a:lvl6pPr marL="2286000" indent="0">
-              <a:buNone/>
-              <a:defRPr sz="1400">
-                <a:solidFill>
-                  <a:schemeClr val="tx1">
-                    <a:tint val="75000"/>
-                  </a:schemeClr>
-                </a:solidFill>
-              </a:defRPr>
-            </a:lvl6pPr>
-            <a:lvl7pPr marL="2743200" indent="0">
-              <a:buNone/>
-              <a:defRPr sz="1400">
-                <a:solidFill>
-                  <a:schemeClr val="tx1">
-                    <a:tint val="75000"/>
-                  </a:schemeClr>
-                </a:solidFill>
-              </a:defRPr>
-            </a:lvl7pPr>
-            <a:lvl8pPr marL="3200400" indent="0">
-              <a:buNone/>
-              <a:defRPr sz="1400">
-                <a:solidFill>
-                  <a:schemeClr val="tx1">
-                    <a:tint val="75000"/>
-                  </a:schemeClr>
-                </a:solidFill>
-              </a:defRPr>
-            </a:lvl8pPr>
-            <a:lvl9pPr marL="3657600" indent="0">
-              <a:buNone/>
-              <a:defRPr sz="1400">
-                <a:solidFill>
-                  <a:schemeClr val="tx1">
-                    <a:tint val="75000"/>
-                  </a:schemeClr>
-                </a:solidFill>
-              </a:defRPr>
-            </a:lvl9pPr>
-          </a:lstStyle>
-          <a:p>
-            <a:pPr lvl="0"/>
-            <a:r>
-              <a:rPr lang="tr-TR" smtClean="0"/>
+            <a:extLst/>
+          </a:lstStyle>
+          <a:p>
+            <a:pPr lvl="0" eaLnBrk="1" latinLnBrk="0" hangingPunct="1"/>
+            <a:r>
+              <a:rPr kumimoji="0" lang="tr-TR" smtClean="0"/>
               <a:t>Asıl metin stillerini düzenlemek için tıklatın</a:t>
             </a:r>
           </a:p>
@@ -1052,11 +1379,14 @@
         <p:spPr/>
         <p:txBody>
           <a:bodyPr/>
-          <a:lstStyle/>
+          <a:lstStyle>
+            <a:extLst/>
+          </a:lstStyle>
           <a:p>
             <a:fld id="{8C62C1B3-2DE2-4893-9E07-7B781D8C28DC}" type="datetimeFigureOut">
               <a:rPr lang="tr-TR" smtClean="0"/>
-              <a:t>20.04.2017</a:t>
+              <a:pPr/>
+              <a:t>21.04.2017</a:t>
             </a:fld>
             <a:endParaRPr lang="tr-TR"/>
           </a:p>
@@ -1075,7 +1405,9 @@
         <p:spPr/>
         <p:txBody>
           <a:bodyPr/>
-          <a:lstStyle/>
+          <a:lstStyle>
+            <a:extLst/>
+          </a:lstStyle>
           <a:p>
             <a:endParaRPr lang="tr-TR"/>
           </a:p>
@@ -1094,10 +1426,13 @@
         <p:spPr/>
         <p:txBody>
           <a:bodyPr/>
-          <a:lstStyle/>
+          <a:lstStyle>
+            <a:extLst/>
+          </a:lstStyle>
           <a:p>
             <a:fld id="{ED569197-39BF-49E9-A0E9-4FB14A829211}" type="slidenum">
               <a:rPr lang="tr-TR" smtClean="0"/>
+              <a:pPr/>
               <a:t>‹#›</a:t>
             </a:fld>
             <a:endParaRPr lang="tr-TR"/>
@@ -1142,13 +1477,15 @@
         <p:spPr/>
         <p:txBody>
           <a:bodyPr/>
-          <a:lstStyle/>
-          <a:p>
-            <a:r>
-              <a:rPr lang="tr-TR" smtClean="0"/>
+          <a:lstStyle>
+            <a:extLst/>
+          </a:lstStyle>
+          <a:p>
+            <a:r>
+              <a:rPr kumimoji="0" lang="tr-TR" smtClean="0"/>
               <a:t>Asıl başlık stili için tıklatın</a:t>
             </a:r>
-            <a:endParaRPr lang="tr-TR"/>
+            <a:endParaRPr kumimoji="0" lang="en-US"/>
           </a:p>
         </p:txBody>
       </p:sp>
@@ -1164,18 +1501,18 @@
         </p:nvSpPr>
         <p:spPr>
           <a:xfrm>
-            <a:off x="457200" y="1600200"/>
-            <a:ext cx="4038600" cy="4525963"/>
+            <a:off x="514352" y="530352"/>
+            <a:ext cx="3931920" cy="4389120"/>
           </a:xfrm>
         </p:spPr>
         <p:txBody>
           <a:bodyPr/>
           <a:lstStyle>
             <a:lvl1pPr>
-              <a:defRPr sz="2800"/>
+              <a:defRPr sz="2600"/>
             </a:lvl1pPr>
             <a:lvl2pPr>
-              <a:defRPr sz="2400"/>
+              <a:defRPr sz="2200"/>
             </a:lvl2pPr>
             <a:lvl3pPr>
               <a:defRPr sz="2000"/>
@@ -1186,54 +1523,43 @@
             <a:lvl5pPr>
               <a:defRPr sz="1800"/>
             </a:lvl5pPr>
-            <a:lvl6pPr>
-              <a:defRPr sz="1800"/>
-            </a:lvl6pPr>
-            <a:lvl7pPr>
-              <a:defRPr sz="1800"/>
-            </a:lvl7pPr>
-            <a:lvl8pPr>
-              <a:defRPr sz="1800"/>
-            </a:lvl8pPr>
-            <a:lvl9pPr>
-              <a:defRPr sz="1800"/>
-            </a:lvl9pPr>
-          </a:lstStyle>
-          <a:p>
-            <a:pPr lvl="0"/>
+            <a:extLst/>
+          </a:lstStyle>
+          <a:p>
+            <a:pPr lvl="0" eaLnBrk="1" latinLnBrk="0" hangingPunct="1"/>
             <a:r>
               <a:rPr lang="tr-TR" smtClean="0"/>
               <a:t>Asıl metin stillerini düzenlemek için tıklatın</a:t>
             </a:r>
           </a:p>
           <a:p>
-            <a:pPr lvl="1"/>
+            <a:pPr lvl="1" eaLnBrk="1" latinLnBrk="0" hangingPunct="1"/>
             <a:r>
               <a:rPr lang="tr-TR" smtClean="0"/>
               <a:t>İkinci düzey</a:t>
             </a:r>
           </a:p>
           <a:p>
-            <a:pPr lvl="2"/>
+            <a:pPr lvl="2" eaLnBrk="1" latinLnBrk="0" hangingPunct="1"/>
             <a:r>
               <a:rPr lang="tr-TR" smtClean="0"/>
               <a:t>Üçüncü düzey</a:t>
             </a:r>
           </a:p>
           <a:p>
-            <a:pPr lvl="3"/>
+            <a:pPr lvl="3" eaLnBrk="1" latinLnBrk="0" hangingPunct="1"/>
             <a:r>
               <a:rPr lang="tr-TR" smtClean="0"/>
               <a:t>Dördüncü düzey</a:t>
             </a:r>
           </a:p>
           <a:p>
-            <a:pPr lvl="4"/>
+            <a:pPr lvl="4" eaLnBrk="1" latinLnBrk="0" hangingPunct="1"/>
             <a:r>
               <a:rPr lang="tr-TR" smtClean="0"/>
               <a:t>Beşinci düzey</a:t>
             </a:r>
-            <a:endParaRPr lang="tr-TR"/>
+            <a:endParaRPr kumimoji="0" lang="en-US"/>
           </a:p>
         </p:txBody>
       </p:sp>
@@ -1249,18 +1575,18 @@
         </p:nvSpPr>
         <p:spPr>
           <a:xfrm>
-            <a:off x="4648200" y="1600200"/>
-            <a:ext cx="4038600" cy="4525963"/>
+            <a:off x="4755360" y="530352"/>
+            <a:ext cx="3931920" cy="4389120"/>
           </a:xfrm>
         </p:spPr>
         <p:txBody>
           <a:bodyPr/>
           <a:lstStyle>
             <a:lvl1pPr>
-              <a:defRPr sz="2800"/>
+              <a:defRPr sz="2600"/>
             </a:lvl1pPr>
             <a:lvl2pPr>
-              <a:defRPr sz="2400"/>
+              <a:defRPr sz="2200"/>
             </a:lvl2pPr>
             <a:lvl3pPr>
               <a:defRPr sz="2000"/>
@@ -1271,54 +1597,43 @@
             <a:lvl5pPr>
               <a:defRPr sz="1800"/>
             </a:lvl5pPr>
-            <a:lvl6pPr>
-              <a:defRPr sz="1800"/>
-            </a:lvl6pPr>
-            <a:lvl7pPr>
-              <a:defRPr sz="1800"/>
-            </a:lvl7pPr>
-            <a:lvl8pPr>
-              <a:defRPr sz="1800"/>
-            </a:lvl8pPr>
-            <a:lvl9pPr>
-              <a:defRPr sz="1800"/>
-            </a:lvl9pPr>
-          </a:lstStyle>
-          <a:p>
-            <a:pPr lvl="0"/>
+            <a:extLst/>
+          </a:lstStyle>
+          <a:p>
+            <a:pPr lvl="0" eaLnBrk="1" latinLnBrk="0" hangingPunct="1"/>
             <a:r>
               <a:rPr lang="tr-TR" smtClean="0"/>
               <a:t>Asıl metin stillerini düzenlemek için tıklatın</a:t>
             </a:r>
           </a:p>
           <a:p>
-            <a:pPr lvl="1"/>
+            <a:pPr lvl="1" eaLnBrk="1" latinLnBrk="0" hangingPunct="1"/>
             <a:r>
               <a:rPr lang="tr-TR" smtClean="0"/>
               <a:t>İkinci düzey</a:t>
             </a:r>
           </a:p>
           <a:p>
-            <a:pPr lvl="2"/>
+            <a:pPr lvl="2" eaLnBrk="1" latinLnBrk="0" hangingPunct="1"/>
             <a:r>
               <a:rPr lang="tr-TR" smtClean="0"/>
               <a:t>Üçüncü düzey</a:t>
             </a:r>
           </a:p>
           <a:p>
-            <a:pPr lvl="3"/>
+            <a:pPr lvl="3" eaLnBrk="1" latinLnBrk="0" hangingPunct="1"/>
             <a:r>
               <a:rPr lang="tr-TR" smtClean="0"/>
               <a:t>Dördüncü düzey</a:t>
             </a:r>
           </a:p>
           <a:p>
-            <a:pPr lvl="4"/>
+            <a:pPr lvl="4" eaLnBrk="1" latinLnBrk="0" hangingPunct="1"/>
             <a:r>
               <a:rPr lang="tr-TR" smtClean="0"/>
               <a:t>Beşinci düzey</a:t>
             </a:r>
-            <a:endParaRPr lang="tr-TR"/>
+            <a:endParaRPr kumimoji="0" lang="en-US"/>
           </a:p>
         </p:txBody>
       </p:sp>
@@ -1335,11 +1650,14 @@
         <p:spPr/>
         <p:txBody>
           <a:bodyPr/>
-          <a:lstStyle/>
+          <a:lstStyle>
+            <a:extLst/>
+          </a:lstStyle>
           <a:p>
             <a:fld id="{8C62C1B3-2DE2-4893-9E07-7B781D8C28DC}" type="datetimeFigureOut">
               <a:rPr lang="tr-TR" smtClean="0"/>
-              <a:t>20.04.2017</a:t>
+              <a:pPr/>
+              <a:t>21.04.2017</a:t>
             </a:fld>
             <a:endParaRPr lang="tr-TR"/>
           </a:p>
@@ -1358,7 +1676,9 @@
         <p:spPr/>
         <p:txBody>
           <a:bodyPr/>
-          <a:lstStyle/>
+          <a:lstStyle>
+            <a:extLst/>
+          </a:lstStyle>
           <a:p>
             <a:endParaRPr lang="tr-TR"/>
           </a:p>
@@ -1377,10 +1697,13 @@
         <p:spPr/>
         <p:txBody>
           <a:bodyPr/>
-          <a:lstStyle/>
+          <a:lstStyle>
+            <a:extLst/>
+          </a:lstStyle>
           <a:p>
             <a:fld id="{ED569197-39BF-49E9-A0E9-4FB14A829211}" type="slidenum">
               <a:rPr lang="tr-TR" smtClean="0"/>
+              <a:pPr/>
               <a:t>‹#›</a:t>
             </a:fld>
             <a:endParaRPr lang="tr-TR"/>
@@ -1422,20 +1745,26 @@
             <p:ph type="title"/>
           </p:nvPr>
         </p:nvSpPr>
-        <p:spPr/>
-        <p:txBody>
-          <a:bodyPr/>
+        <p:spPr>
+          <a:xfrm>
+            <a:off x="502920" y="4983480"/>
+            <a:ext cx="8183880" cy="1051560"/>
+          </a:xfrm>
+        </p:spPr>
+        <p:txBody>
+          <a:bodyPr anchor="b"/>
           <a:lstStyle>
             <a:lvl1pPr>
-              <a:defRPr/>
+              <a:defRPr b="1"/>
             </a:lvl1pPr>
-          </a:lstStyle>
-          <a:p>
-            <a:r>
-              <a:rPr lang="tr-TR" smtClean="0"/>
+            <a:extLst/>
+          </a:lstStyle>
+          <a:p>
+            <a:r>
+              <a:rPr kumimoji="0" lang="tr-TR" smtClean="0"/>
               <a:t>Asıl başlık stili için tıklatın</a:t>
             </a:r>
-            <a:endParaRPr lang="tr-TR"/>
+            <a:endParaRPr kumimoji="0" lang="en-US"/>
           </a:p>
         </p:txBody>
       </p:sp>
@@ -1451,204 +1780,97 @@
         </p:nvSpPr>
         <p:spPr>
           <a:xfrm>
-            <a:off x="457200" y="1535113"/>
-            <a:ext cx="4040188" cy="639762"/>
-          </a:xfrm>
-        </p:spPr>
-        <p:txBody>
-          <a:bodyPr anchor="b"/>
-          <a:lstStyle>
-            <a:lvl1pPr marL="0" indent="0">
+            <a:off x="607224" y="579438"/>
+            <a:ext cx="3931920" cy="792162"/>
+          </a:xfrm>
+        </p:spPr>
+        <p:txBody>
+          <a:bodyPr lIns="146304" anchor="ctr"/>
+          <a:lstStyle>
+            <a:lvl1pPr marL="0" indent="0" algn="l">
               <a:buNone/>
-              <a:defRPr sz="2400" b="1"/>
+              <a:defRPr sz="2400" b="1">
+                <a:solidFill>
+                  <a:schemeClr val="tx1"/>
+                </a:solidFill>
+              </a:defRPr>
             </a:lvl1pPr>
-            <a:lvl2pPr marL="457200" indent="0">
+            <a:lvl2pPr>
               <a:buNone/>
               <a:defRPr sz="2000" b="1"/>
             </a:lvl2pPr>
-            <a:lvl3pPr marL="914400" indent="0">
+            <a:lvl3pPr>
               <a:buNone/>
               <a:defRPr sz="1800" b="1"/>
             </a:lvl3pPr>
-            <a:lvl4pPr marL="1371600" indent="0">
+            <a:lvl4pPr>
               <a:buNone/>
               <a:defRPr sz="1600" b="1"/>
             </a:lvl4pPr>
-            <a:lvl5pPr marL="1828800" indent="0">
+            <a:lvl5pPr>
               <a:buNone/>
               <a:defRPr sz="1600" b="1"/>
             </a:lvl5pPr>
-            <a:lvl6pPr marL="2286000" indent="0">
+            <a:extLst/>
+          </a:lstStyle>
+          <a:p>
+            <a:pPr lvl="0" eaLnBrk="1" latinLnBrk="0" hangingPunct="1"/>
+            <a:r>
+              <a:rPr kumimoji="0" lang="tr-TR" smtClean="0"/>
+              <a:t>Asıl metin stillerini düzenlemek için tıklatın</a:t>
+            </a:r>
+          </a:p>
+        </p:txBody>
+      </p:sp>
+      <p:sp>
+        <p:nvSpPr>
+          <p:cNvPr id="4" name="3 Metin Yer Tutucusu"/>
+          <p:cNvSpPr>
+            <a:spLocks noGrp="1"/>
+          </p:cNvSpPr>
+          <p:nvPr>
+            <p:ph type="body" sz="half" idx="3"/>
+          </p:nvPr>
+        </p:nvSpPr>
+        <p:spPr>
+          <a:xfrm>
+            <a:off x="4652169" y="579438"/>
+            <a:ext cx="3931920" cy="792162"/>
+          </a:xfrm>
+        </p:spPr>
+        <p:txBody>
+          <a:bodyPr lIns="137160" anchor="ctr"/>
+          <a:lstStyle>
+            <a:lvl1pPr marL="0" indent="0" algn="l">
               <a:buNone/>
-              <a:defRPr sz="1600" b="1"/>
-            </a:lvl6pPr>
-            <a:lvl7pPr marL="2743200" indent="0">
-              <a:buNone/>
-              <a:defRPr sz="1600" b="1"/>
-            </a:lvl7pPr>
-            <a:lvl8pPr marL="3200400" indent="0">
-              <a:buNone/>
-              <a:defRPr sz="1600" b="1"/>
-            </a:lvl8pPr>
-            <a:lvl9pPr marL="3657600" indent="0">
-              <a:buNone/>
-              <a:defRPr sz="1600" b="1"/>
-            </a:lvl9pPr>
-          </a:lstStyle>
-          <a:p>
-            <a:pPr lvl="0"/>
-            <a:r>
-              <a:rPr lang="tr-TR" smtClean="0"/>
-              <a:t>Asıl metin stillerini düzenlemek için tıklatın</a:t>
-            </a:r>
-          </a:p>
-        </p:txBody>
-      </p:sp>
-      <p:sp>
-        <p:nvSpPr>
-          <p:cNvPr id="4" name="3 İçerik Yer Tutucusu"/>
-          <p:cNvSpPr>
-            <a:spLocks noGrp="1"/>
-          </p:cNvSpPr>
-          <p:nvPr>
-            <p:ph sz="half" idx="2"/>
-          </p:nvPr>
-        </p:nvSpPr>
-        <p:spPr>
-          <a:xfrm>
-            <a:off x="457200" y="2174875"/>
-            <a:ext cx="4040188" cy="3951288"/>
-          </a:xfrm>
-        </p:spPr>
-        <p:txBody>
-          <a:bodyPr/>
-          <a:lstStyle>
-            <a:lvl1pPr>
-              <a:defRPr sz="2400"/>
+              <a:defRPr sz="2400" b="1">
+                <a:solidFill>
+                  <a:schemeClr val="tx1"/>
+                </a:solidFill>
+              </a:defRPr>
             </a:lvl1pPr>
             <a:lvl2pPr>
-              <a:defRPr sz="2000"/>
-            </a:lvl2pPr>
-            <a:lvl3pPr>
-              <a:defRPr sz="1800"/>
-            </a:lvl3pPr>
-            <a:lvl4pPr>
-              <a:defRPr sz="1600"/>
-            </a:lvl4pPr>
-            <a:lvl5pPr>
-              <a:defRPr sz="1600"/>
-            </a:lvl5pPr>
-            <a:lvl6pPr>
-              <a:defRPr sz="1600"/>
-            </a:lvl6pPr>
-            <a:lvl7pPr>
-              <a:defRPr sz="1600"/>
-            </a:lvl7pPr>
-            <a:lvl8pPr>
-              <a:defRPr sz="1600"/>
-            </a:lvl8pPr>
-            <a:lvl9pPr>
-              <a:defRPr sz="1600"/>
-            </a:lvl9pPr>
-          </a:lstStyle>
-          <a:p>
-            <a:pPr lvl="0"/>
-            <a:r>
-              <a:rPr lang="tr-TR" smtClean="0"/>
-              <a:t>Asıl metin stillerini düzenlemek için tıklatın</a:t>
-            </a:r>
-          </a:p>
-          <a:p>
-            <a:pPr lvl="1"/>
-            <a:r>
-              <a:rPr lang="tr-TR" smtClean="0"/>
-              <a:t>İkinci düzey</a:t>
-            </a:r>
-          </a:p>
-          <a:p>
-            <a:pPr lvl="2"/>
-            <a:r>
-              <a:rPr lang="tr-TR" smtClean="0"/>
-              <a:t>Üçüncü düzey</a:t>
-            </a:r>
-          </a:p>
-          <a:p>
-            <a:pPr lvl="3"/>
-            <a:r>
-              <a:rPr lang="tr-TR" smtClean="0"/>
-              <a:t>Dördüncü düzey</a:t>
-            </a:r>
-          </a:p>
-          <a:p>
-            <a:pPr lvl="4"/>
-            <a:r>
-              <a:rPr lang="tr-TR" smtClean="0"/>
-              <a:t>Beşinci düzey</a:t>
-            </a:r>
-            <a:endParaRPr lang="tr-TR"/>
-          </a:p>
-        </p:txBody>
-      </p:sp>
-      <p:sp>
-        <p:nvSpPr>
-          <p:cNvPr id="5" name="4 Metin Yer Tutucusu"/>
-          <p:cNvSpPr>
-            <a:spLocks noGrp="1"/>
-          </p:cNvSpPr>
-          <p:nvPr>
-            <p:ph type="body" sz="quarter" idx="3"/>
-          </p:nvPr>
-        </p:nvSpPr>
-        <p:spPr>
-          <a:xfrm>
-            <a:off x="4645025" y="1535113"/>
-            <a:ext cx="4041775" cy="639762"/>
-          </a:xfrm>
-        </p:spPr>
-        <p:txBody>
-          <a:bodyPr anchor="b"/>
-          <a:lstStyle>
-            <a:lvl1pPr marL="0" indent="0">
-              <a:buNone/>
-              <a:defRPr sz="2400" b="1"/>
-            </a:lvl1pPr>
-            <a:lvl2pPr marL="457200" indent="0">
               <a:buNone/>
               <a:defRPr sz="2000" b="1"/>
             </a:lvl2pPr>
-            <a:lvl3pPr marL="914400" indent="0">
+            <a:lvl3pPr>
               <a:buNone/>
               <a:defRPr sz="1800" b="1"/>
             </a:lvl3pPr>
-            <a:lvl4pPr marL="1371600" indent="0">
+            <a:lvl4pPr>
               <a:buNone/>
               <a:defRPr sz="1600" b="1"/>
             </a:lvl4pPr>
-            <a:lvl5pPr marL="1828800" indent="0">
+            <a:lvl5pPr>
               <a:buNone/>
               <a:defRPr sz="1600" b="1"/>
             </a:lvl5pPr>
-            <a:lvl6pPr marL="2286000" indent="0">
-              <a:buNone/>
-              <a:defRPr sz="1600" b="1"/>
-            </a:lvl6pPr>
-            <a:lvl7pPr marL="2743200" indent="0">
-              <a:buNone/>
-              <a:defRPr sz="1600" b="1"/>
-            </a:lvl7pPr>
-            <a:lvl8pPr marL="3200400" indent="0">
-              <a:buNone/>
-              <a:defRPr sz="1600" b="1"/>
-            </a:lvl8pPr>
-            <a:lvl9pPr marL="3657600" indent="0">
-              <a:buNone/>
-              <a:defRPr sz="1600" b="1"/>
-            </a:lvl9pPr>
-          </a:lstStyle>
-          <a:p>
-            <a:pPr lvl="0"/>
-            <a:r>
-              <a:rPr lang="tr-TR" smtClean="0"/>
+            <a:extLst/>
+          </a:lstStyle>
+          <a:p>
+            <a:pPr lvl="0" eaLnBrk="1" latinLnBrk="0" hangingPunct="1"/>
+            <a:r>
+              <a:rPr kumimoji="0" lang="tr-TR" smtClean="0"/>
               <a:t>Asıl metin stillerini düzenlemek için tıklatın</a:t>
             </a:r>
           </a:p>
@@ -1656,86 +1878,149 @@
       </p:sp>
       <p:sp>
         <p:nvSpPr>
-          <p:cNvPr id="6" name="5 İçerik Yer Tutucusu"/>
-          <p:cNvSpPr>
-            <a:spLocks noGrp="1"/>
-          </p:cNvSpPr>
-          <p:nvPr>
-            <p:ph sz="quarter" idx="4"/>
-          </p:nvPr>
-        </p:nvSpPr>
-        <p:spPr>
-          <a:xfrm>
-            <a:off x="4645025" y="2174875"/>
-            <a:ext cx="4041775" cy="3951288"/>
-          </a:xfrm>
-        </p:spPr>
-        <p:txBody>
-          <a:bodyPr/>
-          <a:lstStyle>
-            <a:lvl1pPr>
+          <p:cNvPr id="5" name="4 İçerik Yer Tutucusu"/>
+          <p:cNvSpPr>
+            <a:spLocks noGrp="1"/>
+          </p:cNvSpPr>
+          <p:nvPr>
+            <p:ph sz="quarter" idx="2"/>
+          </p:nvPr>
+        </p:nvSpPr>
+        <p:spPr>
+          <a:xfrm>
+            <a:off x="607224" y="1447800"/>
+            <a:ext cx="3931920" cy="3489960"/>
+          </a:xfrm>
+        </p:spPr>
+        <p:txBody>
+          <a:bodyPr anchor="t"/>
+          <a:lstStyle>
+            <a:lvl1pPr algn="l">
               <a:defRPr sz="2400"/>
             </a:lvl1pPr>
-            <a:lvl2pPr>
+            <a:lvl2pPr algn="l">
               <a:defRPr sz="2000"/>
             </a:lvl2pPr>
-            <a:lvl3pPr>
+            <a:lvl3pPr algn="l">
               <a:defRPr sz="1800"/>
             </a:lvl3pPr>
-            <a:lvl4pPr>
+            <a:lvl4pPr algn="l">
               <a:defRPr sz="1600"/>
             </a:lvl4pPr>
-            <a:lvl5pPr>
+            <a:lvl5pPr algn="l">
               <a:defRPr sz="1600"/>
             </a:lvl5pPr>
-            <a:lvl6pPr>
+            <a:extLst/>
+          </a:lstStyle>
+          <a:p>
+            <a:pPr lvl="0" eaLnBrk="1" latinLnBrk="0" hangingPunct="1"/>
+            <a:r>
+              <a:rPr lang="tr-TR" smtClean="0"/>
+              <a:t>Asıl metin stillerini düzenlemek için tıklatın</a:t>
+            </a:r>
+          </a:p>
+          <a:p>
+            <a:pPr lvl="1" eaLnBrk="1" latinLnBrk="0" hangingPunct="1"/>
+            <a:r>
+              <a:rPr lang="tr-TR" smtClean="0"/>
+              <a:t>İkinci düzey</a:t>
+            </a:r>
+          </a:p>
+          <a:p>
+            <a:pPr lvl="2" eaLnBrk="1" latinLnBrk="0" hangingPunct="1"/>
+            <a:r>
+              <a:rPr lang="tr-TR" smtClean="0"/>
+              <a:t>Üçüncü düzey</a:t>
+            </a:r>
+          </a:p>
+          <a:p>
+            <a:pPr lvl="3" eaLnBrk="1" latinLnBrk="0" hangingPunct="1"/>
+            <a:r>
+              <a:rPr lang="tr-TR" smtClean="0"/>
+              <a:t>Dördüncü düzey</a:t>
+            </a:r>
+          </a:p>
+          <a:p>
+            <a:pPr lvl="4" eaLnBrk="1" latinLnBrk="0" hangingPunct="1"/>
+            <a:r>
+              <a:rPr lang="tr-TR" smtClean="0"/>
+              <a:t>Beşinci düzey</a:t>
+            </a:r>
+            <a:endParaRPr kumimoji="0" lang="en-US"/>
+          </a:p>
+        </p:txBody>
+      </p:sp>
+      <p:sp>
+        <p:nvSpPr>
+          <p:cNvPr id="6" name="5 İçerik Yer Tutucusu"/>
+          <p:cNvSpPr>
+            <a:spLocks noGrp="1"/>
+          </p:cNvSpPr>
+          <p:nvPr>
+            <p:ph sz="quarter" idx="4"/>
+          </p:nvPr>
+        </p:nvSpPr>
+        <p:spPr>
+          <a:xfrm>
+            <a:off x="4652169" y="1447800"/>
+            <a:ext cx="3931920" cy="3489960"/>
+          </a:xfrm>
+        </p:spPr>
+        <p:txBody>
+          <a:bodyPr anchor="t"/>
+          <a:lstStyle>
+            <a:lvl1pPr algn="l">
+              <a:defRPr sz="2400"/>
+            </a:lvl1pPr>
+            <a:lvl2pPr algn="l">
+              <a:defRPr sz="2000"/>
+            </a:lvl2pPr>
+            <a:lvl3pPr algn="l">
+              <a:defRPr sz="1800"/>
+            </a:lvl3pPr>
+            <a:lvl4pPr algn="l">
               <a:defRPr sz="1600"/>
-            </a:lvl6pPr>
-            <a:lvl7pPr>
+            </a:lvl4pPr>
+            <a:lvl5pPr algn="l">
               <a:defRPr sz="1600"/>
-            </a:lvl7pPr>
-            <a:lvl8pPr>
-              <a:defRPr sz="1600"/>
-            </a:lvl8pPr>
-            <a:lvl9pPr>
-              <a:defRPr sz="1600"/>
-            </a:lvl9pPr>
-          </a:lstStyle>
-          <a:p>
-            <a:pPr lvl="0"/>
+            </a:lvl5pPr>
+            <a:extLst/>
+          </a:lstStyle>
+          <a:p>
+            <a:pPr lvl="0" eaLnBrk="1" latinLnBrk="0" hangingPunct="1"/>
             <a:r>
               <a:rPr lang="tr-TR" smtClean="0"/>
               <a:t>Asıl metin stillerini düzenlemek için tıklatın</a:t>
             </a:r>
           </a:p>
           <a:p>
-            <a:pPr lvl="1"/>
+            <a:pPr lvl="1" eaLnBrk="1" latinLnBrk="0" hangingPunct="1"/>
             <a:r>
               <a:rPr lang="tr-TR" smtClean="0"/>
               <a:t>İkinci düzey</a:t>
             </a:r>
           </a:p>
           <a:p>
-            <a:pPr lvl="2"/>
+            <a:pPr lvl="2" eaLnBrk="1" latinLnBrk="0" hangingPunct="1"/>
             <a:r>
               <a:rPr lang="tr-TR" smtClean="0"/>
               <a:t>Üçüncü düzey</a:t>
             </a:r>
           </a:p>
           <a:p>
-            <a:pPr lvl="3"/>
+            <a:pPr lvl="3" eaLnBrk="1" latinLnBrk="0" hangingPunct="1"/>
             <a:r>
               <a:rPr lang="tr-TR" smtClean="0"/>
               <a:t>Dördüncü düzey</a:t>
             </a:r>
           </a:p>
           <a:p>
-            <a:pPr lvl="4"/>
+            <a:pPr lvl="4" eaLnBrk="1" latinLnBrk="0" hangingPunct="1"/>
             <a:r>
               <a:rPr lang="tr-TR" smtClean="0"/>
               <a:t>Beşinci düzey</a:t>
             </a:r>
-            <a:endParaRPr lang="tr-TR"/>
+            <a:endParaRPr kumimoji="0" lang="en-US"/>
           </a:p>
         </p:txBody>
       </p:sp>
@@ -1752,11 +2037,14 @@
         <p:spPr/>
         <p:txBody>
           <a:bodyPr/>
-          <a:lstStyle/>
+          <a:lstStyle>
+            <a:extLst/>
+          </a:lstStyle>
           <a:p>
             <a:fld id="{8C62C1B3-2DE2-4893-9E07-7B781D8C28DC}" type="datetimeFigureOut">
               <a:rPr lang="tr-TR" smtClean="0"/>
-              <a:t>20.04.2017</a:t>
+              <a:pPr/>
+              <a:t>21.04.2017</a:t>
             </a:fld>
             <a:endParaRPr lang="tr-TR"/>
           </a:p>
@@ -1775,7 +2063,9 @@
         <p:spPr/>
         <p:txBody>
           <a:bodyPr/>
-          <a:lstStyle/>
+          <a:lstStyle>
+            <a:extLst/>
+          </a:lstStyle>
           <a:p>
             <a:endParaRPr lang="tr-TR"/>
           </a:p>
@@ -1794,10 +2084,13 @@
         <p:spPr/>
         <p:txBody>
           <a:bodyPr/>
-          <a:lstStyle/>
+          <a:lstStyle>
+            <a:extLst/>
+          </a:lstStyle>
           <a:p>
             <a:fld id="{ED569197-39BF-49E9-A0E9-4FB14A829211}" type="slidenum">
               <a:rPr lang="tr-TR" smtClean="0"/>
+              <a:pPr/>
               <a:t>‹#›</a:t>
             </a:fld>
             <a:endParaRPr lang="tr-TR"/>
@@ -1842,13 +2135,15 @@
         <p:spPr/>
         <p:txBody>
           <a:bodyPr/>
-          <a:lstStyle/>
-          <a:p>
-            <a:r>
-              <a:rPr lang="tr-TR" smtClean="0"/>
+          <a:lstStyle>
+            <a:extLst/>
+          </a:lstStyle>
+          <a:p>
+            <a:r>
+              <a:rPr kumimoji="0" lang="tr-TR" smtClean="0"/>
               <a:t>Asıl başlık stili için tıklatın</a:t>
             </a:r>
-            <a:endParaRPr lang="tr-TR"/>
+            <a:endParaRPr kumimoji="0" lang="en-US"/>
           </a:p>
         </p:txBody>
       </p:sp>
@@ -1865,11 +2160,14 @@
         <p:spPr/>
         <p:txBody>
           <a:bodyPr/>
-          <a:lstStyle/>
+          <a:lstStyle>
+            <a:extLst/>
+          </a:lstStyle>
           <a:p>
             <a:fld id="{8C62C1B3-2DE2-4893-9E07-7B781D8C28DC}" type="datetimeFigureOut">
               <a:rPr lang="tr-TR" smtClean="0"/>
-              <a:t>20.04.2017</a:t>
+              <a:pPr/>
+              <a:t>21.04.2017</a:t>
             </a:fld>
             <a:endParaRPr lang="tr-TR"/>
           </a:p>
@@ -1888,7 +2186,9 @@
         <p:spPr/>
         <p:txBody>
           <a:bodyPr/>
-          <a:lstStyle/>
+          <a:lstStyle>
+            <a:extLst/>
+          </a:lstStyle>
           <a:p>
             <a:endParaRPr lang="tr-TR"/>
           </a:p>
@@ -1907,10 +2207,13 @@
         <p:spPr/>
         <p:txBody>
           <a:bodyPr/>
-          <a:lstStyle/>
+          <a:lstStyle>
+            <a:extLst/>
+          </a:lstStyle>
           <a:p>
             <a:fld id="{ED569197-39BF-49E9-A0E9-4FB14A829211}" type="slidenum">
               <a:rPr lang="tr-TR" smtClean="0"/>
+              <a:pPr/>
               <a:t>‹#›</a:t>
             </a:fld>
             <a:endParaRPr lang="tr-TR"/>
@@ -1926,7 +2229,7 @@
 </file>
 
 <file path=ppt/slideLayouts/slideLayout7.xml><?xml version="1.0" encoding="utf-8"?>
-<p:sldLayout xmlns:a="http://schemas.openxmlformats.org/drawingml/2006/main" xmlns:r="http://schemas.openxmlformats.org/officeDocument/2006/relationships" xmlns:p="http://schemas.openxmlformats.org/presentationml/2006/main" type="blank" preserve="1">
+<p:sldLayout xmlns:a="http://schemas.openxmlformats.org/drawingml/2006/main" xmlns:r="http://schemas.openxmlformats.org/officeDocument/2006/relationships" xmlns:p="http://schemas.openxmlformats.org/presentationml/2006/main" showMasterSp="0" type="blank" preserve="1">
   <p:cSld name="Boş">
     <p:spTree>
       <p:nvGrpSpPr>
@@ -1944,6 +2247,90 @@
       </p:grpSpPr>
       <p:sp>
         <p:nvSpPr>
+          <p:cNvPr id="7" name="6 Yuvarlatılmış Dikdörtgen"/>
+          <p:cNvSpPr/>
+          <p:nvPr/>
+        </p:nvSpPr>
+        <p:spPr>
+          <a:xfrm>
+            <a:off x="304800" y="329184"/>
+            <a:ext cx="8532055" cy="6196819"/>
+          </a:xfrm>
+          <a:prstGeom prst="roundRect">
+            <a:avLst>
+              <a:gd name="adj" fmla="val 2081"/>
+            </a:avLst>
+          </a:prstGeom>
+          <a:gradFill flip="none" rotWithShape="1">
+            <a:gsLst>
+              <a:gs pos="0">
+                <a:srgbClr val="FFFFFF">
+                  <a:shade val="100000"/>
+                </a:srgbClr>
+              </a:gs>
+              <a:gs pos="98000">
+                <a:srgbClr val="FFFFFF">
+                  <a:shade val="100000"/>
+                </a:srgbClr>
+              </a:gs>
+              <a:gs pos="99055">
+                <a:srgbClr val="FFFFFF">
+                  <a:shade val="93000"/>
+                </a:srgbClr>
+              </a:gs>
+              <a:gs pos="100000">
+                <a:srgbClr val="FFFFFF">
+                  <a:shade val="70000"/>
+                </a:srgbClr>
+              </a:gs>
+            </a:gsLst>
+            <a:lin ang="5400000" scaled="1"/>
+            <a:tileRect/>
+          </a:gradFill>
+          <a:ln w="2000" cap="rnd" cmpd="sng" algn="ctr">
+            <a:solidFill>
+              <a:srgbClr val="302F2C">
+                <a:tint val="65000"/>
+                <a:satMod val="120000"/>
+              </a:srgbClr>
+            </a:solidFill>
+            <a:prstDash val="solid"/>
+          </a:ln>
+          <a:effectLst>
+            <a:outerShdw blurRad="76200" dist="50800" dir="5400000" algn="tl" rotWithShape="0">
+              <a:srgbClr val="000000">
+                <a:alpha val="25000"/>
+              </a:srgbClr>
+            </a:outerShdw>
+          </a:effectLst>
+        </p:spPr>
+        <p:style>
+          <a:lnRef idx="3">
+            <a:schemeClr val="lt1"/>
+          </a:lnRef>
+          <a:fillRef idx="1">
+            <a:schemeClr val="accent1"/>
+          </a:fillRef>
+          <a:effectRef idx="1">
+            <a:schemeClr val="accent1"/>
+          </a:effectRef>
+          <a:fontRef idx="minor">
+            <a:schemeClr val="lt1"/>
+          </a:fontRef>
+        </p:style>
+        <p:txBody>
+          <a:bodyPr anchor="ctr"/>
+          <a:lstStyle>
+            <a:extLst/>
+          </a:lstStyle>
+          <a:p>
+            <a:pPr algn="ctr" eaLnBrk="1" latinLnBrk="0" hangingPunct="1"/>
+            <a:endParaRPr kumimoji="0" lang="en-US"/>
+          </a:p>
+        </p:txBody>
+      </p:sp>
+      <p:sp>
+        <p:nvSpPr>
           <p:cNvPr id="2" name="1 Veri Yer Tutucusu"/>
           <p:cNvSpPr>
             <a:spLocks noGrp="1"/>
@@ -1955,11 +2342,14 @@
         <p:spPr/>
         <p:txBody>
           <a:bodyPr/>
-          <a:lstStyle/>
+          <a:lstStyle>
+            <a:extLst/>
+          </a:lstStyle>
           <a:p>
             <a:fld id="{8C62C1B3-2DE2-4893-9E07-7B781D8C28DC}" type="datetimeFigureOut">
               <a:rPr lang="tr-TR" smtClean="0"/>
-              <a:t>20.04.2017</a:t>
+              <a:pPr/>
+              <a:t>21.04.2017</a:t>
             </a:fld>
             <a:endParaRPr lang="tr-TR"/>
           </a:p>
@@ -1978,7 +2368,9 @@
         <p:spPr/>
         <p:txBody>
           <a:bodyPr/>
-          <a:lstStyle/>
+          <a:lstStyle>
+            <a:extLst/>
+          </a:lstStyle>
           <a:p>
             <a:endParaRPr lang="tr-TR"/>
           </a:p>
@@ -1997,10 +2389,13 @@
         <p:spPr/>
         <p:txBody>
           <a:bodyPr/>
-          <a:lstStyle/>
+          <a:lstStyle>
+            <a:extLst/>
+          </a:lstStyle>
           <a:p>
             <a:fld id="{ED569197-39BF-49E9-A0E9-4FB14A829211}" type="slidenum">
               <a:rPr lang="tr-TR" smtClean="0"/>
+              <a:pPr/>
               <a:t>‹#›</a:t>
             </a:fld>
             <a:endParaRPr lang="tr-TR"/>
@@ -2044,173 +2439,229 @@
         </p:nvSpPr>
         <p:spPr>
           <a:xfrm>
-            <a:off x="457200" y="273050"/>
-            <a:ext cx="3008313" cy="1162050"/>
+            <a:off x="5538784" y="533400"/>
+            <a:ext cx="2971800" cy="914400"/>
           </a:xfrm>
         </p:spPr>
         <p:txBody>
           <a:bodyPr anchor="b"/>
           <a:lstStyle>
             <a:lvl1pPr algn="l">
-              <a:defRPr sz="2000" b="1"/>
+              <a:buNone/>
+              <a:defRPr sz="2200" b="1">
+                <a:solidFill>
+                  <a:schemeClr val="accent1"/>
+                </a:solidFill>
+              </a:defRPr>
             </a:lvl1pPr>
-          </a:lstStyle>
-          <a:p>
-            <a:r>
-              <a:rPr lang="tr-TR" smtClean="0"/>
+            <a:extLst/>
+          </a:lstStyle>
+          <a:p>
+            <a:r>
+              <a:rPr kumimoji="0" lang="tr-TR" smtClean="0"/>
               <a:t>Asıl başlık stili için tıklatın</a:t>
             </a:r>
-            <a:endParaRPr lang="tr-TR"/>
-          </a:p>
-        </p:txBody>
-      </p:sp>
-      <p:sp>
-        <p:nvSpPr>
-          <p:cNvPr id="3" name="2 İçerik Yer Tutucusu"/>
-          <p:cNvSpPr>
-            <a:spLocks noGrp="1"/>
-          </p:cNvSpPr>
-          <p:nvPr>
-            <p:ph idx="1"/>
-          </p:nvPr>
-        </p:nvSpPr>
-        <p:spPr>
-          <a:xfrm>
-            <a:off x="3575050" y="273050"/>
-            <a:ext cx="5111750" cy="5853113"/>
-          </a:xfrm>
-        </p:spPr>
-        <p:txBody>
-          <a:bodyPr/>
-          <a:lstStyle>
-            <a:lvl1pPr>
-              <a:defRPr sz="3200"/>
+            <a:endParaRPr kumimoji="0" lang="en-US"/>
+          </a:p>
+        </p:txBody>
+      </p:sp>
+      <p:sp>
+        <p:nvSpPr>
+          <p:cNvPr id="3" name="2 Metin Yer Tutucusu"/>
+          <p:cNvSpPr>
+            <a:spLocks noGrp="1"/>
+          </p:cNvSpPr>
+          <p:nvPr>
+            <p:ph type="body" idx="2"/>
+          </p:nvPr>
+        </p:nvSpPr>
+        <p:spPr>
+          <a:xfrm>
+            <a:off x="5538847" y="1447802"/>
+            <a:ext cx="2971800" cy="4206112"/>
+          </a:xfrm>
+        </p:spPr>
+        <p:txBody>
+          <a:bodyPr lIns="91440"/>
+          <a:lstStyle>
+            <a:lvl1pPr marL="18288" marR="18288" indent="0">
+              <a:spcBef>
+                <a:spcPts val="0"/>
+              </a:spcBef>
+              <a:buNone/>
+              <a:defRPr sz="1400">
+                <a:solidFill>
+                  <a:schemeClr val="tx1"/>
+                </a:solidFill>
+              </a:defRPr>
             </a:lvl1pPr>
             <a:lvl2pPr>
-              <a:defRPr sz="2800"/>
+              <a:buNone/>
+              <a:defRPr sz="1200">
+                <a:solidFill>
+                  <a:schemeClr val="tx1"/>
+                </a:solidFill>
+              </a:defRPr>
             </a:lvl2pPr>
             <a:lvl3pPr>
-              <a:defRPr sz="2400"/>
+              <a:buNone/>
+              <a:defRPr sz="1000">
+                <a:solidFill>
+                  <a:schemeClr val="tx1"/>
+                </a:solidFill>
+              </a:defRPr>
             </a:lvl3pPr>
             <a:lvl4pPr>
-              <a:defRPr sz="2000"/>
+              <a:buNone/>
+              <a:defRPr sz="900">
+                <a:solidFill>
+                  <a:schemeClr val="tx1"/>
+                </a:solidFill>
+              </a:defRPr>
             </a:lvl4pPr>
             <a:lvl5pPr>
-              <a:defRPr sz="2000"/>
+              <a:buNone/>
+              <a:defRPr sz="900">
+                <a:solidFill>
+                  <a:schemeClr val="tx1"/>
+                </a:solidFill>
+              </a:defRPr>
+            </a:lvl5pPr>
+            <a:extLst/>
+          </a:lstStyle>
+          <a:p>
+            <a:pPr lvl="0" eaLnBrk="1" latinLnBrk="0" hangingPunct="1"/>
+            <a:r>
+              <a:rPr lang="tr-TR" smtClean="0"/>
+              <a:t>Asıl metin stillerini düzenlemek için tıklatın</a:t>
+            </a:r>
+          </a:p>
+          <a:p>
+            <a:pPr lvl="1" eaLnBrk="1" latinLnBrk="0" hangingPunct="1"/>
+            <a:r>
+              <a:rPr lang="tr-TR" smtClean="0"/>
+              <a:t>İkinci düzey</a:t>
+            </a:r>
+          </a:p>
+          <a:p>
+            <a:pPr lvl="2" eaLnBrk="1" latinLnBrk="0" hangingPunct="1"/>
+            <a:r>
+              <a:rPr lang="tr-TR" smtClean="0"/>
+              <a:t>Üçüncü düzey</a:t>
+            </a:r>
+          </a:p>
+          <a:p>
+            <a:pPr lvl="3" eaLnBrk="1" latinLnBrk="0" hangingPunct="1"/>
+            <a:r>
+              <a:rPr lang="tr-TR" smtClean="0"/>
+              <a:t>Dördüncü düzey</a:t>
+            </a:r>
+          </a:p>
+          <a:p>
+            <a:pPr lvl="4" eaLnBrk="1" latinLnBrk="0" hangingPunct="1"/>
+            <a:r>
+              <a:rPr lang="tr-TR" smtClean="0"/>
+              <a:t>Beşinci düzey</a:t>
+            </a:r>
+            <a:endParaRPr kumimoji="0" lang="en-US"/>
+          </a:p>
+        </p:txBody>
+      </p:sp>
+      <p:sp>
+        <p:nvSpPr>
+          <p:cNvPr id="4" name="3 İçerik Yer Tutucusu"/>
+          <p:cNvSpPr>
+            <a:spLocks noGrp="1"/>
+          </p:cNvSpPr>
+          <p:nvPr>
+            <p:ph sz="half" idx="1"/>
+          </p:nvPr>
+        </p:nvSpPr>
+        <p:spPr>
+          <a:xfrm>
+            <a:off x="761372" y="930144"/>
+            <a:ext cx="4626159" cy="4724402"/>
+          </a:xfrm>
+        </p:spPr>
+        <p:txBody>
+          <a:bodyPr/>
+          <a:lstStyle>
+            <a:lvl1pPr>
+              <a:defRPr sz="2800">
+                <a:solidFill>
+                  <a:schemeClr val="tx1"/>
+                </a:solidFill>
+              </a:defRPr>
+            </a:lvl1pPr>
+            <a:lvl2pPr>
+              <a:defRPr sz="2600">
+                <a:solidFill>
+                  <a:schemeClr val="tx1"/>
+                </a:solidFill>
+              </a:defRPr>
+            </a:lvl2pPr>
+            <a:lvl3pPr>
+              <a:defRPr sz="2400">
+                <a:solidFill>
+                  <a:schemeClr val="tx1"/>
+                </a:solidFill>
+              </a:defRPr>
+            </a:lvl3pPr>
+            <a:lvl4pPr>
+              <a:defRPr sz="2000">
+                <a:solidFill>
+                  <a:schemeClr val="tx1"/>
+                </a:solidFill>
+              </a:defRPr>
+            </a:lvl4pPr>
+            <a:lvl5pPr>
+              <a:defRPr sz="2000">
+                <a:solidFill>
+                  <a:schemeClr val="tx1"/>
+                </a:solidFill>
+              </a:defRPr>
             </a:lvl5pPr>
             <a:lvl6pPr>
-              <a:defRPr sz="2000"/>
+              <a:buNone/>
+              <a:defRPr/>
             </a:lvl6pPr>
-            <a:lvl7pPr>
-              <a:defRPr sz="2000"/>
-            </a:lvl7pPr>
-            <a:lvl8pPr>
-              <a:defRPr sz="2000"/>
-            </a:lvl8pPr>
-            <a:lvl9pPr>
-              <a:defRPr sz="2000"/>
-            </a:lvl9pPr>
-          </a:lstStyle>
-          <a:p>
-            <a:pPr lvl="0"/>
+            <a:extLst/>
+          </a:lstStyle>
+          <a:p>
+            <a:pPr lvl="0" eaLnBrk="1" latinLnBrk="0" hangingPunct="1"/>
             <a:r>
               <a:rPr lang="tr-TR" smtClean="0"/>
               <a:t>Asıl metin stillerini düzenlemek için tıklatın</a:t>
             </a:r>
           </a:p>
           <a:p>
-            <a:pPr lvl="1"/>
+            <a:pPr lvl="1" eaLnBrk="1" latinLnBrk="0" hangingPunct="1"/>
             <a:r>
               <a:rPr lang="tr-TR" smtClean="0"/>
               <a:t>İkinci düzey</a:t>
             </a:r>
           </a:p>
           <a:p>
-            <a:pPr lvl="2"/>
+            <a:pPr lvl="2" eaLnBrk="1" latinLnBrk="0" hangingPunct="1"/>
             <a:r>
               <a:rPr lang="tr-TR" smtClean="0"/>
               <a:t>Üçüncü düzey</a:t>
             </a:r>
           </a:p>
           <a:p>
-            <a:pPr lvl="3"/>
+            <a:pPr lvl="3" eaLnBrk="1" latinLnBrk="0" hangingPunct="1"/>
             <a:r>
               <a:rPr lang="tr-TR" smtClean="0"/>
               <a:t>Dördüncü düzey</a:t>
             </a:r>
           </a:p>
           <a:p>
-            <a:pPr lvl="4"/>
+            <a:pPr lvl="4" eaLnBrk="1" latinLnBrk="0" hangingPunct="1"/>
             <a:r>
               <a:rPr lang="tr-TR" smtClean="0"/>
               <a:t>Beşinci düzey</a:t>
             </a:r>
-            <a:endParaRPr lang="tr-TR"/>
-          </a:p>
-        </p:txBody>
-      </p:sp>
-      <p:sp>
-        <p:nvSpPr>
-          <p:cNvPr id="4" name="3 Metin Yer Tutucusu"/>
-          <p:cNvSpPr>
-            <a:spLocks noGrp="1"/>
-          </p:cNvSpPr>
-          <p:nvPr>
-            <p:ph type="body" sz="half" idx="2"/>
-          </p:nvPr>
-        </p:nvSpPr>
-        <p:spPr>
-          <a:xfrm>
-            <a:off x="457200" y="1435100"/>
-            <a:ext cx="3008313" cy="4691063"/>
-          </a:xfrm>
-        </p:spPr>
-        <p:txBody>
-          <a:bodyPr/>
-          <a:lstStyle>
-            <a:lvl1pPr marL="0" indent="0">
-              <a:buNone/>
-              <a:defRPr sz="1400"/>
-            </a:lvl1pPr>
-            <a:lvl2pPr marL="457200" indent="0">
-              <a:buNone/>
-              <a:defRPr sz="1200"/>
-            </a:lvl2pPr>
-            <a:lvl3pPr marL="914400" indent="0">
-              <a:buNone/>
-              <a:defRPr sz="1000"/>
-            </a:lvl3pPr>
-            <a:lvl4pPr marL="1371600" indent="0">
-              <a:buNone/>
-              <a:defRPr sz="900"/>
-            </a:lvl4pPr>
-            <a:lvl5pPr marL="1828800" indent="0">
-              <a:buNone/>
-              <a:defRPr sz="900"/>
-            </a:lvl5pPr>
-            <a:lvl6pPr marL="2286000" indent="0">
-              <a:buNone/>
-              <a:defRPr sz="900"/>
-            </a:lvl6pPr>
-            <a:lvl7pPr marL="2743200" indent="0">
-              <a:buNone/>
-              <a:defRPr sz="900"/>
-            </a:lvl7pPr>
-            <a:lvl8pPr marL="3200400" indent="0">
-              <a:buNone/>
-              <a:defRPr sz="900"/>
-            </a:lvl8pPr>
-            <a:lvl9pPr marL="3657600" indent="0">
-              <a:buNone/>
-              <a:defRPr sz="900"/>
-            </a:lvl9pPr>
-          </a:lstStyle>
-          <a:p>
-            <a:pPr lvl="0"/>
-            <a:r>
-              <a:rPr lang="tr-TR" smtClean="0"/>
-              <a:t>Asıl metin stillerini düzenlemek için tıklatın</a:t>
-            </a:r>
+            <a:endParaRPr kumimoji="0" lang="en-US"/>
           </a:p>
         </p:txBody>
       </p:sp>
@@ -2227,11 +2678,14 @@
         <p:spPr/>
         <p:txBody>
           <a:bodyPr/>
-          <a:lstStyle/>
+          <a:lstStyle>
+            <a:extLst/>
+          </a:lstStyle>
           <a:p>
             <a:fld id="{8C62C1B3-2DE2-4893-9E07-7B781D8C28DC}" type="datetimeFigureOut">
               <a:rPr lang="tr-TR" smtClean="0"/>
-              <a:t>20.04.2017</a:t>
+              <a:pPr/>
+              <a:t>21.04.2017</a:t>
             </a:fld>
             <a:endParaRPr lang="tr-TR"/>
           </a:p>
@@ -2250,7 +2704,9 @@
         <p:spPr/>
         <p:txBody>
           <a:bodyPr/>
-          <a:lstStyle/>
+          <a:lstStyle>
+            <a:extLst/>
+          </a:lstStyle>
           <a:p>
             <a:endParaRPr lang="tr-TR"/>
           </a:p>
@@ -2269,10 +2725,13 @@
         <p:spPr/>
         <p:txBody>
           <a:bodyPr/>
-          <a:lstStyle/>
+          <a:lstStyle>
+            <a:extLst/>
+          </a:lstStyle>
           <a:p>
             <a:fld id="{ED569197-39BF-49E9-A0E9-4FB14A829211}" type="slidenum">
               <a:rPr lang="tr-TR" smtClean="0"/>
+              <a:pPr/>
               <a:t>‹#›</a:t>
             </a:fld>
             <a:endParaRPr lang="tr-TR"/>
@@ -2288,7 +2747,7 @@
 </file>
 
 <file path=ppt/slideLayouts/slideLayout9.xml><?xml version="1.0" encoding="utf-8"?>
-<p:sldLayout xmlns:a="http://schemas.openxmlformats.org/drawingml/2006/main" xmlns:r="http://schemas.openxmlformats.org/officeDocument/2006/relationships" xmlns:p="http://schemas.openxmlformats.org/presentationml/2006/main" type="picTx" preserve="1">
+<p:sldLayout xmlns:a="http://schemas.openxmlformats.org/drawingml/2006/main" xmlns:r="http://schemas.openxmlformats.org/officeDocument/2006/relationships" xmlns:p="http://schemas.openxmlformats.org/presentationml/2006/main" showMasterSp="0" type="picTx" preserve="1">
   <p:cSld name="Başlıklı Resim">
     <p:spTree>
       <p:nvGrpSpPr>
@@ -2306,6 +2765,140 @@
       </p:grpSpPr>
       <p:sp>
         <p:nvSpPr>
+          <p:cNvPr id="15" name="14 Yuvarlatılmış Dikdörtgen"/>
+          <p:cNvSpPr/>
+          <p:nvPr/>
+        </p:nvSpPr>
+        <p:spPr>
+          <a:xfrm>
+            <a:off x="304800" y="329184"/>
+            <a:ext cx="8532055" cy="6196819"/>
+          </a:xfrm>
+          <a:prstGeom prst="roundRect">
+            <a:avLst>
+              <a:gd name="adj" fmla="val 2081"/>
+            </a:avLst>
+          </a:prstGeom>
+          <a:gradFill flip="none" rotWithShape="1">
+            <a:gsLst>
+              <a:gs pos="0">
+                <a:srgbClr val="FFFFFF">
+                  <a:shade val="100000"/>
+                </a:srgbClr>
+              </a:gs>
+              <a:gs pos="98000">
+                <a:srgbClr val="FFFFFF">
+                  <a:shade val="100000"/>
+                </a:srgbClr>
+              </a:gs>
+              <a:gs pos="99055">
+                <a:srgbClr val="FFFFFF">
+                  <a:shade val="93000"/>
+                </a:srgbClr>
+              </a:gs>
+              <a:gs pos="100000">
+                <a:srgbClr val="FFFFFF">
+                  <a:shade val="70000"/>
+                </a:srgbClr>
+              </a:gs>
+            </a:gsLst>
+            <a:lin ang="5400000" scaled="1"/>
+            <a:tileRect/>
+          </a:gradFill>
+          <a:ln w="2000" cap="rnd" cmpd="sng" algn="ctr">
+            <a:solidFill>
+              <a:srgbClr val="302F2C">
+                <a:tint val="65000"/>
+                <a:satMod val="120000"/>
+              </a:srgbClr>
+            </a:solidFill>
+            <a:prstDash val="solid"/>
+          </a:ln>
+          <a:effectLst>
+            <a:outerShdw blurRad="76200" dist="50800" dir="5400000" algn="tl" rotWithShape="0">
+              <a:srgbClr val="000000">
+                <a:alpha val="25000"/>
+              </a:srgbClr>
+            </a:outerShdw>
+          </a:effectLst>
+        </p:spPr>
+        <p:style>
+          <a:lnRef idx="3">
+            <a:schemeClr val="lt1"/>
+          </a:lnRef>
+          <a:fillRef idx="1">
+            <a:schemeClr val="accent1"/>
+          </a:fillRef>
+          <a:effectRef idx="1">
+            <a:schemeClr val="accent1"/>
+          </a:effectRef>
+          <a:fontRef idx="minor">
+            <a:schemeClr val="lt1"/>
+          </a:fontRef>
+        </p:style>
+        <p:txBody>
+          <a:bodyPr anchor="ctr"/>
+          <a:lstStyle>
+            <a:extLst/>
+          </a:lstStyle>
+          <a:p>
+            <a:pPr algn="ctr" eaLnBrk="1" latinLnBrk="0" hangingPunct="1"/>
+            <a:endParaRPr kumimoji="0" lang="en-US"/>
+          </a:p>
+        </p:txBody>
+      </p:sp>
+      <p:sp>
+        <p:nvSpPr>
+          <p:cNvPr id="11" name="10 Tek Köşesi Yuvarlatılmış Dikdörtgen"/>
+          <p:cNvSpPr/>
+          <p:nvPr/>
+        </p:nvSpPr>
+        <p:spPr>
+          <a:xfrm>
+            <a:off x="6400800" y="434162"/>
+            <a:ext cx="2324605" cy="4343400"/>
+          </a:xfrm>
+          <a:prstGeom prst="round1Rect">
+            <a:avLst>
+              <a:gd name="adj" fmla="val 2748"/>
+            </a:avLst>
+          </a:prstGeom>
+          <a:solidFill>
+            <a:srgbClr val="1C1C1C"/>
+          </a:solidFill>
+          <a:ln w="8890" cap="rnd" cmpd="sng" algn="ctr">
+            <a:noFill/>
+            <a:prstDash val="solid"/>
+          </a:ln>
+          <a:effectLst/>
+        </p:spPr>
+        <p:style>
+          <a:lnRef idx="3">
+            <a:schemeClr val="lt1"/>
+          </a:lnRef>
+          <a:fillRef idx="1">
+            <a:schemeClr val="accent1"/>
+          </a:fillRef>
+          <a:effectRef idx="1">
+            <a:schemeClr val="accent1"/>
+          </a:effectRef>
+          <a:fontRef idx="minor">
+            <a:schemeClr val="lt1"/>
+          </a:fontRef>
+        </p:style>
+        <p:txBody>
+          <a:bodyPr anchor="ctr"/>
+          <a:lstStyle>
+            <a:extLst/>
+          </a:lstStyle>
+          <a:p>
+            <a:pPr algn="ctr" eaLnBrk="1" latinLnBrk="0" hangingPunct="1"/>
+            <a:endParaRPr kumimoji="0" lang="en-US"/>
+          </a:p>
+        </p:txBody>
+      </p:sp>
+      <p:sp>
+        <p:nvSpPr>
           <p:cNvPr id="2" name="1 Başlık"/>
           <p:cNvSpPr>
             <a:spLocks noGrp="1"/>
@@ -2316,28 +2909,208 @@
         </p:nvSpPr>
         <p:spPr>
           <a:xfrm>
-            <a:off x="1792288" y="4800600"/>
-            <a:ext cx="5486400" cy="566738"/>
-          </a:xfrm>
-        </p:spPr>
-        <p:txBody>
-          <a:bodyPr anchor="b"/>
+            <a:off x="457200" y="5012056"/>
+            <a:ext cx="8229600" cy="1051560"/>
+          </a:xfrm>
+        </p:spPr>
+        <p:txBody>
+          <a:bodyPr anchor="t"/>
           <a:lstStyle>
             <a:lvl1pPr algn="l">
-              <a:defRPr sz="2000" b="1"/>
+              <a:buNone/>
+              <a:defRPr sz="3600" b="0">
+                <a:solidFill>
+                  <a:schemeClr val="bg2">
+                    <a:shade val="25000"/>
+                  </a:schemeClr>
+                </a:solidFill>
+                <a:effectLst/>
+              </a:defRPr>
             </a:lvl1pPr>
-          </a:lstStyle>
-          <a:p>
-            <a:r>
-              <a:rPr lang="tr-TR" smtClean="0"/>
+            <a:extLst/>
+          </a:lstStyle>
+          <a:p>
+            <a:r>
+              <a:rPr kumimoji="0" lang="tr-TR" smtClean="0"/>
               <a:t>Asıl başlık stili için tıklatın</a:t>
             </a:r>
+            <a:endParaRPr kumimoji="0" lang="en-US"/>
+          </a:p>
+        </p:txBody>
+      </p:sp>
+      <p:sp>
+        <p:nvSpPr>
+          <p:cNvPr id="4" name="3 Metin Yer Tutucusu"/>
+          <p:cNvSpPr>
+            <a:spLocks noGrp="1"/>
+          </p:cNvSpPr>
+          <p:nvPr>
+            <p:ph type="body" sz="half" idx="2"/>
+          </p:nvPr>
+        </p:nvSpPr>
+        <p:spPr bwMode="grayWhite">
+          <a:xfrm>
+            <a:off x="6462712" y="533400"/>
+            <a:ext cx="2240280" cy="4211480"/>
+          </a:xfrm>
+        </p:spPr>
+        <p:txBody>
+          <a:bodyPr lIns="91440"/>
+          <a:lstStyle>
+            <a:lvl1pPr marL="45720" indent="0" algn="l">
+              <a:spcBef>
+                <a:spcPts val="0"/>
+              </a:spcBef>
+              <a:buNone/>
+              <a:defRPr sz="1400">
+                <a:solidFill>
+                  <a:srgbClr val="FFFFFF"/>
+                </a:solidFill>
+              </a:defRPr>
+            </a:lvl1pPr>
+            <a:lvl2pPr>
+              <a:defRPr sz="1200">
+                <a:solidFill>
+                  <a:srgbClr val="FFFFFF"/>
+                </a:solidFill>
+              </a:defRPr>
+            </a:lvl2pPr>
+            <a:lvl3pPr>
+              <a:defRPr sz="1000">
+                <a:solidFill>
+                  <a:srgbClr val="FFFFFF"/>
+                </a:solidFill>
+              </a:defRPr>
+            </a:lvl3pPr>
+            <a:lvl4pPr>
+              <a:defRPr sz="900">
+                <a:solidFill>
+                  <a:srgbClr val="FFFFFF"/>
+                </a:solidFill>
+              </a:defRPr>
+            </a:lvl4pPr>
+            <a:lvl5pPr>
+              <a:defRPr sz="900">
+                <a:solidFill>
+                  <a:srgbClr val="FFFFFF"/>
+                </a:solidFill>
+              </a:defRPr>
+            </a:lvl5pPr>
+            <a:extLst/>
+          </a:lstStyle>
+          <a:p>
+            <a:pPr lvl="0" eaLnBrk="1" latinLnBrk="0" hangingPunct="1"/>
+            <a:r>
+              <a:rPr lang="tr-TR" smtClean="0"/>
+              <a:t>Asıl metin stillerini düzenlemek için tıklatın</a:t>
+            </a:r>
+          </a:p>
+          <a:p>
+            <a:pPr lvl="1" eaLnBrk="1" latinLnBrk="0" hangingPunct="1"/>
+            <a:r>
+              <a:rPr lang="tr-TR" smtClean="0"/>
+              <a:t>İkinci düzey</a:t>
+            </a:r>
+          </a:p>
+          <a:p>
+            <a:pPr lvl="2" eaLnBrk="1" latinLnBrk="0" hangingPunct="1"/>
+            <a:r>
+              <a:rPr lang="tr-TR" smtClean="0"/>
+              <a:t>Üçüncü düzey</a:t>
+            </a:r>
+          </a:p>
+          <a:p>
+            <a:pPr lvl="3" eaLnBrk="1" latinLnBrk="0" hangingPunct="1"/>
+            <a:r>
+              <a:rPr lang="tr-TR" smtClean="0"/>
+              <a:t>Dördüncü düzey</a:t>
+            </a:r>
+          </a:p>
+          <a:p>
+            <a:pPr lvl="4" eaLnBrk="1" latinLnBrk="0" hangingPunct="1"/>
+            <a:r>
+              <a:rPr lang="tr-TR" smtClean="0"/>
+              <a:t>Beşinci düzey</a:t>
+            </a:r>
+            <a:endParaRPr kumimoji="0" lang="en-US"/>
+          </a:p>
+        </p:txBody>
+      </p:sp>
+      <p:sp>
+        <p:nvSpPr>
+          <p:cNvPr id="5" name="4 Veri Yer Tutucusu"/>
+          <p:cNvSpPr>
+            <a:spLocks noGrp="1"/>
+          </p:cNvSpPr>
+          <p:nvPr>
+            <p:ph type="dt" sz="half" idx="10"/>
+          </p:nvPr>
+        </p:nvSpPr>
+        <p:spPr/>
+        <p:txBody>
+          <a:bodyPr/>
+          <a:lstStyle>
+            <a:extLst/>
+          </a:lstStyle>
+          <a:p>
+            <a:fld id="{8C62C1B3-2DE2-4893-9E07-7B781D8C28DC}" type="datetimeFigureOut">
+              <a:rPr lang="tr-TR" smtClean="0"/>
+              <a:pPr/>
+              <a:t>21.04.2017</a:t>
+            </a:fld>
             <a:endParaRPr lang="tr-TR"/>
           </a:p>
         </p:txBody>
       </p:sp>
       <p:sp>
         <p:nvSpPr>
+          <p:cNvPr id="6" name="5 Altbilgi Yer Tutucusu"/>
+          <p:cNvSpPr>
+            <a:spLocks noGrp="1"/>
+          </p:cNvSpPr>
+          <p:nvPr>
+            <p:ph type="ftr" sz="quarter" idx="11"/>
+          </p:nvPr>
+        </p:nvSpPr>
+        <p:spPr/>
+        <p:txBody>
+          <a:bodyPr/>
+          <a:lstStyle>
+            <a:extLst/>
+          </a:lstStyle>
+          <a:p>
+            <a:endParaRPr lang="tr-TR"/>
+          </a:p>
+        </p:txBody>
+      </p:sp>
+      <p:sp>
+        <p:nvSpPr>
+          <p:cNvPr id="7" name="6 Slayt Numarası Yer Tutucusu"/>
+          <p:cNvSpPr>
+            <a:spLocks noGrp="1"/>
+          </p:cNvSpPr>
+          <p:nvPr>
+            <p:ph type="sldNum" sz="quarter" idx="12"/>
+          </p:nvPr>
+        </p:nvSpPr>
+        <p:spPr/>
+        <p:txBody>
+          <a:bodyPr/>
+          <a:lstStyle>
+            <a:extLst/>
+          </a:lstStyle>
+          <a:p>
+            <a:fld id="{ED569197-39BF-49E9-A0E9-4FB14A829211}" type="slidenum">
+              <a:rPr lang="tr-TR" smtClean="0"/>
+              <a:pPr/>
+              <a:t>‹#›</a:t>
+            </a:fld>
+            <a:endParaRPr lang="tr-TR"/>
+          </a:p>
+        </p:txBody>
+      </p:sp>
+      <p:sp>
+        <p:nvSpPr>
           <p:cNvPr id="3" name="2 Resim Yer Tutucusu"/>
           <p:cNvSpPr>
             <a:spLocks noGrp="1"/>
@@ -2348,9 +3121,20 @@
         </p:nvSpPr>
         <p:spPr>
           <a:xfrm>
-            <a:off x="1792288" y="612775"/>
-            <a:ext cx="5486400" cy="4114800"/>
-          </a:xfrm>
+            <a:off x="421480" y="435768"/>
+            <a:ext cx="5925312" cy="4343400"/>
+          </a:xfrm>
+          <a:prstGeom prst="snipRoundRect">
+            <a:avLst>
+              <a:gd name="adj1" fmla="val 1040"/>
+              <a:gd name="adj2" fmla="val 0"/>
+            </a:avLst>
+          </a:prstGeom>
+          <a:solidFill>
+            <a:schemeClr val="bg2">
+              <a:shade val="10000"/>
+            </a:schemeClr>
+          </a:solidFill>
         </p:spPr>
         <p:txBody>
           <a:bodyPr/>
@@ -2359,171 +3143,14 @@
               <a:buNone/>
               <a:defRPr sz="3200"/>
             </a:lvl1pPr>
-            <a:lvl2pPr marL="457200" indent="0">
-              <a:buNone/>
-              <a:defRPr sz="2800"/>
-            </a:lvl2pPr>
-            <a:lvl3pPr marL="914400" indent="0">
-              <a:buNone/>
-              <a:defRPr sz="2400"/>
-            </a:lvl3pPr>
-            <a:lvl4pPr marL="1371600" indent="0">
-              <a:buNone/>
-              <a:defRPr sz="2000"/>
-            </a:lvl4pPr>
-            <a:lvl5pPr marL="1828800" indent="0">
-              <a:buNone/>
-              <a:defRPr sz="2000"/>
-            </a:lvl5pPr>
-            <a:lvl6pPr marL="2286000" indent="0">
-              <a:buNone/>
-              <a:defRPr sz="2000"/>
-            </a:lvl6pPr>
-            <a:lvl7pPr marL="2743200" indent="0">
-              <a:buNone/>
-              <a:defRPr sz="2000"/>
-            </a:lvl7pPr>
-            <a:lvl8pPr marL="3200400" indent="0">
-              <a:buNone/>
-              <a:defRPr sz="2000"/>
-            </a:lvl8pPr>
-            <a:lvl9pPr marL="3657600" indent="0">
-              <a:buNone/>
-              <a:defRPr sz="2000"/>
-            </a:lvl9pPr>
-          </a:lstStyle>
-          <a:p>
-            <a:endParaRPr lang="tr-TR"/>
-          </a:p>
-        </p:txBody>
-      </p:sp>
-      <p:sp>
-        <p:nvSpPr>
-          <p:cNvPr id="4" name="3 Metin Yer Tutucusu"/>
-          <p:cNvSpPr>
-            <a:spLocks noGrp="1"/>
-          </p:cNvSpPr>
-          <p:nvPr>
-            <p:ph type="body" sz="half" idx="2"/>
-          </p:nvPr>
-        </p:nvSpPr>
-        <p:spPr>
-          <a:xfrm>
-            <a:off x="1792288" y="5367338"/>
-            <a:ext cx="5486400" cy="804862"/>
-          </a:xfrm>
-        </p:spPr>
-        <p:txBody>
-          <a:bodyPr/>
-          <a:lstStyle>
-            <a:lvl1pPr marL="0" indent="0">
-              <a:buNone/>
-              <a:defRPr sz="1400"/>
-            </a:lvl1pPr>
-            <a:lvl2pPr marL="457200" indent="0">
-              <a:buNone/>
-              <a:defRPr sz="1200"/>
-            </a:lvl2pPr>
-            <a:lvl3pPr marL="914400" indent="0">
-              <a:buNone/>
-              <a:defRPr sz="1000"/>
-            </a:lvl3pPr>
-            <a:lvl4pPr marL="1371600" indent="0">
-              <a:buNone/>
-              <a:defRPr sz="900"/>
-            </a:lvl4pPr>
-            <a:lvl5pPr marL="1828800" indent="0">
-              <a:buNone/>
-              <a:defRPr sz="900"/>
-            </a:lvl5pPr>
-            <a:lvl6pPr marL="2286000" indent="0">
-              <a:buNone/>
-              <a:defRPr sz="900"/>
-            </a:lvl6pPr>
-            <a:lvl7pPr marL="2743200" indent="0">
-              <a:buNone/>
-              <a:defRPr sz="900"/>
-            </a:lvl7pPr>
-            <a:lvl8pPr marL="3200400" indent="0">
-              <a:buNone/>
-              <a:defRPr sz="900"/>
-            </a:lvl8pPr>
-            <a:lvl9pPr marL="3657600" indent="0">
-              <a:buNone/>
-              <a:defRPr sz="900"/>
-            </a:lvl9pPr>
-          </a:lstStyle>
-          <a:p>
-            <a:pPr lvl="0"/>
-            <a:r>
-              <a:rPr lang="tr-TR" smtClean="0"/>
-              <a:t>Asıl metin stillerini düzenlemek için tıklatın</a:t>
-            </a:r>
-          </a:p>
-        </p:txBody>
-      </p:sp>
-      <p:sp>
-        <p:nvSpPr>
-          <p:cNvPr id="5" name="4 Veri Yer Tutucusu"/>
-          <p:cNvSpPr>
-            <a:spLocks noGrp="1"/>
-          </p:cNvSpPr>
-          <p:nvPr>
-            <p:ph type="dt" sz="half" idx="10"/>
-          </p:nvPr>
-        </p:nvSpPr>
-        <p:spPr/>
-        <p:txBody>
-          <a:bodyPr/>
-          <a:lstStyle/>
-          <a:p>
-            <a:fld id="{8C62C1B3-2DE2-4893-9E07-7B781D8C28DC}" type="datetimeFigureOut">
-              <a:rPr lang="tr-TR" smtClean="0"/>
-              <a:t>20.04.2017</a:t>
-            </a:fld>
-            <a:endParaRPr lang="tr-TR"/>
-          </a:p>
-        </p:txBody>
-      </p:sp>
-      <p:sp>
-        <p:nvSpPr>
-          <p:cNvPr id="6" name="5 Altbilgi Yer Tutucusu"/>
-          <p:cNvSpPr>
-            <a:spLocks noGrp="1"/>
-          </p:cNvSpPr>
-          <p:nvPr>
-            <p:ph type="ftr" sz="quarter" idx="11"/>
-          </p:nvPr>
-        </p:nvSpPr>
-        <p:spPr/>
-        <p:txBody>
-          <a:bodyPr/>
-          <a:lstStyle/>
-          <a:p>
-            <a:endParaRPr lang="tr-TR"/>
-          </a:p>
-        </p:txBody>
-      </p:sp>
-      <p:sp>
-        <p:nvSpPr>
-          <p:cNvPr id="7" name="6 Slayt Numarası Yer Tutucusu"/>
-          <p:cNvSpPr>
-            <a:spLocks noGrp="1"/>
-          </p:cNvSpPr>
-          <p:nvPr>
-            <p:ph type="sldNum" sz="quarter" idx="12"/>
-          </p:nvPr>
-        </p:nvSpPr>
-        <p:spPr/>
-        <p:txBody>
-          <a:bodyPr/>
-          <a:lstStyle/>
-          <a:p>
-            <a:fld id="{ED569197-39BF-49E9-A0E9-4FB14A829211}" type="slidenum">
-              <a:rPr lang="tr-TR" smtClean="0"/>
-              <a:t>‹#›</a:t>
-            </a:fld>
-            <a:endParaRPr lang="tr-TR"/>
+            <a:extLst/>
+          </a:lstStyle>
+          <a:p>
+            <a:r>
+              <a:rPr kumimoji="0" lang="tr-TR" smtClean="0"/>
+              <a:t>Resim eklemek için simgeyi tıklatın</a:t>
+            </a:r>
+            <a:endParaRPr kumimoji="0" lang="en-US"/>
           </a:p>
         </p:txBody>
       </p:sp>
@@ -2540,7 +3167,7 @@
   <p:cSld>
     <p:bg>
       <p:bgRef idx="1001">
-        <a:schemeClr val="bg1"/>
+        <a:schemeClr val="bg2"/>
       </p:bgRef>
     </p:bg>
     <p:spTree>
@@ -2559,7 +3186,163 @@
       </p:grpSpPr>
       <p:sp>
         <p:nvSpPr>
-          <p:cNvPr id="2" name="1 Başlık Yer Tutucusu"/>
+          <p:cNvPr id="7" name="6 Yuvarlatılmış Dikdörtgen"/>
+          <p:cNvSpPr/>
+          <p:nvPr/>
+        </p:nvSpPr>
+        <p:spPr>
+          <a:xfrm>
+            <a:off x="304800" y="329184"/>
+            <a:ext cx="8532055" cy="6196819"/>
+          </a:xfrm>
+          <a:prstGeom prst="roundRect">
+            <a:avLst>
+              <a:gd name="adj" fmla="val 2081"/>
+            </a:avLst>
+          </a:prstGeom>
+          <a:gradFill flip="none" rotWithShape="1">
+            <a:gsLst>
+              <a:gs pos="0">
+                <a:srgbClr val="FFFFFF">
+                  <a:shade val="100000"/>
+                </a:srgbClr>
+              </a:gs>
+              <a:gs pos="98000">
+                <a:srgbClr val="FFFFFF">
+                  <a:shade val="100000"/>
+                </a:srgbClr>
+              </a:gs>
+              <a:gs pos="99055">
+                <a:srgbClr val="FFFFFF">
+                  <a:shade val="93000"/>
+                </a:srgbClr>
+              </a:gs>
+              <a:gs pos="100000">
+                <a:srgbClr val="FFFFFF">
+                  <a:shade val="70000"/>
+                </a:srgbClr>
+              </a:gs>
+            </a:gsLst>
+            <a:lin ang="5400000" scaled="1"/>
+            <a:tileRect/>
+          </a:gradFill>
+          <a:ln w="2000" cap="rnd" cmpd="sng" algn="ctr">
+            <a:solidFill>
+              <a:srgbClr val="302F2C">
+                <a:tint val="65000"/>
+                <a:satMod val="120000"/>
+              </a:srgbClr>
+            </a:solidFill>
+            <a:prstDash val="solid"/>
+          </a:ln>
+          <a:effectLst>
+            <a:outerShdw blurRad="76200" dist="50800" dir="5400000" algn="tl" rotWithShape="0">
+              <a:srgbClr val="000000">
+                <a:alpha val="25000"/>
+              </a:srgbClr>
+            </a:outerShdw>
+          </a:effectLst>
+        </p:spPr>
+        <p:style>
+          <a:lnRef idx="3">
+            <a:schemeClr val="lt1"/>
+          </a:lnRef>
+          <a:fillRef idx="1">
+            <a:schemeClr val="accent1"/>
+          </a:fillRef>
+          <a:effectRef idx="1">
+            <a:schemeClr val="accent1"/>
+          </a:effectRef>
+          <a:fontRef idx="minor">
+            <a:schemeClr val="lt1"/>
+          </a:fontRef>
+        </p:style>
+        <p:txBody>
+          <a:bodyPr anchor="ctr"/>
+          <a:lstStyle>
+            <a:extLst/>
+          </a:lstStyle>
+          <a:p>
+            <a:pPr algn="ctr" eaLnBrk="1" latinLnBrk="0" hangingPunct="1"/>
+            <a:endParaRPr kumimoji="0" lang="en-US"/>
+          </a:p>
+        </p:txBody>
+      </p:sp>
+      <p:sp>
+        <p:nvSpPr>
+          <p:cNvPr id="9" name="8 Yuvarlatılmış Dikdörtgen"/>
+          <p:cNvSpPr/>
+          <p:nvPr/>
+        </p:nvSpPr>
+        <p:spPr>
+          <a:xfrm>
+            <a:off x="418596" y="434162"/>
+            <a:ext cx="8306809" cy="5486400"/>
+          </a:xfrm>
+          <a:prstGeom prst="roundRect">
+            <a:avLst>
+              <a:gd name="adj" fmla="val 2127"/>
+            </a:avLst>
+          </a:prstGeom>
+          <a:gradFill rotWithShape="1">
+            <a:gsLst>
+              <a:gs pos="0">
+                <a:schemeClr val="bg1">
+                  <a:tint val="75000"/>
+                  <a:satMod val="150000"/>
+                </a:schemeClr>
+              </a:gs>
+              <a:gs pos="55000">
+                <a:schemeClr val="bg1">
+                  <a:shade val="75000"/>
+                  <a:satMod val="100000"/>
+                </a:schemeClr>
+              </a:gs>
+              <a:gs pos="100000">
+                <a:schemeClr val="bg1">
+                  <a:shade val="35000"/>
+                  <a:satMod val="100000"/>
+                </a:schemeClr>
+              </a:gs>
+            </a:gsLst>
+            <a:path path="circle">
+              <a:fillToRect l="50000" t="175000" r="50000" b="-75000"/>
+            </a:path>
+          </a:gradFill>
+          <a:ln w="8890" cap="rnd" cmpd="sng" algn="ctr">
+            <a:noFill/>
+            <a:prstDash val="solid"/>
+          </a:ln>
+          <a:effectLst/>
+        </p:spPr>
+        <p:style>
+          <a:lnRef idx="3">
+            <a:schemeClr val="lt1"/>
+          </a:lnRef>
+          <a:fillRef idx="1">
+            <a:schemeClr val="accent1"/>
+          </a:fillRef>
+          <a:effectRef idx="1">
+            <a:schemeClr val="accent1"/>
+          </a:effectRef>
+          <a:fontRef idx="minor">
+            <a:schemeClr val="lt1"/>
+          </a:fontRef>
+        </p:style>
+        <p:txBody>
+          <a:bodyPr anchor="ctr"/>
+          <a:lstStyle>
+            <a:extLst/>
+          </a:lstStyle>
+          <a:p>
+            <a:pPr algn="ctr" eaLnBrk="1" latinLnBrk="0" hangingPunct="1"/>
+            <a:endParaRPr kumimoji="0" lang="en-US"/>
+          </a:p>
+        </p:txBody>
+      </p:sp>
+      <p:sp>
+        <p:nvSpPr>
+          <p:cNvPr id="13" name="12 Başlık Yer Tutucusu"/>
           <p:cNvSpPr>
             <a:spLocks noGrp="1"/>
           </p:cNvSpPr>
@@ -2569,30 +3352,32 @@
         </p:nvSpPr>
         <p:spPr>
           <a:xfrm>
-            <a:off x="457200" y="274638"/>
-            <a:ext cx="8229600" cy="1143000"/>
+            <a:off x="502920" y="4985590"/>
+            <a:ext cx="8183880" cy="1051560"/>
           </a:xfrm>
           <a:prstGeom prst="rect">
             <a:avLst/>
           </a:prstGeom>
         </p:spPr>
         <p:txBody>
-          <a:bodyPr vert="horz" lIns="91440" tIns="45720" rIns="91440" bIns="45720" rtlCol="0" anchor="ctr">
+          <a:bodyPr vert="horz" anchor="b">
             <a:normAutofit/>
           </a:bodyPr>
-          <a:lstStyle/>
-          <a:p>
-            <a:r>
-              <a:rPr lang="tr-TR" smtClean="0"/>
+          <a:lstStyle>
+            <a:extLst/>
+          </a:lstStyle>
+          <a:p>
+            <a:r>
+              <a:rPr kumimoji="0" lang="tr-TR" smtClean="0"/>
               <a:t>Asıl başlık stili için tıklatın</a:t>
             </a:r>
-            <a:endParaRPr lang="tr-TR"/>
-          </a:p>
-        </p:txBody>
-      </p:sp>
-      <p:sp>
-        <p:nvSpPr>
-          <p:cNvPr id="3" name="2 Metin Yer Tutucusu"/>
+            <a:endParaRPr kumimoji="0" lang="en-US"/>
+          </a:p>
+        </p:txBody>
+      </p:sp>
+      <p:sp>
+        <p:nvSpPr>
+          <p:cNvPr id="4" name="3 Metin Yer Tutucusu"/>
           <p:cNvSpPr>
             <a:spLocks noGrp="1"/>
           </p:cNvSpPr>
@@ -2602,59 +3387,61 @@
         </p:nvSpPr>
         <p:spPr>
           <a:xfrm>
-            <a:off x="457200" y="1600200"/>
-            <a:ext cx="8229600" cy="4525963"/>
+            <a:off x="502920" y="530352"/>
+            <a:ext cx="8183880" cy="4187952"/>
           </a:xfrm>
           <a:prstGeom prst="rect">
             <a:avLst/>
           </a:prstGeom>
         </p:spPr>
         <p:txBody>
-          <a:bodyPr vert="horz" lIns="91440" tIns="45720" rIns="91440" bIns="45720" rtlCol="0">
+          <a:bodyPr vert="horz" lIns="182880" tIns="91440">
             <a:normAutofit/>
           </a:bodyPr>
-          <a:lstStyle/>
-          <a:p>
-            <a:pPr lvl="0"/>
-            <a:r>
-              <a:rPr lang="tr-TR" smtClean="0"/>
+          <a:lstStyle>
+            <a:extLst/>
+          </a:lstStyle>
+          <a:p>
+            <a:pPr lvl="0" eaLnBrk="1" latinLnBrk="0" hangingPunct="1"/>
+            <a:r>
+              <a:rPr kumimoji="0" lang="tr-TR" smtClean="0"/>
               <a:t>Asıl metin stillerini düzenlemek için tıklatın</a:t>
             </a:r>
           </a:p>
           <a:p>
-            <a:pPr lvl="1"/>
-            <a:r>
-              <a:rPr lang="tr-TR" smtClean="0"/>
+            <a:pPr lvl="1" eaLnBrk="1" latinLnBrk="0" hangingPunct="1"/>
+            <a:r>
+              <a:rPr kumimoji="0" lang="tr-TR" smtClean="0"/>
               <a:t>İkinci düzey</a:t>
             </a:r>
           </a:p>
           <a:p>
-            <a:pPr lvl="2"/>
-            <a:r>
-              <a:rPr lang="tr-TR" smtClean="0"/>
+            <a:pPr lvl="2" eaLnBrk="1" latinLnBrk="0" hangingPunct="1"/>
+            <a:r>
+              <a:rPr kumimoji="0" lang="tr-TR" smtClean="0"/>
               <a:t>Üçüncü düzey</a:t>
             </a:r>
           </a:p>
           <a:p>
-            <a:pPr lvl="3"/>
-            <a:r>
-              <a:rPr lang="tr-TR" smtClean="0"/>
+            <a:pPr lvl="3" eaLnBrk="1" latinLnBrk="0" hangingPunct="1"/>
+            <a:r>
+              <a:rPr kumimoji="0" lang="tr-TR" smtClean="0"/>
               <a:t>Dördüncü düzey</a:t>
             </a:r>
           </a:p>
           <a:p>
-            <a:pPr lvl="4"/>
-            <a:r>
-              <a:rPr lang="tr-TR" smtClean="0"/>
+            <a:pPr lvl="4" eaLnBrk="1" latinLnBrk="0" hangingPunct="1"/>
+            <a:r>
+              <a:rPr kumimoji="0" lang="tr-TR" smtClean="0"/>
               <a:t>Beşinci düzey</a:t>
             </a:r>
-            <a:endParaRPr lang="tr-TR"/>
-          </a:p>
-        </p:txBody>
-      </p:sp>
-      <p:sp>
-        <p:nvSpPr>
-          <p:cNvPr id="4" name="3 Veri Yer Tutucusu"/>
+            <a:endParaRPr kumimoji="0" lang="en-US"/>
+          </a:p>
+        </p:txBody>
+      </p:sp>
+      <p:sp>
+        <p:nvSpPr>
+          <p:cNvPr id="25" name="24 Veri Yer Tutucusu"/>
           <p:cNvSpPr>
             <a:spLocks noGrp="1"/>
           </p:cNvSpPr>
@@ -2664,30 +3451,32 @@
         </p:nvSpPr>
         <p:spPr>
           <a:xfrm>
-            <a:off x="457200" y="6356350"/>
-            <a:ext cx="2133600" cy="365125"/>
+            <a:off x="3776328" y="6111875"/>
+            <a:ext cx="2286000" cy="365125"/>
           </a:xfrm>
           <a:prstGeom prst="rect">
             <a:avLst/>
           </a:prstGeom>
         </p:spPr>
         <p:txBody>
-          <a:bodyPr vert="horz" lIns="91440" tIns="45720" rIns="91440" bIns="45720" rtlCol="0" anchor="ctr"/>
-          <a:lstStyle>
-            <a:lvl1pPr algn="l">
-              <a:defRPr sz="1200">
+          <a:bodyPr vert="horz" anchor="b"/>
+          <a:lstStyle>
+            <a:lvl1pPr algn="r" eaLnBrk="1" latinLnBrk="0" hangingPunct="1">
+              <a:defRPr kumimoji="0" sz="1000">
                 <a:solidFill>
-                  <a:schemeClr val="tx1">
-                    <a:tint val="75000"/>
+                  <a:schemeClr val="bg2">
+                    <a:shade val="50000"/>
                   </a:schemeClr>
                 </a:solidFill>
               </a:defRPr>
             </a:lvl1pPr>
+            <a:extLst/>
           </a:lstStyle>
           <a:p>
             <a:fld id="{8C62C1B3-2DE2-4893-9E07-7B781D8C28DC}" type="datetimeFigureOut">
               <a:rPr lang="tr-TR" smtClean="0"/>
-              <a:t>20.04.2017</a:t>
+              <a:pPr/>
+              <a:t>21.04.2017</a:t>
             </a:fld>
             <a:endParaRPr lang="tr-TR"/>
           </a:p>
@@ -2695,7 +3484,7 @@
       </p:sp>
       <p:sp>
         <p:nvSpPr>
-          <p:cNvPr id="5" name="4 Altbilgi Yer Tutucusu"/>
+          <p:cNvPr id="18" name="17 Altbilgi Yer Tutucusu"/>
           <p:cNvSpPr>
             <a:spLocks noGrp="1"/>
           </p:cNvSpPr>
@@ -2705,25 +3494,26 @@
         </p:nvSpPr>
         <p:spPr>
           <a:xfrm>
-            <a:off x="3124200" y="6356350"/>
-            <a:ext cx="2895600" cy="365125"/>
+            <a:off x="6062328" y="6111875"/>
+            <a:ext cx="2286000" cy="365125"/>
           </a:xfrm>
           <a:prstGeom prst="rect">
             <a:avLst/>
           </a:prstGeom>
         </p:spPr>
         <p:txBody>
-          <a:bodyPr vert="horz" lIns="91440" tIns="45720" rIns="91440" bIns="45720" rtlCol="0" anchor="ctr"/>
-          <a:lstStyle>
-            <a:lvl1pPr algn="ctr">
-              <a:defRPr sz="1200">
+          <a:bodyPr vert="horz" anchor="b"/>
+          <a:lstStyle>
+            <a:lvl1pPr algn="l" eaLnBrk="1" latinLnBrk="0" hangingPunct="1">
+              <a:defRPr kumimoji="0" sz="1000">
                 <a:solidFill>
-                  <a:schemeClr val="tx1">
-                    <a:tint val="75000"/>
+                  <a:schemeClr val="bg2">
+                    <a:shade val="50000"/>
                   </a:schemeClr>
                 </a:solidFill>
               </a:defRPr>
             </a:lvl1pPr>
+            <a:extLst/>
           </a:lstStyle>
           <a:p>
             <a:endParaRPr lang="tr-TR"/>
@@ -2732,7 +3522,7 @@
       </p:sp>
       <p:sp>
         <p:nvSpPr>
-          <p:cNvPr id="6" name="5 Slayt Numarası Yer Tutucusu"/>
+          <p:cNvPr id="5" name="4 Slayt Numarası Yer Tutucusu"/>
           <p:cNvSpPr>
             <a:spLocks noGrp="1"/>
           </p:cNvSpPr>
@@ -2742,29 +3532,31 @@
         </p:nvSpPr>
         <p:spPr>
           <a:xfrm>
-            <a:off x="6553200" y="6356350"/>
-            <a:ext cx="2133600" cy="365125"/>
+            <a:off x="8348328" y="6111875"/>
+            <a:ext cx="457200" cy="365125"/>
           </a:xfrm>
           <a:prstGeom prst="rect">
             <a:avLst/>
           </a:prstGeom>
         </p:spPr>
         <p:txBody>
-          <a:bodyPr vert="horz" lIns="91440" tIns="45720" rIns="91440" bIns="45720" rtlCol="0" anchor="ctr"/>
-          <a:lstStyle>
-            <a:lvl1pPr algn="r">
-              <a:defRPr sz="1200">
+          <a:bodyPr vert="horz" anchor="b"/>
+          <a:lstStyle>
+            <a:lvl1pPr algn="r" eaLnBrk="1" latinLnBrk="0" hangingPunct="1">
+              <a:defRPr kumimoji="0" sz="1000">
                 <a:solidFill>
-                  <a:schemeClr val="tx1">
-                    <a:tint val="75000"/>
+                  <a:schemeClr val="bg2">
+                    <a:shade val="50000"/>
                   </a:schemeClr>
                 </a:solidFill>
               </a:defRPr>
             </a:lvl1pPr>
+            <a:extLst/>
           </a:lstStyle>
           <a:p>
             <a:fld id="{ED569197-39BF-49E9-A0E9-4FB14A829211}" type="slidenum">
               <a:rPr lang="tr-TR" smtClean="0"/>
+              <a:pPr/>
               <a:t>‹#›</a:t>
             </a:fld>
             <a:endParaRPr lang="tr-TR"/>
@@ -2775,43 +3567,245 @@
   </p:cSld>
   <p:clrMap bg1="lt1" tx1="dk1" bg2="lt2" tx2="dk2" accent1="accent1" accent2="accent2" accent3="accent3" accent4="accent4" accent5="accent5" accent6="accent6" hlink="hlink" folHlink="folHlink"/>
   <p:sldLayoutIdLst>
-    <p:sldLayoutId id="2147483649" r:id="rId1"/>
-    <p:sldLayoutId id="2147483650" r:id="rId2"/>
-    <p:sldLayoutId id="2147483651" r:id="rId3"/>
-    <p:sldLayoutId id="2147483652" r:id="rId4"/>
-    <p:sldLayoutId id="2147483653" r:id="rId5"/>
-    <p:sldLayoutId id="2147483654" r:id="rId6"/>
-    <p:sldLayoutId id="2147483655" r:id="rId7"/>
-    <p:sldLayoutId id="2147483656" r:id="rId8"/>
-    <p:sldLayoutId id="2147483657" r:id="rId9"/>
-    <p:sldLayoutId id="2147483658" r:id="rId10"/>
-    <p:sldLayoutId id="2147483659" r:id="rId11"/>
+    <p:sldLayoutId id="2147483721" r:id="rId1"/>
+    <p:sldLayoutId id="2147483722" r:id="rId2"/>
+    <p:sldLayoutId id="2147483723" r:id="rId3"/>
+    <p:sldLayoutId id="2147483724" r:id="rId4"/>
+    <p:sldLayoutId id="2147483725" r:id="rId5"/>
+    <p:sldLayoutId id="2147483726" r:id="rId6"/>
+    <p:sldLayoutId id="2147483727" r:id="rId7"/>
+    <p:sldLayoutId id="2147483728" r:id="rId8"/>
+    <p:sldLayoutId id="2147483729" r:id="rId9"/>
+    <p:sldLayoutId id="2147483730" r:id="rId10"/>
+    <p:sldLayoutId id="2147483731" r:id="rId11"/>
   </p:sldLayoutIdLst>
   <p:txStyles>
     <p:titleStyle>
-      <a:lvl1pPr algn="ctr" defTabSz="914400" rtl="0" eaLnBrk="1" latinLnBrk="0" hangingPunct="1">
+      <a:lvl1pPr algn="l" rtl="0" eaLnBrk="1" latinLnBrk="0" hangingPunct="1">
         <a:spcBef>
           <a:spcPct val="0"/>
         </a:spcBef>
         <a:buNone/>
-        <a:defRPr sz="4400" kern="1200">
+        <a:defRPr kumimoji="0" sz="3600" b="1" kern="1200">
           <a:solidFill>
-            <a:schemeClr val="tx1"/>
+            <a:schemeClr val="accent1">
+              <a:tint val="88000"/>
+              <a:satMod val="150000"/>
+            </a:schemeClr>
           </a:solidFill>
+          <a:effectLst>
+            <a:outerShdw blurRad="53975" dist="22860" dir="5400000" algn="tl" rotWithShape="0">
+              <a:srgbClr val="000000">
+                <a:alpha val="55000"/>
+              </a:srgbClr>
+            </a:outerShdw>
+          </a:effectLst>
           <a:latin typeface="+mj-lt"/>
           <a:ea typeface="+mj-ea"/>
           <a:cs typeface="+mj-cs"/>
         </a:defRPr>
       </a:lvl1pPr>
+      <a:extLst/>
     </p:titleStyle>
     <p:bodyStyle>
-      <a:lvl1pPr marL="342900" indent="-342900" algn="l" defTabSz="914400" rtl="0" eaLnBrk="1" latinLnBrk="0" hangingPunct="1">
+      <a:lvl1pPr marL="265176" indent="-265176" algn="l" rtl="0" eaLnBrk="1" latinLnBrk="0" hangingPunct="1">
         <a:spcBef>
-          <a:spcPct val="20000"/>
+          <a:spcPts val="250"/>
         </a:spcBef>
-        <a:buFont typeface="Arial" pitchFamily="34" charset="0"/>
-        <a:buChar char="•"/>
-        <a:defRPr sz="3200" kern="1200">
+        <a:buClr>
+          <a:schemeClr val="accent1"/>
+        </a:buClr>
+        <a:buSzPct val="80000"/>
+        <a:buFont typeface="Wingdings 2"/>
+        <a:buChar char=""/>
+        <a:defRPr kumimoji="0" sz="2800" kern="1200">
+          <a:solidFill>
+            <a:schemeClr val="tx1"/>
+          </a:solidFill>
+          <a:effectLst/>
+          <a:latin typeface="+mn-lt"/>
+          <a:ea typeface="+mn-ea"/>
+          <a:cs typeface="+mn-cs"/>
+        </a:defRPr>
+      </a:lvl1pPr>
+      <a:lvl2pPr marL="548640" indent="-201168" algn="l" rtl="0" eaLnBrk="1" latinLnBrk="0" hangingPunct="1">
+        <a:spcBef>
+          <a:spcPts val="250"/>
+        </a:spcBef>
+        <a:buClr>
+          <a:schemeClr val="accent1"/>
+        </a:buClr>
+        <a:buSzPct val="100000"/>
+        <a:buFont typeface="Verdana"/>
+        <a:buChar char="◦"/>
+        <a:defRPr kumimoji="0" sz="2400" kern="1200">
+          <a:solidFill>
+            <a:schemeClr val="tx1"/>
+          </a:solidFill>
+          <a:latin typeface="+mn-lt"/>
+          <a:ea typeface="+mn-ea"/>
+          <a:cs typeface="+mn-cs"/>
+        </a:defRPr>
+      </a:lvl2pPr>
+      <a:lvl3pPr marL="786384" indent="-182880" algn="l" rtl="0" eaLnBrk="1" latinLnBrk="0" hangingPunct="1">
+        <a:spcBef>
+          <a:spcPts val="250"/>
+        </a:spcBef>
+        <a:buClr>
+          <a:schemeClr val="accent2">
+            <a:tint val="85000"/>
+            <a:satMod val="285000"/>
+          </a:schemeClr>
+        </a:buClr>
+        <a:buSzPct val="100000"/>
+        <a:buFont typeface="Wingdings 2"/>
+        <a:buChar char=""/>
+        <a:defRPr kumimoji="0" sz="2200" kern="1200">
+          <a:solidFill>
+            <a:schemeClr val="tx1"/>
+          </a:solidFill>
+          <a:latin typeface="+mn-lt"/>
+          <a:ea typeface="+mn-ea"/>
+          <a:cs typeface="+mn-cs"/>
+        </a:defRPr>
+      </a:lvl3pPr>
+      <a:lvl4pPr marL="1024128" indent="-182880" algn="l" rtl="0" eaLnBrk="1" latinLnBrk="0" hangingPunct="1">
+        <a:spcBef>
+          <a:spcPts val="230"/>
+        </a:spcBef>
+        <a:buClr>
+          <a:schemeClr val="accent2">
+            <a:tint val="85000"/>
+            <a:satMod val="285000"/>
+          </a:schemeClr>
+        </a:buClr>
+        <a:buSzPct val="112000"/>
+        <a:buFont typeface="Verdana"/>
+        <a:buChar char="◦"/>
+        <a:defRPr kumimoji="0" sz="1900" kern="1200">
+          <a:solidFill>
+            <a:schemeClr val="tx1"/>
+          </a:solidFill>
+          <a:latin typeface="+mn-lt"/>
+          <a:ea typeface="+mn-ea"/>
+          <a:cs typeface="+mn-cs"/>
+        </a:defRPr>
+      </a:lvl4pPr>
+      <a:lvl5pPr marL="1280160" indent="-182880" algn="l" rtl="0" eaLnBrk="1" latinLnBrk="0" hangingPunct="1">
+        <a:spcBef>
+          <a:spcPts val="250"/>
+        </a:spcBef>
+        <a:buClr>
+          <a:schemeClr val="accent3">
+            <a:tint val="85000"/>
+            <a:satMod val="275000"/>
+          </a:schemeClr>
+        </a:buClr>
+        <a:buSzPct val="100000"/>
+        <a:buFont typeface="Wingdings 2"/>
+        <a:buChar char=""/>
+        <a:defRPr kumimoji="0" sz="1800" kern="1200">
+          <a:solidFill>
+            <a:schemeClr val="tx1"/>
+          </a:solidFill>
+          <a:latin typeface="+mn-lt"/>
+          <a:ea typeface="+mn-ea"/>
+          <a:cs typeface="+mn-cs"/>
+        </a:defRPr>
+      </a:lvl5pPr>
+      <a:lvl6pPr marL="1490472" indent="-182880" algn="l" rtl="0" eaLnBrk="1" latinLnBrk="0" hangingPunct="1">
+        <a:spcBef>
+          <a:spcPts val="250"/>
+        </a:spcBef>
+        <a:buClr>
+          <a:schemeClr val="accent3">
+            <a:tint val="85000"/>
+            <a:satMod val="275000"/>
+          </a:schemeClr>
+        </a:buClr>
+        <a:buSzPct val="100000"/>
+        <a:buFont typeface="Verdana"/>
+        <a:buChar char="◦"/>
+        <a:defRPr kumimoji="0" sz="1700" kern="1200" baseline="0">
+          <a:solidFill>
+            <a:schemeClr val="tx1"/>
+          </a:solidFill>
+          <a:latin typeface="+mn-lt"/>
+          <a:ea typeface="+mn-ea"/>
+          <a:cs typeface="+mn-cs"/>
+        </a:defRPr>
+      </a:lvl6pPr>
+      <a:lvl7pPr marL="1700784" indent="-182880" algn="l" rtl="0" eaLnBrk="1" latinLnBrk="0" hangingPunct="1">
+        <a:spcBef>
+          <a:spcPts val="255"/>
+        </a:spcBef>
+        <a:buClr>
+          <a:schemeClr val="accent3">
+            <a:tint val="85000"/>
+            <a:satMod val="275000"/>
+          </a:schemeClr>
+        </a:buClr>
+        <a:buSzPct val="100000"/>
+        <a:buFont typeface="Wingdings 2"/>
+        <a:buChar char=""/>
+        <a:defRPr kumimoji="0" sz="1500" kern="1200">
+          <a:solidFill>
+            <a:schemeClr val="tx1"/>
+          </a:solidFill>
+          <a:latin typeface="+mn-lt"/>
+          <a:ea typeface="+mn-ea"/>
+          <a:cs typeface="+mn-cs"/>
+        </a:defRPr>
+      </a:lvl7pPr>
+      <a:lvl8pPr marL="1920240" indent="-182880" algn="l" rtl="0" eaLnBrk="1" latinLnBrk="0" hangingPunct="1">
+        <a:spcBef>
+          <a:spcPts val="257"/>
+        </a:spcBef>
+        <a:buClr>
+          <a:schemeClr val="accent3">
+            <a:tint val="85000"/>
+            <a:satMod val="275000"/>
+          </a:schemeClr>
+        </a:buClr>
+        <a:buSzPct val="100000"/>
+        <a:buFont typeface="Verdana"/>
+        <a:buChar char="◦"/>
+        <a:defRPr kumimoji="0" sz="1500" kern="1200" baseline="0">
+          <a:solidFill>
+            <a:schemeClr val="tx1"/>
+          </a:solidFill>
+          <a:latin typeface="+mn-lt"/>
+          <a:ea typeface="+mn-ea"/>
+          <a:cs typeface="+mn-cs"/>
+        </a:defRPr>
+      </a:lvl8pPr>
+      <a:lvl9pPr marL="2148840" indent="-182880" algn="l" rtl="0" eaLnBrk="1" latinLnBrk="0" hangingPunct="1">
+        <a:spcBef>
+          <a:spcPts val="255"/>
+        </a:spcBef>
+        <a:buClr>
+          <a:schemeClr val="accent3">
+            <a:tint val="85000"/>
+            <a:satMod val="275000"/>
+          </a:schemeClr>
+        </a:buClr>
+        <a:buSzPct val="100000"/>
+        <a:buFont typeface="Wingdings 2"/>
+        <a:buChar char=""/>
+        <a:defRPr kumimoji="0" sz="1500" kern="1200">
+          <a:solidFill>
+            <a:schemeClr val="tx1"/>
+          </a:solidFill>
+          <a:latin typeface="+mn-lt"/>
+          <a:ea typeface="+mn-ea"/>
+          <a:cs typeface="+mn-cs"/>
+        </a:defRPr>
+      </a:lvl9pPr>
+      <a:extLst/>
+    </p:bodyStyle>
+    <p:otherStyle>
+      <a:lvl1pPr marL="0" algn="l" rtl="0" eaLnBrk="1" latinLnBrk="0" hangingPunct="1">
+        <a:defRPr kumimoji="0" kern="1200">
           <a:solidFill>
             <a:schemeClr val="tx1"/>
           </a:solidFill>
@@ -2820,13 +3814,8 @@
           <a:cs typeface="+mn-cs"/>
         </a:defRPr>
       </a:lvl1pPr>
-      <a:lvl2pPr marL="742950" indent="-285750" algn="l" defTabSz="914400" rtl="0" eaLnBrk="1" latinLnBrk="0" hangingPunct="1">
-        <a:spcBef>
-          <a:spcPct val="20000"/>
-        </a:spcBef>
-        <a:buFont typeface="Arial" pitchFamily="34" charset="0"/>
-        <a:buChar char="–"/>
-        <a:defRPr sz="2800" kern="1200">
+      <a:lvl2pPr marL="457200" algn="l" rtl="0" eaLnBrk="1" latinLnBrk="0" hangingPunct="1">
+        <a:defRPr kumimoji="0" kern="1200">
           <a:solidFill>
             <a:schemeClr val="tx1"/>
           </a:solidFill>
@@ -2835,13 +3824,8 @@
           <a:cs typeface="+mn-cs"/>
         </a:defRPr>
       </a:lvl2pPr>
-      <a:lvl3pPr marL="1143000" indent="-228600" algn="l" defTabSz="914400" rtl="0" eaLnBrk="1" latinLnBrk="0" hangingPunct="1">
-        <a:spcBef>
-          <a:spcPct val="20000"/>
-        </a:spcBef>
-        <a:buFont typeface="Arial" pitchFamily="34" charset="0"/>
-        <a:buChar char="•"/>
-        <a:defRPr sz="2400" kern="1200">
+      <a:lvl3pPr marL="914400" algn="l" rtl="0" eaLnBrk="1" latinLnBrk="0" hangingPunct="1">
+        <a:defRPr kumimoji="0" kern="1200">
           <a:solidFill>
             <a:schemeClr val="tx1"/>
           </a:solidFill>
@@ -2850,13 +3834,8 @@
           <a:cs typeface="+mn-cs"/>
         </a:defRPr>
       </a:lvl3pPr>
-      <a:lvl4pPr marL="1600200" indent="-228600" algn="l" defTabSz="914400" rtl="0" eaLnBrk="1" latinLnBrk="0" hangingPunct="1">
-        <a:spcBef>
-          <a:spcPct val="20000"/>
-        </a:spcBef>
-        <a:buFont typeface="Arial" pitchFamily="34" charset="0"/>
-        <a:buChar char="–"/>
-        <a:defRPr sz="2000" kern="1200">
+      <a:lvl4pPr marL="1371600" algn="l" rtl="0" eaLnBrk="1" latinLnBrk="0" hangingPunct="1">
+        <a:defRPr kumimoji="0" kern="1200">
           <a:solidFill>
             <a:schemeClr val="tx1"/>
           </a:solidFill>
@@ -2865,13 +3844,8 @@
           <a:cs typeface="+mn-cs"/>
         </a:defRPr>
       </a:lvl4pPr>
-      <a:lvl5pPr marL="2057400" indent="-228600" algn="l" defTabSz="914400" rtl="0" eaLnBrk="1" latinLnBrk="0" hangingPunct="1">
-        <a:spcBef>
-          <a:spcPct val="20000"/>
-        </a:spcBef>
-        <a:buFont typeface="Arial" pitchFamily="34" charset="0"/>
-        <a:buChar char="»"/>
-        <a:defRPr sz="2000" kern="1200">
+      <a:lvl5pPr marL="1828800" algn="l" rtl="0" eaLnBrk="1" latinLnBrk="0" hangingPunct="1">
+        <a:defRPr kumimoji="0" kern="1200">
           <a:solidFill>
             <a:schemeClr val="tx1"/>
           </a:solidFill>
@@ -2880,13 +3854,8 @@
           <a:cs typeface="+mn-cs"/>
         </a:defRPr>
       </a:lvl5pPr>
-      <a:lvl6pPr marL="2514600" indent="-228600" algn="l" defTabSz="914400" rtl="0" eaLnBrk="1" latinLnBrk="0" hangingPunct="1">
-        <a:spcBef>
-          <a:spcPct val="20000"/>
-        </a:spcBef>
-        <a:buFont typeface="Arial" pitchFamily="34" charset="0"/>
-        <a:buChar char="•"/>
-        <a:defRPr sz="2000" kern="1200">
+      <a:lvl6pPr marL="2286000" algn="l" rtl="0" eaLnBrk="1" latinLnBrk="0" hangingPunct="1">
+        <a:defRPr kumimoji="0" kern="1200">
           <a:solidFill>
             <a:schemeClr val="tx1"/>
           </a:solidFill>
@@ -2895,13 +3864,8 @@
           <a:cs typeface="+mn-cs"/>
         </a:defRPr>
       </a:lvl6pPr>
-      <a:lvl7pPr marL="2971800" indent="-228600" algn="l" defTabSz="914400" rtl="0" eaLnBrk="1" latinLnBrk="0" hangingPunct="1">
-        <a:spcBef>
-          <a:spcPct val="20000"/>
-        </a:spcBef>
-        <a:buFont typeface="Arial" pitchFamily="34" charset="0"/>
-        <a:buChar char="•"/>
-        <a:defRPr sz="2000" kern="1200">
+      <a:lvl7pPr marL="2743200" algn="l" rtl="0" eaLnBrk="1" latinLnBrk="0" hangingPunct="1">
+        <a:defRPr kumimoji="0" kern="1200">
           <a:solidFill>
             <a:schemeClr val="tx1"/>
           </a:solidFill>
@@ -2910,13 +3874,8 @@
           <a:cs typeface="+mn-cs"/>
         </a:defRPr>
       </a:lvl7pPr>
-      <a:lvl8pPr marL="3429000" indent="-228600" algn="l" defTabSz="914400" rtl="0" eaLnBrk="1" latinLnBrk="0" hangingPunct="1">
-        <a:spcBef>
-          <a:spcPct val="20000"/>
-        </a:spcBef>
-        <a:buFont typeface="Arial" pitchFamily="34" charset="0"/>
-        <a:buChar char="•"/>
-        <a:defRPr sz="2000" kern="1200">
+      <a:lvl8pPr marL="3200400" algn="l" rtl="0" eaLnBrk="1" latinLnBrk="0" hangingPunct="1">
+        <a:defRPr kumimoji="0" kern="1200">
           <a:solidFill>
             <a:schemeClr val="tx1"/>
           </a:solidFill>
@@ -2925,13 +3884,8 @@
           <a:cs typeface="+mn-cs"/>
         </a:defRPr>
       </a:lvl8pPr>
-      <a:lvl9pPr marL="3886200" indent="-228600" algn="l" defTabSz="914400" rtl="0" eaLnBrk="1" latinLnBrk="0" hangingPunct="1">
-        <a:spcBef>
-          <a:spcPct val="20000"/>
-        </a:spcBef>
-        <a:buFont typeface="Arial" pitchFamily="34" charset="0"/>
-        <a:buChar char="•"/>
-        <a:defRPr sz="2000" kern="1200">
+      <a:lvl9pPr marL="3657600" algn="l" rtl="0" eaLnBrk="1" latinLnBrk="0" hangingPunct="1">
+        <a:defRPr kumimoji="0" kern="1200">
           <a:solidFill>
             <a:schemeClr val="tx1"/>
           </a:solidFill>
@@ -2940,101 +3894,7 @@
           <a:cs typeface="+mn-cs"/>
         </a:defRPr>
       </a:lvl9pPr>
-    </p:bodyStyle>
-    <p:otherStyle>
-      <a:defPPr>
-        <a:defRPr lang="tr-TR"/>
-      </a:defPPr>
-      <a:lvl1pPr marL="0" algn="l" defTabSz="914400" rtl="0" eaLnBrk="1" latinLnBrk="0" hangingPunct="1">
-        <a:defRPr sz="1800" kern="1200">
-          <a:solidFill>
-            <a:schemeClr val="tx1"/>
-          </a:solidFill>
-          <a:latin typeface="+mn-lt"/>
-          <a:ea typeface="+mn-ea"/>
-          <a:cs typeface="+mn-cs"/>
-        </a:defRPr>
-      </a:lvl1pPr>
-      <a:lvl2pPr marL="457200" algn="l" defTabSz="914400" rtl="0" eaLnBrk="1" latinLnBrk="0" hangingPunct="1">
-        <a:defRPr sz="1800" kern="1200">
-          <a:solidFill>
-            <a:schemeClr val="tx1"/>
-          </a:solidFill>
-          <a:latin typeface="+mn-lt"/>
-          <a:ea typeface="+mn-ea"/>
-          <a:cs typeface="+mn-cs"/>
-        </a:defRPr>
-      </a:lvl2pPr>
-      <a:lvl3pPr marL="914400" algn="l" defTabSz="914400" rtl="0" eaLnBrk="1" latinLnBrk="0" hangingPunct="1">
-        <a:defRPr sz="1800" kern="1200">
-          <a:solidFill>
-            <a:schemeClr val="tx1"/>
-          </a:solidFill>
-          <a:latin typeface="+mn-lt"/>
-          <a:ea typeface="+mn-ea"/>
-          <a:cs typeface="+mn-cs"/>
-        </a:defRPr>
-      </a:lvl3pPr>
-      <a:lvl4pPr marL="1371600" algn="l" defTabSz="914400" rtl="0" eaLnBrk="1" latinLnBrk="0" hangingPunct="1">
-        <a:defRPr sz="1800" kern="1200">
-          <a:solidFill>
-            <a:schemeClr val="tx1"/>
-          </a:solidFill>
-          <a:latin typeface="+mn-lt"/>
-          <a:ea typeface="+mn-ea"/>
-          <a:cs typeface="+mn-cs"/>
-        </a:defRPr>
-      </a:lvl4pPr>
-      <a:lvl5pPr marL="1828800" algn="l" defTabSz="914400" rtl="0" eaLnBrk="1" latinLnBrk="0" hangingPunct="1">
-        <a:defRPr sz="1800" kern="1200">
-          <a:solidFill>
-            <a:schemeClr val="tx1"/>
-          </a:solidFill>
-          <a:latin typeface="+mn-lt"/>
-          <a:ea typeface="+mn-ea"/>
-          <a:cs typeface="+mn-cs"/>
-        </a:defRPr>
-      </a:lvl5pPr>
-      <a:lvl6pPr marL="2286000" algn="l" defTabSz="914400" rtl="0" eaLnBrk="1" latinLnBrk="0" hangingPunct="1">
-        <a:defRPr sz="1800" kern="1200">
-          <a:solidFill>
-            <a:schemeClr val="tx1"/>
-          </a:solidFill>
-          <a:latin typeface="+mn-lt"/>
-          <a:ea typeface="+mn-ea"/>
-          <a:cs typeface="+mn-cs"/>
-        </a:defRPr>
-      </a:lvl6pPr>
-      <a:lvl7pPr marL="2743200" algn="l" defTabSz="914400" rtl="0" eaLnBrk="1" latinLnBrk="0" hangingPunct="1">
-        <a:defRPr sz="1800" kern="1200">
-          <a:solidFill>
-            <a:schemeClr val="tx1"/>
-          </a:solidFill>
-          <a:latin typeface="+mn-lt"/>
-          <a:ea typeface="+mn-ea"/>
-          <a:cs typeface="+mn-cs"/>
-        </a:defRPr>
-      </a:lvl7pPr>
-      <a:lvl8pPr marL="3200400" algn="l" defTabSz="914400" rtl="0" eaLnBrk="1" latinLnBrk="0" hangingPunct="1">
-        <a:defRPr sz="1800" kern="1200">
-          <a:solidFill>
-            <a:schemeClr val="tx1"/>
-          </a:solidFill>
-          <a:latin typeface="+mn-lt"/>
-          <a:ea typeface="+mn-ea"/>
-          <a:cs typeface="+mn-cs"/>
-        </a:defRPr>
-      </a:lvl8pPr>
-      <a:lvl9pPr marL="3657600" algn="l" defTabSz="914400" rtl="0" eaLnBrk="1" latinLnBrk="0" hangingPunct="1">
-        <a:defRPr sz="1800" kern="1200">
-          <a:solidFill>
-            <a:schemeClr val="tx1"/>
-          </a:solidFill>
-          <a:latin typeface="+mn-lt"/>
-          <a:ea typeface="+mn-ea"/>
-          <a:cs typeface="+mn-cs"/>
-        </a:defRPr>
-      </a:lvl9pPr>
+      <a:extLst/>
     </p:otherStyle>
   </p:txStyles>
 </p:sldMaster>
@@ -3075,78 +3935,30 @@
           <a:lstStyle/>
           <a:p>
             <a:r>
+              <a:rPr lang="en-US" dirty="0" smtClean="0"/>
+              <a:t>50 kW Integrated Fault </a:t>
+            </a:r>
+            <a:r>
               <a:rPr lang="tr-TR" dirty="0" smtClean="0"/>
-              <a:t>50 </a:t>
-            </a:r>
-            <a:r>
-              <a:rPr lang="tr-TR" dirty="0" err="1" smtClean="0"/>
-              <a:t>kW</a:t>
+              <a:t>T</a:t>
+            </a:r>
+            <a:r>
+              <a:rPr lang="en-US" dirty="0" smtClean="0"/>
+              <a:t>o</a:t>
             </a:r>
             <a:r>
               <a:rPr lang="tr-TR" dirty="0" smtClean="0"/>
-              <a:t> </a:t>
-            </a:r>
-            <a:r>
-              <a:rPr lang="tr-TR" dirty="0" err="1" smtClean="0"/>
-              <a:t>Integrated</a:t>
-            </a:r>
-            <a:r>
-              <a:rPr lang="tr-TR" dirty="0" smtClean="0"/>
-              <a:t> </a:t>
-            </a:r>
-            <a:r>
-              <a:rPr lang="tr-TR" dirty="0" err="1" smtClean="0"/>
-              <a:t>Fault</a:t>
-            </a:r>
-            <a:r>
-              <a:rPr lang="tr-TR" dirty="0" smtClean="0"/>
-              <a:t> </a:t>
-            </a:r>
-            <a:r>
-              <a:rPr lang="tr-TR" dirty="0" err="1" smtClean="0"/>
-              <a:t>toerant</a:t>
-            </a:r>
-            <a:r>
-              <a:rPr lang="tr-TR" dirty="0" smtClean="0"/>
-              <a:t> </a:t>
-            </a:r>
-            <a:r>
-              <a:rPr lang="tr-TR" dirty="0" err="1" smtClean="0"/>
-              <a:t>Permanent</a:t>
-            </a:r>
-            <a:r>
-              <a:rPr lang="tr-TR" dirty="0" smtClean="0"/>
-              <a:t> </a:t>
-            </a:r>
-            <a:r>
-              <a:rPr lang="tr-TR" dirty="0" err="1" smtClean="0"/>
-              <a:t>Magnet</a:t>
-            </a:r>
-            <a:r>
-              <a:rPr lang="tr-TR" dirty="0" smtClean="0"/>
-              <a:t> </a:t>
-            </a:r>
-            <a:r>
-              <a:rPr lang="tr-TR" dirty="0" err="1" smtClean="0"/>
-              <a:t>Machine</a:t>
-            </a:r>
-            <a:r>
-              <a:rPr lang="tr-TR" dirty="0" smtClean="0"/>
-              <a:t> </a:t>
-            </a:r>
-            <a:r>
-              <a:rPr lang="tr-TR" dirty="0" err="1" smtClean="0"/>
-              <a:t>and</a:t>
-            </a:r>
-            <a:r>
-              <a:rPr lang="tr-TR" dirty="0" smtClean="0"/>
-              <a:t> Motor </a:t>
-            </a:r>
-            <a:r>
-              <a:rPr lang="tr-TR" dirty="0" err="1" smtClean="0"/>
-              <a:t>Drive</a:t>
-            </a:r>
-            <a:endParaRPr lang="tr-TR" dirty="0"/>
+              <a:t>l</a:t>
+            </a:r>
+            <a:r>
+              <a:rPr lang="en-US" dirty="0" err="1" smtClean="0"/>
+              <a:t>erant</a:t>
+            </a:r>
+            <a:r>
+              <a:rPr lang="en-US" dirty="0" smtClean="0"/>
+              <a:t> Permanent Magnet Machine and Motor Drive</a:t>
+            </a:r>
+            <a:endParaRPr lang="en-US" dirty="0"/>
           </a:p>
         </p:txBody>
       </p:sp>
@@ -3196,12 +4008,12 @@
       </p:grpSpPr>
       <p:sp>
         <p:nvSpPr>
-          <p:cNvPr id="2" name="1 Başlık"/>
-          <p:cNvSpPr>
-            <a:spLocks noGrp="1"/>
-          </p:cNvSpPr>
-          <p:nvPr>
-            <p:ph type="title"/>
+          <p:cNvPr id="3" name="2 İçerik Yer Tutucusu"/>
+          <p:cNvSpPr>
+            <a:spLocks noGrp="1"/>
+          </p:cNvSpPr>
+          <p:nvPr>
+            <p:ph idx="1"/>
           </p:nvPr>
         </p:nvSpPr>
         <p:spPr/>
@@ -3209,36 +4021,9 @@
           <a:bodyPr/>
           <a:lstStyle/>
           <a:p>
-            <a:endParaRPr lang="tr-TR"/>
-          </a:p>
-        </p:txBody>
-      </p:sp>
-      <p:sp>
-        <p:nvSpPr>
-          <p:cNvPr id="3" name="2 İçerik Yer Tutucusu"/>
-          <p:cNvSpPr>
-            <a:spLocks noGrp="1"/>
-          </p:cNvSpPr>
-          <p:nvPr>
-            <p:ph idx="1"/>
-          </p:nvPr>
-        </p:nvSpPr>
-        <p:spPr/>
-        <p:txBody>
-          <a:bodyPr/>
-          <a:lstStyle/>
-          <a:p>
-            <a:r>
-              <a:rPr lang="en-US" dirty="0" smtClean="0"/>
-              <a:t>Phase number should be adjusted by optimizing loss and </a:t>
-            </a:r>
-            <a:r>
-              <a:rPr lang="en-US" dirty="0" err="1" smtClean="0"/>
-              <a:t>healty</a:t>
-            </a:r>
-            <a:r>
-              <a:rPr lang="en-US" dirty="0" smtClean="0"/>
-              <a:t> phases.</a:t>
+            <a:r>
+              <a:rPr lang="en-US" dirty="0" smtClean="0"/>
+              <a:t>Permanent Magnet is preferred for higher power density but switched reluctance machine also preferred for fault tolerant applications.</a:t>
             </a:r>
             <a:endParaRPr lang="en-US" dirty="0"/>
           </a:p>
@@ -3271,68 +4056,45 @@
       </p:grpSpPr>
       <p:sp>
         <p:nvSpPr>
-          <p:cNvPr id="2" name="1 Başlık"/>
-          <p:cNvSpPr>
-            <a:spLocks noGrp="1"/>
-          </p:cNvSpPr>
-          <p:nvPr>
-            <p:ph type="title"/>
-          </p:nvPr>
-        </p:nvSpPr>
-        <p:spPr/>
+          <p:cNvPr id="3" name="2 İçerik Yer Tutucusu"/>
+          <p:cNvSpPr>
+            <a:spLocks noGrp="1"/>
+          </p:cNvSpPr>
+          <p:nvPr>
+            <p:ph idx="1"/>
+          </p:nvPr>
+        </p:nvSpPr>
+        <p:spPr>
+          <a:xfrm>
+            <a:off x="500034" y="1857364"/>
+            <a:ext cx="8183880" cy="2000264"/>
+          </a:xfrm>
+        </p:spPr>
         <p:txBody>
           <a:bodyPr/>
           <a:lstStyle/>
           <a:p>
             <a:r>
               <a:rPr lang="en-US" dirty="0" smtClean="0"/>
-              <a:t>Machine Design and Construction</a:t>
+              <a:t>Phase number should be adjusted by optimizing loss and </a:t>
+            </a:r>
+            <a:r>
+              <a:rPr lang="en-US" dirty="0" err="1" smtClean="0"/>
+              <a:t>healt</a:t>
+            </a:r>
+            <a:r>
+              <a:rPr lang="tr-TR" dirty="0" smtClean="0"/>
+              <a:t>h</a:t>
+            </a:r>
+            <a:r>
+              <a:rPr lang="en-US" dirty="0" smtClean="0"/>
+              <a:t>y </a:t>
+            </a:r>
+            <a:r>
+              <a:rPr lang="en-US" dirty="0" smtClean="0"/>
+              <a:t>phases.</a:t>
             </a:r>
             <a:endParaRPr lang="en-US" dirty="0"/>
-          </a:p>
-        </p:txBody>
-      </p:sp>
-      <p:sp>
-        <p:nvSpPr>
-          <p:cNvPr id="3" name="2 İçerik Yer Tutucusu"/>
-          <p:cNvSpPr>
-            <a:spLocks noGrp="1"/>
-          </p:cNvSpPr>
-          <p:nvPr>
-            <p:ph idx="1"/>
-          </p:nvPr>
-        </p:nvSpPr>
-        <p:spPr/>
-        <p:txBody>
-          <a:bodyPr/>
-          <a:lstStyle/>
-          <a:p>
-            <a:r>
-              <a:rPr lang="en-US" dirty="0" smtClean="0"/>
-              <a:t>Isolated and </a:t>
-            </a:r>
-            <a:r>
-              <a:rPr lang="en-US" dirty="0" err="1" smtClean="0"/>
-              <a:t>conc</a:t>
-            </a:r>
-            <a:r>
-              <a:rPr lang="tr-TR" dirty="0" smtClean="0"/>
-              <a:t>e</a:t>
-            </a:r>
-            <a:r>
-              <a:rPr lang="en-US" dirty="0" err="1" smtClean="0"/>
-              <a:t>ntrated</a:t>
-            </a:r>
-            <a:r>
-              <a:rPr lang="en-US" dirty="0" smtClean="0"/>
-              <a:t> structure</a:t>
-            </a:r>
-          </a:p>
-          <a:p>
-            <a:r>
-              <a:rPr lang="en-US" dirty="0" smtClean="0"/>
-              <a:t>Balance</a:t>
-            </a:r>
           </a:p>
         </p:txBody>
       </p:sp>
@@ -3371,12 +4133,23 @@
             <p:ph type="title"/>
           </p:nvPr>
         </p:nvSpPr>
-        <p:spPr/>
-        <p:txBody>
-          <a:bodyPr/>
+        <p:spPr>
+          <a:xfrm>
+            <a:off x="428596" y="714356"/>
+            <a:ext cx="8183880" cy="1051560"/>
+          </a:xfrm>
+        </p:spPr>
+        <p:txBody>
+          <a:bodyPr>
+            <a:normAutofit fontScale="90000"/>
+          </a:bodyPr>
           <a:lstStyle/>
           <a:p>
-            <a:endParaRPr lang="tr-TR"/>
+            <a:r>
+              <a:rPr lang="en-US" dirty="0" smtClean="0"/>
+              <a:t>Machine Design and Construction</a:t>
+            </a:r>
+            <a:endParaRPr lang="en-US" dirty="0"/>
           </a:p>
         </p:txBody>
       </p:sp>
@@ -3390,41 +4163,42 @@
             <p:ph idx="1"/>
           </p:nvPr>
         </p:nvSpPr>
-        <p:spPr/>
+        <p:spPr>
+          <a:xfrm>
+            <a:off x="571472" y="2714620"/>
+            <a:ext cx="8183880" cy="1785950"/>
+          </a:xfrm>
+        </p:spPr>
         <p:txBody>
           <a:bodyPr/>
           <a:lstStyle/>
           <a:p>
             <a:r>
               <a:rPr lang="en-US" dirty="0" smtClean="0"/>
-              <a:t>In order to prevent short circuit phases should be isolated magnetically and electrically from </a:t>
+              <a:t>Isolated and </a:t>
             </a:r>
             <a:r>
               <a:rPr lang="en-US" dirty="0" err="1" smtClean="0"/>
-              <a:t>neighbo</a:t>
+              <a:t>conc</a:t>
             </a:r>
             <a:r>
               <a:rPr lang="tr-TR" dirty="0" smtClean="0"/>
-              <a:t>u</a:t>
+              <a:t>e</a:t>
             </a:r>
             <a:r>
               <a:rPr lang="en-US" dirty="0" err="1" smtClean="0"/>
-              <a:t>rs</a:t>
-            </a:r>
-            <a:r>
-              <a:rPr lang="en-US" dirty="0" smtClean="0"/>
-              <a:t>.</a:t>
-            </a:r>
-          </a:p>
-          <a:p>
-            <a:endParaRPr lang="en-US" dirty="0" smtClean="0"/>
-          </a:p>
-          <a:p>
-            <a:r>
-              <a:rPr lang="en-US" dirty="0" smtClean="0"/>
-              <a:t>If there is a fault condition, not one, two phase should be removed to satisfy balance.</a:t>
-            </a:r>
-            <a:endParaRPr lang="en-US" dirty="0"/>
+              <a:t>ntrated</a:t>
+            </a:r>
+            <a:r>
+              <a:rPr lang="en-US" dirty="0" smtClean="0"/>
+              <a:t> structure</a:t>
+            </a:r>
+          </a:p>
+          <a:p>
+            <a:r>
+              <a:rPr lang="en-US" dirty="0" smtClean="0"/>
+              <a:t>Balance</a:t>
+            </a:r>
           </a:p>
         </p:txBody>
       </p:sp>
@@ -3453,69 +4227,56 @@
           <a:chExt cx="0" cy="0"/>
         </a:xfrm>
       </p:grpSpPr>
-      <p:pic>
-        <p:nvPicPr>
-          <p:cNvPr id="3074" name="Picture 2"/>
-          <p:cNvPicPr>
-            <a:picLocks noGrp="1" noChangeAspect="1" noChangeArrowheads="1"/>
-          </p:cNvPicPr>
+      <p:sp>
+        <p:nvSpPr>
+          <p:cNvPr id="3" name="2 İçerik Yer Tutucusu"/>
+          <p:cNvSpPr>
+            <a:spLocks noGrp="1"/>
+          </p:cNvSpPr>
           <p:nvPr>
             <p:ph idx="1"/>
           </p:nvPr>
-        </p:nvPicPr>
-        <p:blipFill>
-          <a:blip r:embed="rId2"/>
-          <a:srcRect/>
-          <a:stretch>
-            <a:fillRect/>
-          </a:stretch>
-        </p:blipFill>
-        <p:spPr bwMode="auto">
-          <a:xfrm>
-            <a:off x="1714480" y="1000108"/>
-            <a:ext cx="5538249" cy="5553893"/>
-          </a:xfrm>
-          <a:prstGeom prst="rect">
-            <a:avLst/>
-          </a:prstGeom>
-          <a:noFill/>
-          <a:ln w="9525">
-            <a:noFill/>
-            <a:miter lim="800000"/>
-            <a:headEnd/>
-            <a:tailEnd/>
-          </a:ln>
-          <a:effectLst/>
-        </p:spPr>
-      </p:pic>
-      <p:sp>
-        <p:nvSpPr>
-          <p:cNvPr id="2" name="1 Başlık"/>
-          <p:cNvSpPr>
-            <a:spLocks noGrp="1"/>
-          </p:cNvSpPr>
-          <p:nvPr>
-            <p:ph type="title"/>
-          </p:nvPr>
-        </p:nvSpPr>
-        <p:spPr/>
+        </p:nvSpPr>
+        <p:spPr>
+          <a:xfrm>
+            <a:off x="500034" y="1214422"/>
+            <a:ext cx="8183880" cy="4187952"/>
+          </a:xfrm>
+        </p:spPr>
         <p:txBody>
           <a:bodyPr/>
           <a:lstStyle/>
           <a:p>
             <a:r>
-              <a:rPr lang="tr-TR" dirty="0" err="1" smtClean="0"/>
-              <a:t>Power</a:t>
+              <a:rPr lang="en-US" dirty="0" smtClean="0"/>
+              <a:t>In order to prevent short circuit phases should be isolated magnetically and electrically from </a:t>
+            </a:r>
+            <a:r>
+              <a:rPr lang="en-US" dirty="0" err="1" smtClean="0"/>
+              <a:t>neighbo</a:t>
             </a:r>
             <a:r>
               <a:rPr lang="tr-TR" dirty="0" smtClean="0"/>
-              <a:t> </a:t>
-            </a:r>
-            <a:r>
-              <a:rPr lang="tr-TR" dirty="0" err="1" smtClean="0"/>
-              <a:t>Electronics</a:t>
-            </a:r>
-            <a:endParaRPr lang="tr-TR" dirty="0"/>
+              <a:t>u</a:t>
+            </a:r>
+            <a:r>
+              <a:rPr lang="en-US" dirty="0" err="1" smtClean="0"/>
+              <a:t>rs</a:t>
+            </a:r>
+            <a:r>
+              <a:rPr lang="en-US" dirty="0" smtClean="0"/>
+              <a:t>.</a:t>
+            </a:r>
+          </a:p>
+          <a:p>
+            <a:endParaRPr lang="en-US" dirty="0" smtClean="0"/>
+          </a:p>
+          <a:p>
+            <a:r>
+              <a:rPr lang="en-US" dirty="0" smtClean="0"/>
+              <a:t>If there is a fault condition, not one, two phase should be removed to satisfy balance.</a:t>
+            </a:r>
+            <a:endParaRPr lang="en-US" dirty="0"/>
           </a:p>
         </p:txBody>
       </p:sp>
@@ -3544,6 +4305,41 @@
           <a:chExt cx="0" cy="0"/>
         </a:xfrm>
       </p:grpSpPr>
+      <p:pic>
+        <p:nvPicPr>
+          <p:cNvPr id="3074" name="Picture 2"/>
+          <p:cNvPicPr>
+            <a:picLocks noGrp="1" noChangeAspect="1" noChangeArrowheads="1"/>
+          </p:cNvPicPr>
+          <p:nvPr>
+            <p:ph idx="1"/>
+          </p:nvPr>
+        </p:nvPicPr>
+        <p:blipFill>
+          <a:blip r:embed="rId2"/>
+          <a:srcRect/>
+          <a:stretch>
+            <a:fillRect/>
+          </a:stretch>
+        </p:blipFill>
+        <p:spPr bwMode="auto">
+          <a:xfrm>
+            <a:off x="1357290" y="1428737"/>
+            <a:ext cx="6786610" cy="4429156"/>
+          </a:xfrm>
+          <a:prstGeom prst="rect">
+            <a:avLst/>
+          </a:prstGeom>
+          <a:noFill/>
+          <a:ln w="9525">
+            <a:noFill/>
+            <a:miter lim="800000"/>
+            <a:headEnd/>
+            <a:tailEnd/>
+          </a:ln>
+          <a:effectLst/>
+        </p:spPr>
+      </p:pic>
       <p:sp>
         <p:nvSpPr>
           <p:cNvPr id="2" name="1 Başlık"/>
@@ -3554,83 +4350,29 @@
             <p:ph type="title"/>
           </p:nvPr>
         </p:nvSpPr>
-        <p:spPr/>
+        <p:spPr>
+          <a:xfrm>
+            <a:off x="500034" y="214290"/>
+            <a:ext cx="8183880" cy="1051560"/>
+          </a:xfrm>
+        </p:spPr>
         <p:txBody>
           <a:bodyPr/>
           <a:lstStyle/>
           <a:p>
-            <a:endParaRPr lang="tr-TR"/>
-          </a:p>
-        </p:txBody>
-      </p:sp>
-      <p:sp>
-        <p:nvSpPr>
-          <p:cNvPr id="3" name="2 İçerik Yer Tutucusu"/>
-          <p:cNvSpPr>
-            <a:spLocks noGrp="1"/>
-          </p:cNvSpPr>
-          <p:nvPr>
-            <p:ph idx="1"/>
-          </p:nvPr>
-        </p:nvSpPr>
-        <p:spPr/>
-        <p:txBody>
-          <a:bodyPr/>
-          <a:lstStyle/>
-          <a:p>
-            <a:r>
-              <a:rPr lang="en-US" dirty="0" smtClean="0"/>
-              <a:t>PSFB (Phase Shifted Full Bridge):</a:t>
-            </a:r>
-          </a:p>
-          <a:p>
-            <a:pPr>
-              <a:buNone/>
-            </a:pPr>
-            <a:r>
-              <a:rPr lang="en-US" dirty="0" smtClean="0"/>
-              <a:t>		There is low frequency an it limits </a:t>
-            </a:r>
-            <a:r>
-              <a:rPr lang="en-US" dirty="0" err="1" smtClean="0"/>
-              <a:t>semico</a:t>
+            <a:r>
+              <a:rPr lang="tr-TR" dirty="0" err="1" smtClean="0"/>
+              <a:t>Power</a:t>
             </a:r>
             <a:r>
               <a:rPr lang="tr-TR" dirty="0" smtClean="0"/>
-              <a:t>n</a:t>
-            </a:r>
-            <a:r>
-              <a:rPr lang="en-US" dirty="0" err="1" smtClean="0"/>
-              <a:t>ductor</a:t>
-            </a:r>
-            <a:r>
-              <a:rPr lang="en-US" dirty="0" smtClean="0"/>
-              <a:t> losses to induction loss only.</a:t>
-            </a:r>
-          </a:p>
-          <a:p>
-            <a:pPr>
-              <a:buNone/>
-            </a:pPr>
-            <a:endParaRPr lang="en-US" dirty="0" smtClean="0"/>
-          </a:p>
-          <a:p>
-            <a:pPr>
-              <a:buNone/>
-            </a:pPr>
-            <a:r>
-              <a:rPr lang="en-US" dirty="0" smtClean="0"/>
-              <a:t>• If fault condition occurs in the DC bus capacitors, bus capacitors will be </a:t>
-            </a:r>
-            <a:r>
-              <a:rPr lang="en-US" dirty="0" err="1" smtClean="0"/>
-              <a:t>disonnected</a:t>
-            </a:r>
-            <a:r>
-              <a:rPr lang="en-US" dirty="0" smtClean="0"/>
-              <a:t> via the fuse.</a:t>
-            </a:r>
-            <a:endParaRPr lang="en-US" dirty="0"/>
+              <a:t> </a:t>
+            </a:r>
+            <a:r>
+              <a:rPr lang="tr-TR" dirty="0" err="1" smtClean="0"/>
+              <a:t>Electronics</a:t>
+            </a:r>
+            <a:endParaRPr lang="tr-TR" dirty="0"/>
           </a:p>
         </p:txBody>
       </p:sp>
@@ -3659,61 +4401,72 @@
           <a:chExt cx="0" cy="0"/>
         </a:xfrm>
       </p:grpSpPr>
-      <p:pic>
-        <p:nvPicPr>
-          <p:cNvPr id="4098" name="Picture 2"/>
-          <p:cNvPicPr>
-            <a:picLocks noGrp="1" noChangeAspect="1" noChangeArrowheads="1"/>
-          </p:cNvPicPr>
+      <p:sp>
+        <p:nvSpPr>
+          <p:cNvPr id="3" name="2 İçerik Yer Tutucusu"/>
+          <p:cNvSpPr>
+            <a:spLocks noGrp="1"/>
+          </p:cNvSpPr>
           <p:nvPr>
             <p:ph idx="1"/>
           </p:nvPr>
-        </p:nvPicPr>
-        <p:blipFill>
-          <a:blip r:embed="rId2"/>
-          <a:srcRect/>
-          <a:stretch>
-            <a:fillRect/>
-          </a:stretch>
-        </p:blipFill>
-        <p:spPr bwMode="auto">
-          <a:xfrm>
-            <a:off x="1643042" y="1500174"/>
-            <a:ext cx="5915322" cy="4972520"/>
-          </a:xfrm>
-          <a:prstGeom prst="rect">
-            <a:avLst/>
-          </a:prstGeom>
-          <a:noFill/>
-          <a:ln w="9525">
-            <a:noFill/>
-            <a:miter lim="800000"/>
-            <a:headEnd/>
-            <a:tailEnd/>
-          </a:ln>
-          <a:effectLst/>
-        </p:spPr>
-      </p:pic>
-      <p:sp>
-        <p:nvSpPr>
-          <p:cNvPr id="2" name="1 Başlık"/>
-          <p:cNvSpPr>
-            <a:spLocks noGrp="1"/>
-          </p:cNvSpPr>
-          <p:nvPr>
-            <p:ph type="title"/>
-          </p:nvPr>
         </p:nvSpPr>
         <p:spPr/>
         <p:txBody>
-          <a:bodyPr>
-            <a:normAutofit fontScale="90000"/>
-          </a:bodyPr>
+          <a:bodyPr/>
           <a:lstStyle/>
           <a:p>
             <a:r>
               <a:rPr lang="en-US" dirty="0" smtClean="0"/>
-              <a:t>Thermal Management and Packaging Concept</a:t>
+              <a:t>PSFB (Phase Shifted Full Bridge):</a:t>
+            </a:r>
+          </a:p>
+          <a:p>
+            <a:pPr>
+              <a:buNone/>
+            </a:pPr>
+            <a:r>
+              <a:rPr lang="en-US" dirty="0" smtClean="0"/>
+              <a:t>		There is low frequency an it limits </a:t>
+            </a:r>
+            <a:r>
+              <a:rPr lang="en-US" dirty="0" err="1" smtClean="0"/>
+              <a:t>semico</a:t>
+            </a:r>
+            <a:r>
+              <a:rPr lang="tr-TR" dirty="0" smtClean="0"/>
+              <a:t>n</a:t>
+            </a:r>
+            <a:r>
+              <a:rPr lang="en-US" dirty="0" err="1" smtClean="0"/>
+              <a:t>ductor</a:t>
+            </a:r>
+            <a:r>
+              <a:rPr lang="en-US" dirty="0" smtClean="0"/>
+              <a:t> losses to induction loss only.</a:t>
+            </a:r>
+          </a:p>
+          <a:p>
+            <a:pPr>
+              <a:buNone/>
+            </a:pPr>
+            <a:endParaRPr lang="en-US" dirty="0" smtClean="0"/>
+          </a:p>
+          <a:p>
+            <a:pPr>
+              <a:buNone/>
+            </a:pPr>
+            <a:r>
+              <a:rPr lang="en-US" dirty="0" smtClean="0"/>
+              <a:t>• If fault condition occurs in the DC bus capacitors, bus capacitors will be </a:t>
+            </a:r>
+            <a:r>
+              <a:rPr lang="en-US" dirty="0" err="1" smtClean="0"/>
+              <a:t>disonnected</a:t>
+            </a:r>
+            <a:r>
+              <a:rPr lang="en-US" dirty="0" smtClean="0"/>
+              <a:t> via the fuse.</a:t>
             </a:r>
             <a:endParaRPr lang="en-US" dirty="0"/>
           </a:p>
@@ -3744,9 +4497,39 @@
           <a:chExt cx="0" cy="0"/>
         </a:xfrm>
       </p:grpSpPr>
+      <p:sp>
+        <p:nvSpPr>
+          <p:cNvPr id="2" name="1 Başlık"/>
+          <p:cNvSpPr>
+            <a:spLocks noGrp="1"/>
+          </p:cNvSpPr>
+          <p:nvPr>
+            <p:ph type="title"/>
+          </p:nvPr>
+        </p:nvSpPr>
+        <p:spPr>
+          <a:xfrm>
+            <a:off x="500034" y="571480"/>
+            <a:ext cx="8183880" cy="1051560"/>
+          </a:xfrm>
+        </p:spPr>
+        <p:txBody>
+          <a:bodyPr>
+            <a:normAutofit fontScale="90000"/>
+          </a:bodyPr>
+          <a:lstStyle/>
+          <a:p>
+            <a:r>
+              <a:rPr lang="en-US" dirty="0" smtClean="0"/>
+              <a:t>Thermal Management and Packaging Concept</a:t>
+            </a:r>
+            <a:endParaRPr lang="en-US" dirty="0"/>
+          </a:p>
+        </p:txBody>
+      </p:sp>
       <p:pic>
         <p:nvPicPr>
-          <p:cNvPr id="5122" name="Picture 2"/>
+          <p:cNvPr id="4098" name="Picture 2"/>
           <p:cNvPicPr>
             <a:picLocks noGrp="1" noChangeAspect="1" noChangeArrowheads="1"/>
           </p:cNvPicPr>
@@ -3756,15 +4539,14 @@
         </p:nvPicPr>
         <p:blipFill>
           <a:blip r:embed="rId2"/>
-          <a:srcRect/>
           <a:stretch>
             <a:fillRect/>
           </a:stretch>
         </p:blipFill>
         <p:spPr bwMode="auto">
           <a:xfrm>
-            <a:off x="1071538" y="357166"/>
-            <a:ext cx="7118759" cy="5963447"/>
+            <a:off x="2571736" y="2000240"/>
+            <a:ext cx="4572032" cy="3843328"/>
           </a:xfrm>
           <a:prstGeom prst="rect">
             <a:avLst/>
@@ -3788,6 +4570,66 @@
 </file>
 
 <file path=ppt/slides/slide17.xml><?xml version="1.0" encoding="utf-8"?>
+<p:sld xmlns:a="http://schemas.openxmlformats.org/drawingml/2006/main" xmlns:r="http://schemas.openxmlformats.org/officeDocument/2006/relationships" xmlns:p="http://schemas.openxmlformats.org/presentationml/2006/main">
+  <p:cSld>
+    <p:spTree>
+      <p:nvGrpSpPr>
+        <p:cNvPr id="1" name=""/>
+        <p:cNvGrpSpPr/>
+        <p:nvPr/>
+      </p:nvGrpSpPr>
+      <p:grpSpPr>
+        <a:xfrm>
+          <a:off x="0" y="0"/>
+          <a:ext cx="0" cy="0"/>
+          <a:chOff x="0" y="0"/>
+          <a:chExt cx="0" cy="0"/>
+        </a:xfrm>
+      </p:grpSpPr>
+      <p:pic>
+        <p:nvPicPr>
+          <p:cNvPr id="5122" name="Picture 2"/>
+          <p:cNvPicPr>
+            <a:picLocks noGrp="1" noChangeAspect="1" noChangeArrowheads="1"/>
+          </p:cNvPicPr>
+          <p:nvPr>
+            <p:ph idx="1"/>
+          </p:nvPr>
+        </p:nvPicPr>
+        <p:blipFill>
+          <a:blip r:embed="rId2"/>
+          <a:srcRect/>
+          <a:stretch>
+            <a:fillRect/>
+          </a:stretch>
+        </p:blipFill>
+        <p:spPr bwMode="auto">
+          <a:xfrm>
+            <a:off x="1071538" y="357166"/>
+            <a:ext cx="7118759" cy="5963447"/>
+          </a:xfrm>
+          <a:prstGeom prst="rect">
+            <a:avLst/>
+          </a:prstGeom>
+          <a:noFill/>
+          <a:ln w="9525">
+            <a:noFill/>
+            <a:miter lim="800000"/>
+            <a:headEnd/>
+            <a:tailEnd/>
+          </a:ln>
+          <a:effectLst/>
+        </p:spPr>
+      </p:pic>
+    </p:spTree>
+  </p:cSld>
+  <p:clrMapOvr>
+    <a:masterClrMapping/>
+  </p:clrMapOvr>
+</p:sld>
+</file>
+
+<file path=ppt/slides/slide18.xml><?xml version="1.0" encoding="utf-8"?>
 <p:sld xmlns:a="http://schemas.openxmlformats.org/drawingml/2006/main" xmlns:r="http://schemas.openxmlformats.org/officeDocument/2006/relationships" xmlns:p="http://schemas.openxmlformats.org/presentationml/2006/main">
   <p:cSld>
     <p:spTree>
@@ -3845,7 +4687,7 @@
 </p:sld>
 </file>
 
-<file path=ppt/slides/slide18.xml><?xml version="1.0" encoding="utf-8"?>
+<file path=ppt/slides/slide19.xml><?xml version="1.0" encoding="utf-8"?>
 <p:sld xmlns:a="http://schemas.openxmlformats.org/drawingml/2006/main" xmlns:r="http://schemas.openxmlformats.org/officeDocument/2006/relationships" xmlns:p="http://schemas.openxmlformats.org/presentationml/2006/main">
   <p:cSld>
     <p:spTree>
@@ -3897,102 +4739,6 @@
           <a:effectLst/>
         </p:spPr>
       </p:pic>
-    </p:spTree>
-  </p:cSld>
-  <p:clrMapOvr>
-    <a:masterClrMapping/>
-  </p:clrMapOvr>
-</p:sld>
-</file>
-
-<file path=ppt/slides/slide19.xml><?xml version="1.0" encoding="utf-8"?>
-<p:sld xmlns:a="http://schemas.openxmlformats.org/drawingml/2006/main" xmlns:r="http://schemas.openxmlformats.org/officeDocument/2006/relationships" xmlns:p="http://schemas.openxmlformats.org/presentationml/2006/main">
-  <p:cSld>
-    <p:spTree>
-      <p:nvGrpSpPr>
-        <p:cNvPr id="1" name=""/>
-        <p:cNvGrpSpPr/>
-        <p:nvPr/>
-      </p:nvGrpSpPr>
-      <p:grpSpPr>
-        <a:xfrm>
-          <a:off x="0" y="0"/>
-          <a:ext cx="0" cy="0"/>
-          <a:chOff x="0" y="0"/>
-          <a:chExt cx="0" cy="0"/>
-        </a:xfrm>
-      </p:grpSpPr>
-      <p:sp>
-        <p:nvSpPr>
-          <p:cNvPr id="2" name="1 Başlık"/>
-          <p:cNvSpPr>
-            <a:spLocks noGrp="1"/>
-          </p:cNvSpPr>
-          <p:nvPr>
-            <p:ph type="title"/>
-          </p:nvPr>
-        </p:nvSpPr>
-        <p:spPr/>
-        <p:txBody>
-          <a:bodyPr/>
-          <a:lstStyle/>
-          <a:p>
-            <a:r>
-              <a:rPr lang="tr-TR" dirty="0" smtClean="0"/>
-              <a:t>SUMMARY</a:t>
-            </a:r>
-            <a:endParaRPr lang="en-US" dirty="0"/>
-          </a:p>
-        </p:txBody>
-      </p:sp>
-      <p:sp>
-        <p:nvSpPr>
-          <p:cNvPr id="3" name="2 İçerik Yer Tutucusu"/>
-          <p:cNvSpPr>
-            <a:spLocks noGrp="1"/>
-          </p:cNvSpPr>
-          <p:nvPr>
-            <p:ph idx="1"/>
-          </p:nvPr>
-        </p:nvSpPr>
-        <p:spPr>
-          <a:xfrm>
-            <a:off x="457200" y="1600201"/>
-            <a:ext cx="8229600" cy="4043378"/>
-          </a:xfrm>
-        </p:spPr>
-        <p:txBody>
-          <a:bodyPr/>
-          <a:lstStyle/>
-          <a:p>
-            <a:r>
-              <a:rPr lang="en-US" dirty="0" smtClean="0"/>
-              <a:t>Intention:</a:t>
-            </a:r>
-            <a:endParaRPr lang="tr-TR" dirty="0" smtClean="0"/>
-          </a:p>
-          <a:p>
-            <a:pPr>
-              <a:buNone/>
-            </a:pPr>
-            <a:r>
-              <a:rPr lang="tr-TR" dirty="0" smtClean="0"/>
-              <a:t>	S</a:t>
-            </a:r>
-            <a:r>
-              <a:rPr lang="en-US" dirty="0" err="1" smtClean="0"/>
-              <a:t>ignificant</a:t>
-            </a:r>
-            <a:r>
-              <a:rPr lang="en-US" dirty="0" smtClean="0"/>
-              <a:t> decrease at total volume while keeping total output the same.</a:t>
-            </a:r>
-          </a:p>
-          <a:p>
-            <a:endParaRPr lang="en-US" dirty="0"/>
-          </a:p>
-        </p:txBody>
-      </p:sp>
     </p:spTree>
   </p:cSld>
   <p:clrMapOvr>
@@ -4020,60 +4766,54 @@
       </p:grpSpPr>
       <p:sp>
         <p:nvSpPr>
-          <p:cNvPr id="2" name="1 Başlık"/>
-          <p:cNvSpPr>
-            <a:spLocks noGrp="1"/>
-          </p:cNvSpPr>
-          <p:nvPr>
-            <p:ph type="title"/>
-          </p:nvPr>
-        </p:nvSpPr>
-        <p:spPr/>
+          <p:cNvPr id="3" name="2 İçerik Yer Tutucusu"/>
+          <p:cNvSpPr>
+            <a:spLocks noGrp="1"/>
+          </p:cNvSpPr>
+          <p:nvPr>
+            <p:ph idx="1"/>
+          </p:nvPr>
+        </p:nvSpPr>
+        <p:spPr>
+          <a:xfrm>
+            <a:off x="357158" y="1643051"/>
+            <a:ext cx="7858180" cy="4357718"/>
+          </a:xfrm>
+        </p:spPr>
         <p:txBody>
           <a:bodyPr/>
           <a:lstStyle/>
           <a:p>
-            <a:r>
-              <a:rPr lang="tr-TR" dirty="0" err="1" smtClean="0"/>
-              <a:t>Overwiev</a:t>
-            </a:r>
-            <a:endParaRPr lang="tr-TR" dirty="0"/>
-          </a:p>
-        </p:txBody>
-      </p:sp>
-      <p:sp>
-        <p:nvSpPr>
-          <p:cNvPr id="3" name="2 İçerik Yer Tutucusu"/>
-          <p:cNvSpPr>
-            <a:spLocks noGrp="1"/>
-          </p:cNvSpPr>
-          <p:nvPr>
-            <p:ph idx="1"/>
-          </p:nvPr>
-        </p:nvSpPr>
-        <p:spPr/>
-        <p:txBody>
-          <a:bodyPr/>
-          <a:lstStyle/>
-          <a:p>
-            <a:r>
-              <a:rPr lang="en-US" dirty="0" smtClean="0"/>
-              <a:t>Machine and Power electronics losses and PSFB (Phase Shifted Full Bridge) concept</a:t>
-            </a:r>
-          </a:p>
-          <a:p>
-            <a:r>
-              <a:rPr lang="en-US" dirty="0" err="1" smtClean="0"/>
-              <a:t>Termal</a:t>
-            </a:r>
-            <a:r>
-              <a:rPr lang="en-US" dirty="0" smtClean="0"/>
-              <a:t> Design</a:t>
-            </a:r>
             <a:endParaRPr lang="en-US" dirty="0"/>
           </a:p>
         </p:txBody>
       </p:sp>
+      <p:pic>
+        <p:nvPicPr>
+          <p:cNvPr id="41986" name="Picture 2" descr="permanent magnet motor ile ilgili görsel sonucu"/>
+          <p:cNvPicPr>
+            <a:picLocks noChangeAspect="1" noChangeArrowheads="1"/>
+          </p:cNvPicPr>
+          <p:nvPr/>
+        </p:nvPicPr>
+        <p:blipFill>
+          <a:blip r:embed="rId2"/>
+          <a:srcRect/>
+          <a:stretch>
+            <a:fillRect/>
+          </a:stretch>
+        </p:blipFill>
+        <p:spPr bwMode="auto">
+          <a:xfrm>
+            <a:off x="428596" y="428603"/>
+            <a:ext cx="8286808" cy="6203847"/>
+          </a:xfrm>
+          <a:prstGeom prst="rect">
+            <a:avLst/>
+          </a:prstGeom>
+          <a:noFill/>
+        </p:spPr>
+      </p:pic>
     </p:spTree>
   </p:cSld>
   <p:clrMapOvr>
@@ -4111,82 +4851,66 @@
         </p:nvSpPr>
         <p:spPr>
           <a:xfrm>
-            <a:off x="500034" y="500042"/>
-            <a:ext cx="8229600" cy="1143000"/>
-          </a:xfrm>
-        </p:spPr>
-        <p:txBody>
-          <a:bodyPr>
-            <a:noAutofit/>
-          </a:bodyPr>
+            <a:off x="500034" y="1071546"/>
+            <a:ext cx="8183880" cy="1051560"/>
+          </a:xfrm>
+        </p:spPr>
+        <p:txBody>
+          <a:bodyPr/>
           <a:lstStyle/>
           <a:p>
             <a:r>
+              <a:rPr lang="tr-TR" dirty="0" smtClean="0"/>
+              <a:t>SUMMARY</a:t>
+            </a:r>
+            <a:endParaRPr lang="en-US" dirty="0"/>
+          </a:p>
+        </p:txBody>
+      </p:sp>
+      <p:sp>
+        <p:nvSpPr>
+          <p:cNvPr id="3" name="2 İçerik Yer Tutucusu"/>
+          <p:cNvSpPr>
+            <a:spLocks noGrp="1"/>
+          </p:cNvSpPr>
+          <p:nvPr>
+            <p:ph idx="1"/>
+          </p:nvPr>
+        </p:nvSpPr>
+        <p:spPr>
+          <a:xfrm>
+            <a:off x="428596" y="2714620"/>
+            <a:ext cx="8229600" cy="1714512"/>
+          </a:xfrm>
+        </p:spPr>
+        <p:txBody>
+          <a:bodyPr/>
+          <a:lstStyle/>
+          <a:p>
+            <a:r>
+              <a:rPr lang="en-US" dirty="0" smtClean="0"/>
+              <a:t>Intention:</a:t>
+            </a:r>
+            <a:endParaRPr lang="tr-TR" dirty="0" smtClean="0"/>
+          </a:p>
+          <a:p>
+            <a:pPr>
+              <a:buNone/>
+            </a:pPr>
+            <a:r>
+              <a:rPr lang="tr-TR" dirty="0" smtClean="0"/>
+              <a:t>	S</a:t>
+            </a:r>
+            <a:r>
               <a:rPr lang="en-US" dirty="0" err="1" smtClean="0"/>
-              <a:t>Swıtched</a:t>
-            </a:r>
-            <a:r>
-              <a:rPr lang="en-US" dirty="0" smtClean="0"/>
-              <a:t> Reluctance Machines</a:t>
-            </a:r>
-            <a:endParaRPr lang="en-US" dirty="0"/>
-          </a:p>
-        </p:txBody>
-      </p:sp>
-      <p:sp>
-        <p:nvSpPr>
-          <p:cNvPr id="3" name="2 İçerik Yer Tutucusu"/>
-          <p:cNvSpPr>
-            <a:spLocks noGrp="1"/>
-          </p:cNvSpPr>
-          <p:nvPr>
-            <p:ph idx="1"/>
-          </p:nvPr>
-        </p:nvSpPr>
-        <p:spPr>
-          <a:xfrm>
-            <a:off x="571472" y="2143116"/>
-            <a:ext cx="8229600" cy="4525963"/>
-          </a:xfrm>
-        </p:spPr>
-        <p:txBody>
-          <a:bodyPr/>
-          <a:lstStyle/>
-          <a:p>
-            <a:r>
-              <a:rPr lang="en-US" dirty="0" smtClean="0"/>
-              <a:t>Copper fill </a:t>
-            </a:r>
-            <a:r>
-              <a:rPr lang="en-US" dirty="0" err="1" smtClean="0"/>
-              <a:t>fator</a:t>
-            </a:r>
-            <a:r>
-              <a:rPr lang="en-US" dirty="0" smtClean="0"/>
-              <a:t> is high</a:t>
-            </a:r>
-          </a:p>
-          <a:p>
-            <a:r>
-              <a:rPr lang="en-US" dirty="0" smtClean="0"/>
-              <a:t>However, SRM needs two </a:t>
-            </a:r>
-            <a:r>
-              <a:rPr lang="en-US" dirty="0" err="1" smtClean="0"/>
-              <a:t>terminl</a:t>
-            </a:r>
-            <a:r>
-              <a:rPr lang="en-US" dirty="0" smtClean="0"/>
-              <a:t> </a:t>
-            </a:r>
-            <a:r>
-              <a:rPr lang="en-US" dirty="0" err="1" smtClean="0"/>
-              <a:t>conections</a:t>
-            </a:r>
-            <a:r>
-              <a:rPr lang="en-US" dirty="0" smtClean="0"/>
-              <a:t> per phase</a:t>
-            </a:r>
+              <a:t>ignificant</a:t>
+            </a:r>
+            <a:r>
+              <a:rPr lang="en-US" dirty="0" smtClean="0"/>
+              <a:t> decrease at total volume while keeping total output the same.</a:t>
+            </a:r>
+          </a:p>
+          <a:p>
             <a:endParaRPr lang="en-US" dirty="0"/>
           </a:p>
         </p:txBody>
@@ -4228,27 +4952,35 @@
         </p:nvSpPr>
         <p:spPr>
           <a:xfrm>
-            <a:off x="500034" y="428604"/>
+            <a:off x="500034" y="500042"/>
             <a:ext cx="8229600" cy="1143000"/>
           </a:xfrm>
         </p:spPr>
         <p:txBody>
           <a:bodyPr>
-            <a:normAutofit fontScale="90000"/>
+            <a:noAutofit/>
           </a:bodyPr>
           <a:lstStyle/>
           <a:p>
             <a:r>
-              <a:rPr lang="en-US" dirty="0" smtClean="0"/>
-              <a:t>Design of </a:t>
-            </a:r>
-            <a:r>
               <a:rPr lang="en-US" dirty="0" err="1" smtClean="0"/>
-              <a:t>Intagrted</a:t>
-            </a:r>
-            <a:r>
-              <a:rPr lang="en-US" dirty="0" smtClean="0"/>
-              <a:t> and Distributed Inverter</a:t>
+              <a:t>Sw</a:t>
+            </a:r>
+            <a:r>
+              <a:rPr lang="tr-TR" dirty="0" smtClean="0"/>
+              <a:t>i</a:t>
+            </a:r>
+            <a:r>
+              <a:rPr lang="en-US" dirty="0" err="1" smtClean="0"/>
+              <a:t>tched</a:t>
+            </a:r>
+            <a:r>
+              <a:rPr lang="en-US" dirty="0" smtClean="0"/>
+              <a:t> </a:t>
+            </a:r>
+            <a:r>
+              <a:rPr lang="en-US" dirty="0" smtClean="0"/>
+              <a:t>Reluctance Machines</a:t>
             </a:r>
             <a:endParaRPr lang="en-US" dirty="0"/>
           </a:p>
@@ -4266,7 +4998,7 @@
         </p:nvSpPr>
         <p:spPr>
           <a:xfrm>
-            <a:off x="500034" y="1857364"/>
+            <a:off x="571472" y="2143116"/>
             <a:ext cx="8229600" cy="4525963"/>
           </a:xfrm>
         </p:spPr>
@@ -4276,33 +5008,41 @@
           <a:p>
             <a:r>
               <a:rPr lang="en-US" dirty="0" smtClean="0"/>
-              <a:t>Inverters consist of one </a:t>
+              <a:t>Copper fill </a:t>
             </a:r>
             <a:r>
               <a:rPr lang="en-US" dirty="0" err="1" smtClean="0"/>
-              <a:t>asy</a:t>
+              <a:t>fator</a:t>
+            </a:r>
+            <a:r>
+              <a:rPr lang="en-US" dirty="0" smtClean="0"/>
+              <a:t> is high</a:t>
+            </a:r>
+          </a:p>
+          <a:p>
+            <a:r>
+              <a:rPr lang="en-US" dirty="0" smtClean="0"/>
+              <a:t>However, SRM needs two </a:t>
+            </a:r>
+            <a:r>
+              <a:rPr lang="en-US" dirty="0" err="1" smtClean="0"/>
+              <a:t>termin</a:t>
             </a:r>
             <a:r>
               <a:rPr lang="tr-TR" dirty="0" smtClean="0"/>
-              <a:t>m</a:t>
-            </a:r>
-            <a:r>
-              <a:rPr lang="en-US" dirty="0" smtClean="0"/>
-              <a:t>metrical half bridge per phase, two switches and two diodes</a:t>
-            </a:r>
-          </a:p>
-          <a:p>
-            <a:r>
-              <a:rPr lang="en-US" dirty="0" smtClean="0"/>
-              <a:t>There are redundancy (if there is  failure, remaining phases can cont</a:t>
-            </a:r>
-            <a:r>
-              <a:rPr lang="tr-TR" dirty="0" err="1" smtClean="0"/>
-              <a:t>inue</a:t>
-            </a:r>
-            <a:r>
-              <a:rPr lang="en-US" dirty="0" smtClean="0"/>
-              <a:t> the operation.)  </a:t>
+              <a:t>a</a:t>
+            </a:r>
+            <a:r>
+              <a:rPr lang="en-US" dirty="0" smtClean="0"/>
+              <a:t>l </a:t>
+            </a:r>
+            <a:r>
+              <a:rPr lang="en-US" dirty="0" err="1" smtClean="0"/>
+              <a:t>conections</a:t>
+            </a:r>
+            <a:r>
+              <a:rPr lang="en-US" dirty="0" smtClean="0"/>
+              <a:t> per phase</a:t>
             </a:r>
             <a:endParaRPr lang="en-US" dirty="0"/>
           </a:p>
@@ -4343,12 +5083,39 @@
             <p:ph type="title"/>
           </p:nvPr>
         </p:nvSpPr>
-        <p:spPr/>
-        <p:txBody>
-          <a:bodyPr/>
+        <p:spPr>
+          <a:xfrm>
+            <a:off x="500034" y="428604"/>
+            <a:ext cx="8229600" cy="1143000"/>
+          </a:xfrm>
+        </p:spPr>
+        <p:txBody>
+          <a:bodyPr>
+            <a:normAutofit fontScale="90000"/>
+          </a:bodyPr>
           <a:lstStyle/>
           <a:p>
-            <a:endParaRPr lang="en-US"/>
+            <a:r>
+              <a:rPr lang="en-US" dirty="0" smtClean="0"/>
+              <a:t>Design of </a:t>
+            </a:r>
+            <a:r>
+              <a:rPr lang="en-US" dirty="0" err="1" smtClean="0"/>
+              <a:t>Intagr</a:t>
+            </a:r>
+            <a:r>
+              <a:rPr lang="tr-TR" dirty="0" smtClean="0"/>
+              <a:t>a</a:t>
+            </a:r>
+            <a:r>
+              <a:rPr lang="en-US" dirty="0" smtClean="0"/>
+              <a:t>ted </a:t>
+            </a:r>
+            <a:r>
+              <a:rPr lang="en-US" dirty="0" smtClean="0"/>
+              <a:t>and Distributed Inverter</a:t>
+            </a:r>
+            <a:endParaRPr lang="en-US" dirty="0"/>
           </a:p>
         </p:txBody>
       </p:sp>
@@ -4362,20 +5129,45 @@
             <p:ph idx="1"/>
           </p:nvPr>
         </p:nvSpPr>
-        <p:spPr/>
+        <p:spPr>
+          <a:xfrm>
+            <a:off x="500034" y="1857364"/>
+            <a:ext cx="8229600" cy="4525963"/>
+          </a:xfrm>
+        </p:spPr>
         <p:txBody>
           <a:bodyPr/>
           <a:lstStyle/>
           <a:p>
             <a:r>
               <a:rPr lang="en-US" dirty="0" smtClean="0"/>
-              <a:t>Loss is low and cooling performance is great</a:t>
-            </a:r>
-          </a:p>
-          <a:p>
-            <a:r>
-              <a:rPr lang="en-US" dirty="0" smtClean="0"/>
-              <a:t>However, it is expensive comparing to standard inverter.</a:t>
+              <a:t>Inverters consist of one </a:t>
+            </a:r>
+            <a:r>
+              <a:rPr lang="en-US" dirty="0" err="1" smtClean="0"/>
+              <a:t>asy</a:t>
+            </a:r>
+            <a:r>
+              <a:rPr lang="tr-TR" dirty="0" smtClean="0"/>
+              <a:t>m</a:t>
+            </a:r>
+            <a:r>
+              <a:rPr lang="en-US" dirty="0" smtClean="0"/>
+              <a:t>metrical half bridge per phase, two switches and two diodes</a:t>
+            </a:r>
+          </a:p>
+          <a:p>
+            <a:r>
+              <a:rPr lang="en-US" dirty="0" smtClean="0"/>
+              <a:t>There are redundancy (if there is  failure, remaining phases can cont</a:t>
+            </a:r>
+            <a:r>
+              <a:rPr lang="tr-TR" dirty="0" err="1" smtClean="0"/>
+              <a:t>inue</a:t>
+            </a:r>
+            <a:r>
+              <a:rPr lang="en-US" dirty="0" smtClean="0"/>
+              <a:t> the operation.)  </a:t>
             </a:r>
             <a:endParaRPr lang="en-US" dirty="0"/>
           </a:p>
@@ -4408,6 +5200,81 @@
       </p:grpSpPr>
       <p:sp>
         <p:nvSpPr>
+          <p:cNvPr id="3" name="2 İçerik Yer Tutucusu"/>
+          <p:cNvSpPr>
+            <a:spLocks noGrp="1"/>
+          </p:cNvSpPr>
+          <p:nvPr>
+            <p:ph idx="1"/>
+          </p:nvPr>
+        </p:nvSpPr>
+        <p:spPr>
+          <a:xfrm>
+            <a:off x="428596" y="1857364"/>
+            <a:ext cx="8229600" cy="4525963"/>
+          </a:xfrm>
+        </p:spPr>
+        <p:txBody>
+          <a:bodyPr/>
+          <a:lstStyle/>
+          <a:p>
+            <a:r>
+              <a:rPr lang="en-US" dirty="0" smtClean="0"/>
+              <a:t>Loss is low and cooling performance is great</a:t>
+            </a:r>
+          </a:p>
+          <a:p>
+            <a:r>
+              <a:rPr lang="en-US" dirty="0" smtClean="0"/>
+              <a:t>However, </a:t>
+            </a:r>
+            <a:r>
+              <a:rPr lang="en-US" dirty="0" smtClean="0"/>
+              <a:t>integrated inverters </a:t>
+            </a:r>
+            <a:r>
+              <a:rPr lang="tr-TR" dirty="0" err="1" smtClean="0"/>
+              <a:t>are</a:t>
+            </a:r>
+            <a:r>
+              <a:rPr lang="en-US" dirty="0" smtClean="0"/>
+              <a:t> </a:t>
+            </a:r>
+            <a:r>
+              <a:rPr lang="en-US" dirty="0" smtClean="0"/>
+              <a:t>expensive comparing to standard inverter.</a:t>
+            </a:r>
+            <a:endParaRPr lang="en-US" dirty="0"/>
+          </a:p>
+        </p:txBody>
+      </p:sp>
+    </p:spTree>
+  </p:cSld>
+  <p:clrMapOvr>
+    <a:masterClrMapping/>
+  </p:clrMapOvr>
+</p:sld>
+</file>
+
+<file path=ppt/slides/slide24.xml><?xml version="1.0" encoding="utf-8"?>
+<p:sld xmlns:a="http://schemas.openxmlformats.org/drawingml/2006/main" xmlns:r="http://schemas.openxmlformats.org/officeDocument/2006/relationships" xmlns:p="http://schemas.openxmlformats.org/presentationml/2006/main">
+  <p:cSld>
+    <p:spTree>
+      <p:nvGrpSpPr>
+        <p:cNvPr id="1" name=""/>
+        <p:cNvGrpSpPr/>
+        <p:nvPr/>
+      </p:nvGrpSpPr>
+      <p:grpSpPr>
+        <a:xfrm>
+          <a:off x="0" y="0"/>
+          <a:ext cx="0" cy="0"/>
+          <a:chOff x="0" y="0"/>
+          <a:chExt cx="0" cy="0"/>
+        </a:xfrm>
+      </p:grpSpPr>
+      <p:sp>
+        <p:nvSpPr>
           <p:cNvPr id="2" name="1 Başlık"/>
           <p:cNvSpPr>
             <a:spLocks noGrp="1"/>
@@ -4416,7 +5283,12 @@
             <p:ph type="title"/>
           </p:nvPr>
         </p:nvSpPr>
-        <p:spPr/>
+        <p:spPr>
+          <a:xfrm>
+            <a:off x="500034" y="1000108"/>
+            <a:ext cx="8183880" cy="1051560"/>
+          </a:xfrm>
+        </p:spPr>
         <p:txBody>
           <a:bodyPr/>
           <a:lstStyle/>
@@ -4439,7 +5311,12 @@
             <p:ph idx="1"/>
           </p:nvPr>
         </p:nvSpPr>
-        <p:spPr/>
+        <p:spPr>
+          <a:xfrm>
+            <a:off x="500034" y="3071810"/>
+            <a:ext cx="8183880" cy="1571636"/>
+          </a:xfrm>
+        </p:spPr>
         <p:txBody>
           <a:bodyPr/>
           <a:lstStyle/>
@@ -4450,11 +5327,471 @@
             </a:r>
             <a:r>
               <a:rPr lang="en-US" dirty="0" err="1" smtClean="0"/>
-              <a:t>paralll</a:t>
-            </a:r>
-            <a:r>
-              <a:rPr lang="en-US" dirty="0" smtClean="0"/>
-              <a:t> and communication is satisfied via DSP.</a:t>
+              <a:t>parall</a:t>
+            </a:r>
+            <a:r>
+              <a:rPr lang="tr-TR" dirty="0" smtClean="0"/>
+              <a:t>e</a:t>
+            </a:r>
+            <a:r>
+              <a:rPr lang="en-US" dirty="0" smtClean="0"/>
+              <a:t>l </a:t>
+            </a:r>
+            <a:r>
+              <a:rPr lang="en-US" dirty="0" smtClean="0"/>
+              <a:t>and communication is satisfied via DSP.</a:t>
+            </a:r>
+            <a:endParaRPr lang="en-US" dirty="0"/>
+          </a:p>
+        </p:txBody>
+      </p:sp>
+    </p:spTree>
+  </p:cSld>
+  <p:clrMapOvr>
+    <a:masterClrMapping/>
+  </p:clrMapOvr>
+</p:sld>
+</file>
+
+<file path=ppt/slides/slide25.xml><?xml version="1.0" encoding="utf-8"?>
+<p:sld xmlns:a="http://schemas.openxmlformats.org/drawingml/2006/main" xmlns:r="http://schemas.openxmlformats.org/officeDocument/2006/relationships" xmlns:p="http://schemas.openxmlformats.org/presentationml/2006/main">
+  <p:cSld>
+    <p:spTree>
+      <p:nvGrpSpPr>
+        <p:cNvPr id="1" name=""/>
+        <p:cNvGrpSpPr/>
+        <p:nvPr/>
+      </p:nvGrpSpPr>
+      <p:grpSpPr>
+        <a:xfrm>
+          <a:off x="0" y="0"/>
+          <a:ext cx="0" cy="0"/>
+          <a:chOff x="0" y="0"/>
+          <a:chExt cx="0" cy="0"/>
+        </a:xfrm>
+      </p:grpSpPr>
+      <p:sp>
+        <p:nvSpPr>
+          <p:cNvPr id="2" name="1 Başlık"/>
+          <p:cNvSpPr>
+            <a:spLocks noGrp="1"/>
+          </p:cNvSpPr>
+          <p:nvPr>
+            <p:ph type="title"/>
+          </p:nvPr>
+        </p:nvSpPr>
+        <p:spPr>
+          <a:xfrm>
+            <a:off x="500034" y="428604"/>
+            <a:ext cx="8183880" cy="1051560"/>
+          </a:xfrm>
+        </p:spPr>
+        <p:txBody>
+          <a:bodyPr/>
+          <a:lstStyle/>
+          <a:p>
+            <a:r>
+              <a:rPr lang="en-US" dirty="0" smtClean="0"/>
+              <a:t>Implemented Torque Control</a:t>
+            </a:r>
+            <a:endParaRPr lang="en-US" dirty="0"/>
+          </a:p>
+        </p:txBody>
+      </p:sp>
+      <p:sp>
+        <p:nvSpPr>
+          <p:cNvPr id="3" name="2 İçerik Yer Tutucusu"/>
+          <p:cNvSpPr>
+            <a:spLocks noGrp="1"/>
+          </p:cNvSpPr>
+          <p:nvPr>
+            <p:ph idx="1"/>
+          </p:nvPr>
+        </p:nvSpPr>
+        <p:spPr>
+          <a:xfrm>
+            <a:off x="428596" y="2071678"/>
+            <a:ext cx="8183880" cy="3357586"/>
+          </a:xfrm>
+        </p:spPr>
+        <p:txBody>
+          <a:bodyPr/>
+          <a:lstStyle/>
+          <a:p>
+            <a:r>
+              <a:rPr lang="en-US" dirty="0" smtClean="0"/>
+              <a:t>Using feedback loop </a:t>
+            </a:r>
+            <a:r>
+              <a:rPr lang="en-US" dirty="0" smtClean="0"/>
+              <a:t>t</a:t>
+            </a:r>
+            <a:r>
+              <a:rPr lang="tr-TR" dirty="0" smtClean="0"/>
+              <a:t>o</a:t>
+            </a:r>
+            <a:r>
+              <a:rPr lang="en-US" dirty="0" err="1" smtClean="0"/>
+              <a:t>rque</a:t>
+            </a:r>
+            <a:r>
+              <a:rPr lang="en-US" dirty="0" smtClean="0"/>
+              <a:t> </a:t>
+            </a:r>
+            <a:r>
+              <a:rPr lang="en-US" dirty="0" smtClean="0"/>
+              <a:t>and flux linkage are modeled at MATLAB or SIMULING.</a:t>
+            </a:r>
+          </a:p>
+          <a:p>
+            <a:r>
+              <a:rPr lang="en-US" dirty="0" smtClean="0"/>
+              <a:t>Torque and flux linkage depend on current and rotor position.</a:t>
+            </a:r>
+            <a:endParaRPr lang="tr-TR" dirty="0" smtClean="0"/>
+          </a:p>
+          <a:p>
+            <a:r>
+              <a:rPr lang="en-US" dirty="0" smtClean="0"/>
+              <a:t>Torque ripple is observed for varying speeds.</a:t>
+            </a:r>
+            <a:endParaRPr lang="en-US" dirty="0"/>
+          </a:p>
+        </p:txBody>
+      </p:sp>
+    </p:spTree>
+  </p:cSld>
+  <p:clrMapOvr>
+    <a:masterClrMapping/>
+  </p:clrMapOvr>
+</p:sld>
+</file>
+
+<file path=ppt/slides/slide26.xml><?xml version="1.0" encoding="utf-8"?>
+<p:sld xmlns:a="http://schemas.openxmlformats.org/drawingml/2006/main" xmlns:r="http://schemas.openxmlformats.org/officeDocument/2006/relationships" xmlns:p="http://schemas.openxmlformats.org/presentationml/2006/main">
+  <p:cSld>
+    <p:spTree>
+      <p:nvGrpSpPr>
+        <p:cNvPr id="1" name=""/>
+        <p:cNvGrpSpPr/>
+        <p:nvPr/>
+      </p:nvGrpSpPr>
+      <p:grpSpPr>
+        <a:xfrm>
+          <a:off x="0" y="0"/>
+          <a:ext cx="0" cy="0"/>
+          <a:chOff x="0" y="0"/>
+          <a:chExt cx="0" cy="0"/>
+        </a:xfrm>
+      </p:grpSpPr>
+      <p:sp>
+        <p:nvSpPr>
+          <p:cNvPr id="2" name="1 Başlık"/>
+          <p:cNvSpPr>
+            <a:spLocks noGrp="1"/>
+          </p:cNvSpPr>
+          <p:nvPr>
+            <p:ph type="title"/>
+          </p:nvPr>
+        </p:nvSpPr>
+        <p:spPr>
+          <a:xfrm>
+            <a:off x="500034" y="928670"/>
+            <a:ext cx="8183880" cy="1051560"/>
+          </a:xfrm>
+        </p:spPr>
+        <p:txBody>
+          <a:bodyPr/>
+          <a:lstStyle/>
+          <a:p>
+            <a:r>
+              <a:rPr lang="en-US" dirty="0" smtClean="0"/>
+              <a:t>Fault Tolerance Analysis</a:t>
+            </a:r>
+            <a:endParaRPr lang="en-US" dirty="0"/>
+          </a:p>
+        </p:txBody>
+      </p:sp>
+      <p:sp>
+        <p:nvSpPr>
+          <p:cNvPr id="3" name="2 İçerik Yer Tutucusu"/>
+          <p:cNvSpPr>
+            <a:spLocks noGrp="1"/>
+          </p:cNvSpPr>
+          <p:nvPr>
+            <p:ph idx="1"/>
+          </p:nvPr>
+        </p:nvSpPr>
+        <p:spPr>
+          <a:xfrm>
+            <a:off x="500034" y="2643182"/>
+            <a:ext cx="8183880" cy="2327144"/>
+          </a:xfrm>
+        </p:spPr>
+        <p:txBody>
+          <a:bodyPr/>
+          <a:lstStyle/>
+          <a:p>
+            <a:r>
+              <a:rPr lang="en-US" dirty="0" smtClean="0"/>
+              <a:t>Average Torque and Torque Ripple:</a:t>
+            </a:r>
+          </a:p>
+          <a:p>
+            <a:pPr>
+              <a:buNone/>
+            </a:pPr>
+            <a:r>
+              <a:rPr lang="en-US" dirty="0" smtClean="0"/>
+              <a:t>	</a:t>
+            </a:r>
+            <a:r>
+              <a:rPr lang="en-US" dirty="0" err="1" smtClean="0"/>
+              <a:t>Whithout</a:t>
+            </a:r>
+            <a:r>
+              <a:rPr lang="en-US" dirty="0" smtClean="0"/>
+              <a:t> any fault compensation or feedback loop torque is reduced proportionally the number of fault phase</a:t>
+            </a:r>
+          </a:p>
+          <a:p>
+            <a:pPr>
+              <a:buNone/>
+            </a:pPr>
+            <a:endParaRPr lang="en-US" dirty="0"/>
+          </a:p>
+        </p:txBody>
+      </p:sp>
+    </p:spTree>
+  </p:cSld>
+  <p:clrMapOvr>
+    <a:masterClrMapping/>
+  </p:clrMapOvr>
+</p:sld>
+</file>
+
+<file path=ppt/slides/slide27.xml><?xml version="1.0" encoding="utf-8"?>
+<p:sld xmlns:a="http://schemas.openxmlformats.org/drawingml/2006/main" xmlns:r="http://schemas.openxmlformats.org/officeDocument/2006/relationships" xmlns:p="http://schemas.openxmlformats.org/presentationml/2006/main">
+  <p:cSld>
+    <p:spTree>
+      <p:nvGrpSpPr>
+        <p:cNvPr id="1" name=""/>
+        <p:cNvGrpSpPr/>
+        <p:nvPr/>
+      </p:nvGrpSpPr>
+      <p:grpSpPr>
+        <a:xfrm>
+          <a:off x="0" y="0"/>
+          <a:ext cx="0" cy="0"/>
+          <a:chOff x="0" y="0"/>
+          <a:chExt cx="0" cy="0"/>
+        </a:xfrm>
+      </p:grpSpPr>
+      <p:sp>
+        <p:nvSpPr>
+          <p:cNvPr id="3" name="2 İçerik Yer Tutucusu"/>
+          <p:cNvSpPr>
+            <a:spLocks noGrp="1"/>
+          </p:cNvSpPr>
+          <p:nvPr>
+            <p:ph idx="1"/>
+          </p:nvPr>
+        </p:nvSpPr>
+        <p:spPr>
+          <a:xfrm>
+            <a:off x="500034" y="1571612"/>
+            <a:ext cx="8183880" cy="2827210"/>
+          </a:xfrm>
+        </p:spPr>
+        <p:txBody>
+          <a:bodyPr/>
+          <a:lstStyle/>
+          <a:p>
+            <a:r>
+              <a:rPr lang="en-US" dirty="0" smtClean="0"/>
+              <a:t>Vibration Shape:</a:t>
+            </a:r>
+          </a:p>
+          <a:p>
+            <a:pPr>
+              <a:buNone/>
+            </a:pPr>
+            <a:r>
+              <a:rPr lang="en-US" dirty="0" smtClean="0"/>
+              <a:t>	Also, vibration shape is observed at fault condition. It is proposed that, the simplest way to reduce vibration is turn off the module opposite the faulty module.</a:t>
+            </a:r>
+          </a:p>
+        </p:txBody>
+      </p:sp>
+    </p:spTree>
+  </p:cSld>
+  <p:clrMapOvr>
+    <a:masterClrMapping/>
+  </p:clrMapOvr>
+</p:sld>
+</file>
+
+<file path=ppt/slides/slide28.xml><?xml version="1.0" encoding="utf-8"?>
+<p:sld xmlns:a="http://schemas.openxmlformats.org/drawingml/2006/main" xmlns:r="http://schemas.openxmlformats.org/officeDocument/2006/relationships" xmlns:p="http://schemas.openxmlformats.org/presentationml/2006/main">
+  <p:cSld>
+    <p:spTree>
+      <p:nvGrpSpPr>
+        <p:cNvPr id="1" name=""/>
+        <p:cNvGrpSpPr/>
+        <p:nvPr/>
+      </p:nvGrpSpPr>
+      <p:grpSpPr>
+        <a:xfrm>
+          <a:off x="0" y="0"/>
+          <a:ext cx="0" cy="0"/>
+          <a:chOff x="0" y="0"/>
+          <a:chExt cx="0" cy="0"/>
+        </a:xfrm>
+      </p:grpSpPr>
+      <p:sp>
+        <p:nvSpPr>
+          <p:cNvPr id="2" name="1 Başlık"/>
+          <p:cNvSpPr>
+            <a:spLocks noGrp="1"/>
+          </p:cNvSpPr>
+          <p:nvPr>
+            <p:ph type="title"/>
+          </p:nvPr>
+        </p:nvSpPr>
+        <p:spPr>
+          <a:xfrm>
+            <a:off x="500034" y="642918"/>
+            <a:ext cx="8183880" cy="1051560"/>
+          </a:xfrm>
+        </p:spPr>
+        <p:txBody>
+          <a:bodyPr/>
+          <a:lstStyle/>
+          <a:p>
+            <a:r>
+              <a:rPr lang="en-US" dirty="0" smtClean="0"/>
+              <a:t>Summary</a:t>
+            </a:r>
+            <a:endParaRPr lang="en-US" dirty="0"/>
+          </a:p>
+        </p:txBody>
+      </p:sp>
+      <p:sp>
+        <p:nvSpPr>
+          <p:cNvPr id="3" name="2 İçerik Yer Tutucusu"/>
+          <p:cNvSpPr>
+            <a:spLocks noGrp="1"/>
+          </p:cNvSpPr>
+          <p:nvPr>
+            <p:ph idx="1"/>
+          </p:nvPr>
+        </p:nvSpPr>
+        <p:spPr>
+          <a:xfrm>
+            <a:off x="500034" y="2071678"/>
+            <a:ext cx="8183880" cy="3643338"/>
+          </a:xfrm>
+        </p:spPr>
+        <p:txBody>
+          <a:bodyPr>
+            <a:normAutofit/>
+          </a:bodyPr>
+          <a:lstStyle/>
+          <a:p>
+            <a:r>
+              <a:rPr lang="en-US" dirty="0" smtClean="0"/>
+              <a:t>Inverters allows much number of phase without increase the number of terminals. It satisfies </a:t>
+            </a:r>
+            <a:r>
+              <a:rPr lang="en-US" dirty="0" err="1" smtClean="0"/>
+              <a:t>redun</a:t>
+            </a:r>
+            <a:r>
+              <a:rPr lang="tr-TR" dirty="0" smtClean="0"/>
+              <a:t>d</a:t>
+            </a:r>
+            <a:r>
+              <a:rPr lang="en-US" dirty="0" err="1" smtClean="0"/>
+              <a:t>ancy</a:t>
+            </a:r>
+            <a:r>
+              <a:rPr lang="en-US" dirty="0" smtClean="0"/>
+              <a:t>.</a:t>
+            </a:r>
+          </a:p>
+          <a:p>
+            <a:r>
+              <a:rPr lang="en-US" dirty="0" smtClean="0"/>
+              <a:t>To satisfy torque optimization, FEM is used and machine</a:t>
+            </a:r>
+            <a:r>
+              <a:rPr lang="tr-TR" dirty="0" smtClean="0"/>
+              <a:t> </a:t>
+            </a:r>
+            <a:r>
+              <a:rPr lang="en-US" dirty="0" smtClean="0"/>
+              <a:t>characteristic is analyzed. Ripple on the torque is tried to decrease (below 10%)</a:t>
+            </a:r>
+            <a:endParaRPr lang="en-US" dirty="0"/>
+          </a:p>
+        </p:txBody>
+      </p:sp>
+    </p:spTree>
+  </p:cSld>
+  <p:clrMapOvr>
+    <a:masterClrMapping/>
+  </p:clrMapOvr>
+</p:sld>
+</file>
+
+<file path=ppt/slides/slide29.xml><?xml version="1.0" encoding="utf-8"?>
+<p:sld xmlns:a="http://schemas.openxmlformats.org/drawingml/2006/main" xmlns:r="http://schemas.openxmlformats.org/officeDocument/2006/relationships" xmlns:p="http://schemas.openxmlformats.org/presentationml/2006/main">
+  <p:cSld>
+    <p:spTree>
+      <p:nvGrpSpPr>
+        <p:cNvPr id="1" name=""/>
+        <p:cNvGrpSpPr/>
+        <p:nvPr/>
+      </p:nvGrpSpPr>
+      <p:grpSpPr>
+        <a:xfrm>
+          <a:off x="0" y="0"/>
+          <a:ext cx="0" cy="0"/>
+          <a:chOff x="0" y="0"/>
+          <a:chExt cx="0" cy="0"/>
+        </a:xfrm>
+      </p:grpSpPr>
+      <p:sp>
+        <p:nvSpPr>
+          <p:cNvPr id="3" name="2 İçerik Yer Tutucusu"/>
+          <p:cNvSpPr>
+            <a:spLocks noGrp="1"/>
+          </p:cNvSpPr>
+          <p:nvPr>
+            <p:ph idx="1"/>
+          </p:nvPr>
+        </p:nvSpPr>
+        <p:spPr>
+          <a:xfrm>
+            <a:off x="428596" y="2000240"/>
+            <a:ext cx="8229600" cy="2714644"/>
+          </a:xfrm>
+        </p:spPr>
+        <p:txBody>
+          <a:bodyPr/>
+          <a:lstStyle/>
+          <a:p>
+            <a:r>
+              <a:rPr lang="en-US" dirty="0" smtClean="0"/>
+              <a:t>Balance is crucial. If one phase module is faulted, vibration increase because of as</a:t>
+            </a:r>
+            <a:r>
+              <a:rPr lang="tr-TR" dirty="0" smtClean="0"/>
+              <a:t>y</a:t>
+            </a:r>
+            <a:r>
+              <a:rPr lang="en-US" dirty="0" smtClean="0"/>
+              <a:t>metric excitation and magnetic pull. Opposite phase module can be removed to satisfy symmetry.</a:t>
             </a:r>
             <a:endParaRPr lang="en-US" dirty="0"/>
           </a:p>
@@ -4497,23 +5834,30 @@
         </p:nvSpPr>
         <p:spPr>
           <a:xfrm>
-            <a:off x="500034" y="714356"/>
-            <a:ext cx="8229600" cy="1143000"/>
-          </a:xfrm>
-        </p:spPr>
-        <p:txBody>
-          <a:bodyPr>
-            <a:normAutofit fontScale="90000"/>
-          </a:bodyPr>
+            <a:off x="428596" y="642918"/>
+            <a:ext cx="8183880" cy="1051560"/>
+          </a:xfrm>
+        </p:spPr>
+        <p:txBody>
+          <a:bodyPr/>
           <a:lstStyle/>
           <a:p>
             <a:r>
-              <a:rPr lang="en-US" dirty="0" smtClean="0"/>
-              <a:t>Benefits of system integration (adding power electronic to machine)</a:t>
-            </a:r>
-            <a:br>
-              <a:rPr lang="en-US" dirty="0" smtClean="0"/>
-            </a:br>
+              <a:rPr lang="en-US" dirty="0" err="1" smtClean="0"/>
+              <a:t>Ove</a:t>
+            </a:r>
+            <a:r>
+              <a:rPr lang="tr-TR" dirty="0" err="1" smtClean="0"/>
+              <a:t>rw</a:t>
+            </a:r>
+            <a:r>
+              <a:rPr lang="en-US" dirty="0" err="1" smtClean="0"/>
+              <a:t>ie</a:t>
+            </a:r>
+            <a:r>
+              <a:rPr lang="tr-TR" dirty="0" smtClean="0"/>
+              <a:t>v</a:t>
+            </a:r>
             <a:endParaRPr lang="en-US" dirty="0"/>
           </a:p>
         </p:txBody>
@@ -4530,59 +5874,40 @@
         </p:nvSpPr>
         <p:spPr>
           <a:xfrm>
-            <a:off x="428596" y="2000240"/>
-            <a:ext cx="8258204" cy="4125923"/>
+            <a:off x="500034" y="2857496"/>
+            <a:ext cx="8183880" cy="3075254"/>
           </a:xfrm>
         </p:spPr>
         <p:txBody>
           <a:bodyPr/>
           <a:lstStyle/>
           <a:p>
-            <a:pPr>
-              <a:buNone/>
-            </a:pPr>
-            <a:r>
-              <a:rPr lang="en-US" dirty="0" smtClean="0"/>
-              <a:t>-Power density can be </a:t>
+            <a:r>
+              <a:rPr lang="en-US" dirty="0" smtClean="0"/>
+              <a:t>Machine and Power electronics losses and PSFB (Phase Shifted Full Bridge) concept</a:t>
+            </a:r>
+          </a:p>
+          <a:p>
+            <a:r>
+              <a:rPr lang="en-US" dirty="0" smtClean="0"/>
+              <a:t>T</a:t>
+            </a:r>
+            <a:r>
+              <a:rPr lang="tr-TR" dirty="0" smtClean="0"/>
+              <a:t>h</a:t>
             </a:r>
             <a:r>
               <a:rPr lang="en-US" dirty="0" err="1" smtClean="0"/>
-              <a:t>incr</a:t>
-            </a:r>
-            <a:r>
-              <a:rPr lang="tr-TR" dirty="0" smtClean="0"/>
-              <a:t>e</a:t>
-            </a:r>
-            <a:r>
-              <a:rPr lang="en-US" dirty="0" err="1" smtClean="0"/>
-              <a:t>ased</a:t>
-            </a:r>
-            <a:r>
-              <a:rPr lang="en-US" dirty="0" smtClean="0"/>
-              <a:t>.</a:t>
-            </a:r>
-          </a:p>
-          <a:p>
-            <a:pPr>
-              <a:buNone/>
-            </a:pPr>
-            <a:r>
-              <a:rPr lang="en-US" dirty="0" smtClean="0"/>
-              <a:t>-total weight  and volume is intended to decrease. (at Aerospace and electric car etc. </a:t>
-            </a:r>
-            <a:r>
-              <a:rPr lang="en-US" dirty="0" err="1" smtClean="0"/>
-              <a:t>İt</a:t>
-            </a:r>
-            <a:r>
-              <a:rPr lang="en-US" dirty="0" smtClean="0"/>
-              <a:t> is important)</a:t>
-            </a:r>
-          </a:p>
-          <a:p>
-            <a:pPr>
-              <a:buNone/>
-            </a:pPr>
+              <a:t>ermal</a:t>
+            </a:r>
+            <a:r>
+              <a:rPr lang="en-US" dirty="0" smtClean="0"/>
+              <a:t> </a:t>
+            </a:r>
+            <a:r>
+              <a:rPr lang="en-US" dirty="0" smtClean="0"/>
+              <a:t>Design</a:t>
+            </a:r>
             <a:endParaRPr lang="en-US" dirty="0"/>
           </a:p>
         </p:txBody>
@@ -4612,41 +5937,112 @@
           <a:chExt cx="0" cy="0"/>
         </a:xfrm>
       </p:grpSpPr>
-      <p:pic>
-        <p:nvPicPr>
-          <p:cNvPr id="2050" name="Picture 2"/>
-          <p:cNvPicPr>
-            <a:picLocks noGrp="1" noChangeAspect="1" noChangeArrowheads="1"/>
-          </p:cNvPicPr>
+      <p:sp>
+        <p:nvSpPr>
+          <p:cNvPr id="2" name="1 Başlık"/>
+          <p:cNvSpPr>
+            <a:spLocks noGrp="1"/>
+          </p:cNvSpPr>
+          <p:nvPr>
+            <p:ph type="title"/>
+          </p:nvPr>
+        </p:nvSpPr>
+        <p:spPr>
+          <a:xfrm>
+            <a:off x="428596" y="1714488"/>
+            <a:ext cx="8229600" cy="1143000"/>
+          </a:xfrm>
+        </p:spPr>
+        <p:txBody>
+          <a:bodyPr>
+            <a:normAutofit fontScale="90000"/>
+          </a:bodyPr>
+          <a:lstStyle/>
+          <a:p>
+            <a:r>
+              <a:rPr lang="en-US" dirty="0" smtClean="0"/>
+              <a:t>Benefits of system integration (adding power electronic to machine)</a:t>
+            </a:r>
+            <a:br>
+              <a:rPr lang="en-US" dirty="0" smtClean="0"/>
+            </a:br>
+            <a:endParaRPr lang="en-US" dirty="0"/>
+          </a:p>
+        </p:txBody>
+      </p:sp>
+      <p:sp>
+        <p:nvSpPr>
+          <p:cNvPr id="3" name="2 İçerik Yer Tutucusu"/>
+          <p:cNvSpPr>
+            <a:spLocks noGrp="1"/>
+          </p:cNvSpPr>
           <p:nvPr>
             <p:ph idx="1"/>
           </p:nvPr>
-        </p:nvPicPr>
-        <p:blipFill>
-          <a:blip r:embed="rId2"/>
-          <a:srcRect/>
-          <a:stretch>
-            <a:fillRect/>
-          </a:stretch>
-        </p:blipFill>
-        <p:spPr bwMode="auto">
-          <a:xfrm>
-            <a:off x="642910" y="1000108"/>
-            <a:ext cx="7723156" cy="4662041"/>
-          </a:xfrm>
-          <a:prstGeom prst="rect">
-            <a:avLst/>
-          </a:prstGeom>
-          <a:noFill/>
-          <a:ln w="9525">
-            <a:noFill/>
-            <a:miter lim="800000"/>
-            <a:headEnd/>
-            <a:tailEnd/>
-          </a:ln>
-          <a:effectLst/>
-        </p:spPr>
-      </p:pic>
+        </p:nvSpPr>
+        <p:spPr>
+          <a:xfrm>
+            <a:off x="500034" y="3143248"/>
+            <a:ext cx="8258204" cy="3340129"/>
+          </a:xfrm>
+        </p:spPr>
+        <p:txBody>
+          <a:bodyPr/>
+          <a:lstStyle/>
+          <a:p>
+            <a:pPr>
+              <a:buNone/>
+            </a:pPr>
+            <a:r>
+              <a:rPr lang="en-US" dirty="0" smtClean="0"/>
+              <a:t>-Power density can be </a:t>
+            </a:r>
+            <a:r>
+              <a:rPr lang="en-US" dirty="0" err="1" smtClean="0"/>
+              <a:t>incr</a:t>
+            </a:r>
+            <a:r>
+              <a:rPr lang="tr-TR" dirty="0" smtClean="0"/>
+              <a:t>e</a:t>
+            </a:r>
+            <a:r>
+              <a:rPr lang="en-US" dirty="0" err="1" smtClean="0"/>
+              <a:t>ased</a:t>
+            </a:r>
+            <a:r>
+              <a:rPr lang="en-US" dirty="0" smtClean="0"/>
+              <a:t>.</a:t>
+            </a:r>
+          </a:p>
+          <a:p>
+            <a:pPr>
+              <a:buNone/>
+            </a:pPr>
+            <a:r>
+              <a:rPr lang="en-US" dirty="0" smtClean="0"/>
+              <a:t>-total weight  and volume is intended to decrease. (at Aerospace and electric car etc. </a:t>
+            </a:r>
+            <a:r>
+              <a:rPr lang="tr-TR" dirty="0" err="1" smtClean="0"/>
+              <a:t>I</a:t>
+            </a:r>
+            <a:r>
+              <a:rPr lang="en-US" dirty="0" smtClean="0"/>
+              <a:t>t </a:t>
+            </a:r>
+            <a:r>
+              <a:rPr lang="en-US" dirty="0" smtClean="0"/>
+              <a:t>is important)</a:t>
+            </a:r>
+          </a:p>
+          <a:p>
+            <a:pPr>
+              <a:buNone/>
+            </a:pPr>
+            <a:endParaRPr lang="en-US" dirty="0"/>
+          </a:p>
+        </p:txBody>
+      </p:sp>
     </p:spTree>
   </p:cSld>
   <p:clrMapOvr>
@@ -4672,108 +6068,41 @@
           <a:chExt cx="0" cy="0"/>
         </a:xfrm>
       </p:grpSpPr>
-      <p:sp>
-        <p:nvSpPr>
-          <p:cNvPr id="2" name="1 Başlık"/>
-          <p:cNvSpPr>
-            <a:spLocks noGrp="1"/>
-          </p:cNvSpPr>
-          <p:nvPr>
-            <p:ph type="title"/>
-          </p:nvPr>
-        </p:nvSpPr>
-        <p:spPr/>
-        <p:txBody>
-          <a:bodyPr/>
-          <a:lstStyle/>
-          <a:p>
-            <a:r>
-              <a:rPr lang="tr-TR" dirty="0" smtClean="0"/>
-              <a:t>Problem</a:t>
-            </a:r>
-            <a:endParaRPr lang="tr-TR" dirty="0"/>
-          </a:p>
-        </p:txBody>
-      </p:sp>
-      <p:sp>
-        <p:nvSpPr>
-          <p:cNvPr id="3" name="2 İçerik Yer Tutucusu"/>
-          <p:cNvSpPr>
-            <a:spLocks noGrp="1"/>
-          </p:cNvSpPr>
+      <p:pic>
+        <p:nvPicPr>
+          <p:cNvPr id="2050" name="Picture 2"/>
+          <p:cNvPicPr>
+            <a:picLocks noGrp="1" noChangeAspect="1" noChangeArrowheads="1"/>
+          </p:cNvPicPr>
           <p:nvPr>
             <p:ph idx="1"/>
           </p:nvPr>
-        </p:nvSpPr>
-        <p:spPr/>
-        <p:txBody>
-          <a:bodyPr/>
-          <a:lstStyle/>
-          <a:p>
-            <a:r>
-              <a:rPr lang="tr-TR" dirty="0" err="1" smtClean="0"/>
-              <a:t>If</a:t>
-            </a:r>
-            <a:r>
-              <a:rPr lang="tr-TR" dirty="0" smtClean="0"/>
-              <a:t> </a:t>
-            </a:r>
-            <a:r>
-              <a:rPr lang="tr-TR" dirty="0" err="1" smtClean="0"/>
-              <a:t>loss</a:t>
-            </a:r>
-            <a:r>
-              <a:rPr lang="tr-TR" dirty="0" smtClean="0"/>
-              <a:t> </a:t>
-            </a:r>
-            <a:r>
-              <a:rPr lang="tr-TR" dirty="0" err="1" smtClean="0"/>
-              <a:t>density</a:t>
-            </a:r>
-            <a:r>
-              <a:rPr lang="tr-TR" dirty="0" smtClean="0"/>
-              <a:t> </a:t>
-            </a:r>
-            <a:r>
-              <a:rPr lang="tr-TR" dirty="0" err="1" smtClean="0"/>
-              <a:t>remains</a:t>
-            </a:r>
-            <a:r>
-              <a:rPr lang="tr-TR" dirty="0" smtClean="0"/>
-              <a:t> </a:t>
-            </a:r>
-            <a:r>
-              <a:rPr lang="tr-TR" dirty="0" err="1" smtClean="0"/>
-              <a:t>same</a:t>
-            </a:r>
-            <a:r>
-              <a:rPr lang="tr-TR" dirty="0" smtClean="0"/>
-              <a:t>, </a:t>
-            </a:r>
-            <a:r>
-              <a:rPr lang="tr-TR" dirty="0" err="1" smtClean="0"/>
-              <a:t>there</a:t>
-            </a:r>
-            <a:r>
-              <a:rPr lang="tr-TR" dirty="0" smtClean="0"/>
-              <a:t> </a:t>
-            </a:r>
-            <a:r>
-              <a:rPr lang="tr-TR" dirty="0" err="1" smtClean="0"/>
-              <a:t>will</a:t>
-            </a:r>
-            <a:r>
-              <a:rPr lang="tr-TR" dirty="0" smtClean="0"/>
-              <a:t> be </a:t>
-            </a:r>
-            <a:r>
-              <a:rPr lang="tr-TR" dirty="0" err="1" smtClean="0"/>
-              <a:t>heating</a:t>
-            </a:r>
-            <a:endParaRPr lang="tr-TR" dirty="0"/>
-          </a:p>
-        </p:txBody>
-      </p:sp>
+        </p:nvPicPr>
+        <p:blipFill>
+          <a:blip r:embed="rId2"/>
+          <a:srcRect/>
+          <a:stretch>
+            <a:fillRect/>
+          </a:stretch>
+        </p:blipFill>
+        <p:spPr bwMode="auto">
+          <a:xfrm>
+            <a:off x="642910" y="1000108"/>
+            <a:ext cx="7723156" cy="4662041"/>
+          </a:xfrm>
+          <a:prstGeom prst="rect">
+            <a:avLst/>
+          </a:prstGeom>
+          <a:noFill/>
+          <a:ln w="9525">
+            <a:noFill/>
+            <a:miter lim="800000"/>
+            <a:headEnd/>
+            <a:tailEnd/>
+          </a:ln>
+          <a:effectLst/>
+        </p:spPr>
+      </p:pic>
     </p:spTree>
   </p:cSld>
   <p:clrMapOvr>
@@ -4809,12 +6138,21 @@
             <p:ph type="title"/>
           </p:nvPr>
         </p:nvSpPr>
-        <p:spPr/>
+        <p:spPr>
+          <a:xfrm>
+            <a:off x="500034" y="785794"/>
+            <a:ext cx="8183880" cy="1051560"/>
+          </a:xfrm>
+        </p:spPr>
         <p:txBody>
           <a:bodyPr/>
           <a:lstStyle/>
           <a:p>
-            <a:endParaRPr lang="tr-TR"/>
+            <a:r>
+              <a:rPr lang="tr-TR" dirty="0" smtClean="0"/>
+              <a:t>Problem</a:t>
+            </a:r>
+            <a:endParaRPr lang="tr-TR" dirty="0"/>
           </a:p>
         </p:txBody>
       </p:sp>
@@ -4828,40 +6166,21 @@
             <p:ph idx="1"/>
           </p:nvPr>
         </p:nvSpPr>
-        <p:spPr/>
+        <p:spPr>
+          <a:xfrm>
+            <a:off x="500034" y="2714620"/>
+            <a:ext cx="8183880" cy="1684202"/>
+          </a:xfrm>
+        </p:spPr>
         <p:txBody>
           <a:bodyPr/>
           <a:lstStyle/>
           <a:p>
             <a:r>
               <a:rPr lang="en-US" dirty="0" smtClean="0"/>
-              <a:t>The objective of this paper is to investigate the feasibility of integrating a fault tolerant system </a:t>
-            </a:r>
-            <a:r>
-              <a:rPr lang="en-US" dirty="0" err="1" smtClean="0"/>
-              <a:t>consistin</a:t>
-            </a:r>
-            <a:r>
-              <a:rPr lang="tr-TR" dirty="0" smtClean="0"/>
-              <a:t>g </a:t>
-            </a:r>
-            <a:r>
-              <a:rPr lang="en-US" dirty="0" smtClean="0"/>
-              <a:t>of an</a:t>
-            </a:r>
-            <a:r>
-              <a:rPr lang="tr-TR" dirty="0" smtClean="0"/>
-              <a:t> </a:t>
-            </a:r>
-            <a:r>
-              <a:rPr lang="en-US" dirty="0" smtClean="0"/>
-              <a:t>electrical machine and power electronics into a single, more power dense structure</a:t>
-            </a:r>
-            <a:r>
-              <a:rPr lang="tr-TR" dirty="0" smtClean="0"/>
-              <a:t>.</a:t>
-            </a:r>
-            <a:endParaRPr lang="tr-TR" dirty="0"/>
+              <a:t>If loss density remains same, there will be heating</a:t>
+            </a:r>
+            <a:endParaRPr lang="en-US" dirty="0"/>
           </a:p>
         </p:txBody>
       </p:sp>
@@ -4892,100 +6211,51 @@
       </p:grpSpPr>
       <p:sp>
         <p:nvSpPr>
-          <p:cNvPr id="2" name="1 Başlık"/>
-          <p:cNvSpPr>
-            <a:spLocks noGrp="1"/>
-          </p:cNvSpPr>
-          <p:nvPr>
-            <p:ph type="title"/>
-          </p:nvPr>
-        </p:nvSpPr>
-        <p:spPr>
-          <a:xfrm>
-            <a:off x="457200" y="274638"/>
-            <a:ext cx="8229600" cy="1368412"/>
-          </a:xfrm>
-        </p:spPr>
-        <p:txBody>
-          <a:bodyPr>
-            <a:normAutofit fontScale="90000"/>
-          </a:bodyPr>
+          <p:cNvPr id="3" name="2 İçerik Yer Tutucusu"/>
+          <p:cNvSpPr>
+            <a:spLocks noGrp="1"/>
+          </p:cNvSpPr>
+          <p:nvPr>
+            <p:ph idx="1"/>
+          </p:nvPr>
+        </p:nvSpPr>
+        <p:spPr>
+          <a:xfrm>
+            <a:off x="500034" y="1357298"/>
+            <a:ext cx="8183880" cy="2755772"/>
+          </a:xfrm>
+        </p:spPr>
+        <p:txBody>
+          <a:bodyPr/>
           <a:lstStyle/>
           <a:p>
             <a:r>
-              <a:rPr lang="tr-TR" dirty="0" err="1" smtClean="0"/>
-              <a:t>Fault</a:t>
+              <a:rPr lang="en-US" dirty="0" smtClean="0"/>
+              <a:t>The objective of this paper is to investigate the feasibility of integrating a fault tolerant system </a:t>
+            </a:r>
+            <a:r>
+              <a:rPr lang="en-US" dirty="0" err="1" smtClean="0"/>
+              <a:t>consistin</a:t>
+            </a:r>
+            <a:r>
+              <a:rPr lang="tr-TR" dirty="0" smtClean="0"/>
+              <a:t>g </a:t>
+            </a:r>
+            <a:r>
+              <a:rPr lang="en-US" dirty="0" smtClean="0"/>
+              <a:t>of an</a:t>
             </a:r>
             <a:r>
               <a:rPr lang="tr-TR" dirty="0" smtClean="0"/>
               <a:t> </a:t>
             </a:r>
             <a:r>
-              <a:rPr lang="tr-TR" dirty="0" err="1" smtClean="0"/>
-              <a:t>Tolerace</a:t>
+              <a:rPr lang="en-US" dirty="0" smtClean="0"/>
+              <a:t>electrical machine and power electronics into a single, more power dense structure</a:t>
             </a:r>
             <a:r>
               <a:rPr lang="tr-TR" dirty="0" smtClean="0"/>
-              <a:t> </a:t>
-            </a:r>
-            <a:r>
-              <a:rPr lang="tr-TR" dirty="0" err="1" smtClean="0"/>
-              <a:t>and</a:t>
-            </a:r>
-            <a:r>
-              <a:rPr lang="tr-TR" dirty="0" smtClean="0"/>
-              <a:t> </a:t>
-            </a:r>
-            <a:r>
-              <a:rPr lang="tr-TR" dirty="0" err="1" smtClean="0"/>
-              <a:t>System</a:t>
-            </a:r>
-            <a:r>
-              <a:rPr lang="tr-TR" dirty="0" smtClean="0"/>
-              <a:t> </a:t>
-            </a:r>
-            <a:r>
-              <a:rPr lang="tr-TR" dirty="0" err="1" smtClean="0"/>
-              <a:t>Integration</a:t>
-            </a:r>
-            <a:r>
-              <a:rPr lang="tr-TR" dirty="0" smtClean="0"/>
-              <a:t> </a:t>
-            </a:r>
-            <a:endParaRPr lang="tr-TR" dirty="0"/>
-          </a:p>
-        </p:txBody>
-      </p:sp>
-      <p:sp>
-        <p:nvSpPr>
-          <p:cNvPr id="3" name="2 İçerik Yer Tutucusu"/>
-          <p:cNvSpPr>
-            <a:spLocks noGrp="1"/>
-          </p:cNvSpPr>
-          <p:nvPr>
-            <p:ph idx="1"/>
-          </p:nvPr>
-        </p:nvSpPr>
-        <p:spPr>
-          <a:xfrm>
-            <a:off x="457200" y="2143116"/>
-            <a:ext cx="8229600" cy="3983047"/>
-          </a:xfrm>
-        </p:spPr>
-        <p:txBody>
-          <a:bodyPr/>
-          <a:lstStyle/>
-          <a:p>
-            <a:r>
-              <a:rPr lang="tr-TR" dirty="0" err="1" smtClean="0"/>
-              <a:t>Reduncancy</a:t>
-            </a:r>
-            <a:endParaRPr lang="tr-TR" dirty="0" smtClean="0"/>
-          </a:p>
-          <a:p>
-            <a:r>
-              <a:rPr lang="tr-TR" dirty="0" err="1" smtClean="0"/>
-              <a:t>Partitioning</a:t>
+              <a:t>.</a:t>
             </a:r>
             <a:endParaRPr lang="tr-TR" dirty="0"/>
           </a:p>
@@ -5016,41 +6286,87 @@
           <a:chExt cx="0" cy="0"/>
         </a:xfrm>
       </p:grpSpPr>
-      <p:pic>
-        <p:nvPicPr>
-          <p:cNvPr id="1026" name="Picture 2"/>
-          <p:cNvPicPr>
-            <a:picLocks noGrp="1" noChangeAspect="1" noChangeArrowheads="1"/>
-          </p:cNvPicPr>
+      <p:sp>
+        <p:nvSpPr>
+          <p:cNvPr id="2" name="1 Başlık"/>
+          <p:cNvSpPr>
+            <a:spLocks noGrp="1"/>
+          </p:cNvSpPr>
+          <p:nvPr>
+            <p:ph type="title"/>
+          </p:nvPr>
+        </p:nvSpPr>
+        <p:spPr>
+          <a:xfrm>
+            <a:off x="457200" y="274638"/>
+            <a:ext cx="8229600" cy="1368412"/>
+          </a:xfrm>
+        </p:spPr>
+        <p:txBody>
+          <a:bodyPr>
+            <a:normAutofit/>
+          </a:bodyPr>
+          <a:lstStyle/>
+          <a:p>
+            <a:r>
+              <a:rPr lang="en-US" dirty="0" smtClean="0"/>
+              <a:t>Fault </a:t>
+            </a:r>
+            <a:r>
+              <a:rPr lang="en-US" dirty="0" err="1" smtClean="0"/>
+              <a:t>Tolerace</a:t>
+            </a:r>
+            <a:r>
+              <a:rPr lang="en-US" dirty="0" smtClean="0"/>
+              <a:t> and System Integration </a:t>
+            </a:r>
+            <a:endParaRPr lang="en-US" dirty="0"/>
+          </a:p>
+        </p:txBody>
+      </p:sp>
+      <p:sp>
+        <p:nvSpPr>
+          <p:cNvPr id="3" name="2 İçerik Yer Tutucusu"/>
+          <p:cNvSpPr>
+            <a:spLocks noGrp="1"/>
+          </p:cNvSpPr>
           <p:nvPr>
             <p:ph idx="1"/>
           </p:nvPr>
-        </p:nvPicPr>
-        <p:blipFill>
-          <a:blip r:embed="rId2"/>
-          <a:srcRect/>
-          <a:stretch>
-            <a:fillRect/>
-          </a:stretch>
-        </p:blipFill>
-        <p:spPr bwMode="auto">
-          <a:xfrm>
-            <a:off x="1643626" y="285728"/>
-            <a:ext cx="5357266" cy="6041353"/>
-          </a:xfrm>
-          <a:prstGeom prst="rect">
-            <a:avLst/>
-          </a:prstGeom>
-          <a:noFill/>
-          <a:ln w="9525">
-            <a:noFill/>
-            <a:miter lim="800000"/>
-            <a:headEnd/>
-            <a:tailEnd/>
-          </a:ln>
-          <a:effectLst/>
-        </p:spPr>
-      </p:pic>
+        </p:nvSpPr>
+        <p:spPr>
+          <a:xfrm>
+            <a:off x="457200" y="2143116"/>
+            <a:ext cx="8229600" cy="3983047"/>
+          </a:xfrm>
+        </p:spPr>
+        <p:txBody>
+          <a:bodyPr/>
+          <a:lstStyle/>
+          <a:p>
+            <a:r>
+              <a:rPr lang="en-US" dirty="0" err="1" smtClean="0"/>
+              <a:t>Redun</a:t>
+            </a:r>
+            <a:r>
+              <a:rPr lang="tr-TR" dirty="0" smtClean="0"/>
+              <a:t>d</a:t>
+            </a:r>
+            <a:r>
+              <a:rPr lang="en-US" dirty="0" err="1" smtClean="0"/>
+              <a:t>ancy</a:t>
+            </a:r>
+            <a:endParaRPr lang="en-US" dirty="0" smtClean="0"/>
+          </a:p>
+          <a:p>
+            <a:r>
+              <a:rPr lang="en-US" dirty="0" smtClean="0"/>
+              <a:t>Partitioning</a:t>
+            </a:r>
+            <a:endParaRPr lang="en-US" dirty="0"/>
+          </a:p>
+        </p:txBody>
+      </p:sp>
     </p:spTree>
   </p:cSld>
   <p:clrMapOvr>
@@ -5076,29 +6392,41 @@
           <a:chExt cx="0" cy="0"/>
         </a:xfrm>
       </p:grpSpPr>
-      <p:sp>
-        <p:nvSpPr>
-          <p:cNvPr id="3" name="2 İçerik Yer Tutucusu"/>
-          <p:cNvSpPr>
-            <a:spLocks noGrp="1"/>
-          </p:cNvSpPr>
+      <p:pic>
+        <p:nvPicPr>
+          <p:cNvPr id="1026" name="Picture 2"/>
+          <p:cNvPicPr>
+            <a:picLocks noGrp="1" noChangeAspect="1" noChangeArrowheads="1"/>
+          </p:cNvPicPr>
           <p:nvPr>
             <p:ph idx="1"/>
           </p:nvPr>
-        </p:nvSpPr>
-        <p:spPr/>
-        <p:txBody>
-          <a:bodyPr/>
-          <a:lstStyle/>
-          <a:p>
-            <a:r>
-              <a:rPr lang="en-US" dirty="0" smtClean="0"/>
-              <a:t>Permanent Magnet is preferred for higher power density but switched reluctance machine also preferred for fault tolerant applications.</a:t>
-            </a:r>
-            <a:endParaRPr lang="en-US" dirty="0"/>
-          </a:p>
-        </p:txBody>
-      </p:sp>
+        </p:nvPicPr>
+        <p:blipFill>
+          <a:blip r:embed="rId2"/>
+          <a:srcRect/>
+          <a:stretch>
+            <a:fillRect/>
+          </a:stretch>
+        </p:blipFill>
+        <p:spPr bwMode="auto">
+          <a:xfrm>
+            <a:off x="1643626" y="285728"/>
+            <a:ext cx="5357266" cy="6041353"/>
+          </a:xfrm>
+          <a:prstGeom prst="rect">
+            <a:avLst/>
+          </a:prstGeom>
+          <a:noFill/>
+          <a:ln w="9525">
+            <a:noFill/>
+            <a:miter lim="800000"/>
+            <a:headEnd/>
+            <a:tailEnd/>
+          </a:ln>
+          <a:effectLst/>
+        </p:spPr>
+      </p:pic>
     </p:spTree>
   </p:cSld>
   <p:clrMapOvr>
@@ -5108,9 +6436,9 @@
 </file>
 
 <file path=ppt/theme/theme1.xml><?xml version="1.0" encoding="utf-8"?>
-<a:theme xmlns:a="http://schemas.openxmlformats.org/drawingml/2006/main" name="Ofis Teması">
+<a:theme xmlns:a="http://schemas.openxmlformats.org/drawingml/2006/main" name="Görünüş">
   <a:themeElements>
-    <a:clrScheme name="Ofis">
+    <a:clrScheme name="Görünüş">
       <a:dk1>
         <a:sysClr val="windowText" lastClr="000000"/>
       </a:dk1>
@@ -5118,82 +6446,48 @@
         <a:sysClr val="window" lastClr="FFFFFF"/>
       </a:lt1>
       <a:dk2>
-        <a:srgbClr val="1F497D"/>
+        <a:srgbClr val="323232"/>
       </a:dk2>
       <a:lt2>
-        <a:srgbClr val="EEECE1"/>
+        <a:srgbClr val="E3DED1"/>
       </a:lt2>
       <a:accent1>
-        <a:srgbClr val="4F81BD"/>
+        <a:srgbClr val="F07F09"/>
       </a:accent1>
       <a:accent2>
-        <a:srgbClr val="C0504D"/>
+        <a:srgbClr val="9F2936"/>
       </a:accent2>
       <a:accent3>
-        <a:srgbClr val="9BBB59"/>
+        <a:srgbClr val="1B587C"/>
       </a:accent3>
       <a:accent4>
-        <a:srgbClr val="8064A2"/>
+        <a:srgbClr val="4E8542"/>
       </a:accent4>
       <a:accent5>
-        <a:srgbClr val="4BACC6"/>
+        <a:srgbClr val="604878"/>
       </a:accent5>
       <a:accent6>
-        <a:srgbClr val="F79646"/>
+        <a:srgbClr val="C19859"/>
       </a:accent6>
       <a:hlink>
-        <a:srgbClr val="0000FF"/>
+        <a:srgbClr val="6B9F25"/>
       </a:hlink>
       <a:folHlink>
-        <a:srgbClr val="800080"/>
+        <a:srgbClr val="B26B02"/>
       </a:folHlink>
     </a:clrScheme>
-    <a:fontScheme name="Ofis">
+    <a:fontScheme name="Görünüş">
       <a:majorFont>
-        <a:latin typeface="Calibri"/>
+        <a:latin typeface="Verdana"/>
         <a:ea typeface=""/>
         <a:cs typeface=""/>
-        <a:font script="Jpan" typeface="ＭＳ Ｐゴシック"/>
-        <a:font script="Hang" typeface="맑은 고딕"/>
-        <a:font script="Hans" typeface="宋体"/>
-        <a:font script="Hant" typeface="新細明體"/>
-        <a:font script="Arab" typeface="Times New Roman"/>
-        <a:font script="Hebr" typeface="Times New Roman"/>
-        <a:font script="Thai" typeface="Angsana New"/>
-        <a:font script="Ethi" typeface="Nyala"/>
-        <a:font script="Beng" typeface="Vrinda"/>
-        <a:font script="Gujr" typeface="Shruti"/>
-        <a:font script="Khmr" typeface="MoolBoran"/>
-        <a:font script="Knda" typeface="Tunga"/>
-        <a:font script="Guru" typeface="Raavi"/>
-        <a:font script="Cans" typeface="Euphemia"/>
-        <a:font script="Cher" typeface="Plantagenet Cherokee"/>
-        <a:font script="Yiii" typeface="Microsoft Yi Baiti"/>
-        <a:font script="Tibt" typeface="Microsoft Himalaya"/>
-        <a:font script="Thaa" typeface="MV Boli"/>
-        <a:font script="Deva" typeface="Mangal"/>
-        <a:font script="Telu" typeface="Gautami"/>
-        <a:font script="Taml" typeface="Latha"/>
-        <a:font script="Syrc" typeface="Estrangelo Edessa"/>
-        <a:font script="Orya" typeface="Kalinga"/>
-        <a:font script="Mlym" typeface="Kartika"/>
-        <a:font script="Laoo" typeface="DokChampa"/>
-        <a:font script="Sinh" typeface="Iskoola Pota"/>
-        <a:font script="Mong" typeface="Mongolian Baiti"/>
-        <a:font script="Viet" typeface="Times New Roman"/>
-        <a:font script="Uigh" typeface="Microsoft Uighur"/>
-      </a:majorFont>
-      <a:minorFont>
-        <a:latin typeface="Calibri"/>
-        <a:ea typeface=""/>
-        <a:cs typeface=""/>
-        <a:font script="Jpan" typeface="ＭＳ Ｐゴシック"/>
-        <a:font script="Hang" typeface="맑은 고딕"/>
-        <a:font script="Hans" typeface="宋体"/>
-        <a:font script="Hant" typeface="新細明體"/>
-        <a:font script="Arab" typeface="Arial"/>
-        <a:font script="Hebr" typeface="Arial"/>
-        <a:font script="Thai" typeface="Cordia New"/>
+        <a:font script="Jpan" typeface="ＭＳ ゴシック"/>
+        <a:font script="Hang" typeface="굴림"/>
+        <a:font script="Hans" typeface="微软雅黑"/>
+        <a:font script="Hant" typeface="微軟正黑體"/>
+        <a:font script="Arab" typeface="Tahoma"/>
+        <a:font script="Hebr" typeface="Tahoma"/>
+        <a:font script="Thai" typeface="FreesiaUPC"/>
         <a:font script="Ethi" typeface="Nyala"/>
         <a:font script="Beng" typeface="Vrinda"/>
         <a:font script="Gujr" typeface="Shruti"/>
@@ -5214,11 +6508,45 @@
         <a:font script="Laoo" typeface="DokChampa"/>
         <a:font script="Sinh" typeface="Iskoola Pota"/>
         <a:font script="Mong" typeface="Mongolian Baiti"/>
-        <a:font script="Viet" typeface="Arial"/>
+        <a:font script="Viet" typeface="Verdana"/>
+        <a:font script="Uigh" typeface="Microsoft Uighur"/>
+      </a:majorFont>
+      <a:minorFont>
+        <a:latin typeface="Verdana"/>
+        <a:ea typeface=""/>
+        <a:cs typeface=""/>
+        <a:font script="Jpan" typeface="ＭＳ ゴシック"/>
+        <a:font script="Hang" typeface="굴림"/>
+        <a:font script="Hans" typeface="微软雅黑"/>
+        <a:font script="Hant" typeface="微軟正黑體"/>
+        <a:font script="Arab" typeface="Tahoma"/>
+        <a:font script="Hebr" typeface="Tahoma"/>
+        <a:font script="Thai" typeface="FreesiaUPC"/>
+        <a:font script="Ethi" typeface="Nyala"/>
+        <a:font script="Beng" typeface="Vrinda"/>
+        <a:font script="Gujr" typeface="Shruti"/>
+        <a:font script="Khmr" typeface="DaunPenh"/>
+        <a:font script="Knda" typeface="Tunga"/>
+        <a:font script="Guru" typeface="Raavi"/>
+        <a:font script="Cans" typeface="Euphemia"/>
+        <a:font script="Cher" typeface="Plantagenet Cherokee"/>
+        <a:font script="Yiii" typeface="Microsoft Yi Baiti"/>
+        <a:font script="Tibt" typeface="Microsoft Himalaya"/>
+        <a:font script="Thaa" typeface="MV Boli"/>
+        <a:font script="Deva" typeface="Mangal"/>
+        <a:font script="Telu" typeface="Gautami"/>
+        <a:font script="Taml" typeface="Latha"/>
+        <a:font script="Syrc" typeface="Estrangelo Edessa"/>
+        <a:font script="Orya" typeface="Kalinga"/>
+        <a:font script="Mlym" typeface="Kartika"/>
+        <a:font script="Laoo" typeface="DokChampa"/>
+        <a:font script="Sinh" typeface="Iskoola Pota"/>
+        <a:font script="Mong" typeface="Mongolian Baiti"/>
+        <a:font script="Viet" typeface="Verdana"/>
         <a:font script="Uigh" typeface="Microsoft Uighur"/>
       </a:minorFont>
     </a:fontScheme>
-    <a:fmtScheme name="Ofis">
+    <a:fmtScheme name="Görünüş">
       <a:fillStyleLst>
         <a:solidFill>
           <a:schemeClr val="phClr"/>
@@ -5227,20 +6555,20 @@
           <a:gsLst>
             <a:gs pos="0">
               <a:schemeClr val="phClr">
-                <a:tint val="50000"/>
-                <a:satMod val="300000"/>
+                <a:tint val="65000"/>
+                <a:satMod val="270000"/>
               </a:schemeClr>
             </a:gs>
-            <a:gs pos="35000">
+            <a:gs pos="25000">
               <a:schemeClr val="phClr">
-                <a:tint val="37000"/>
+                <a:tint val="60000"/>
                 <a:satMod val="300000"/>
               </a:schemeClr>
             </a:gs>
             <a:gs pos="100000">
               <a:schemeClr val="phClr">
-                <a:tint val="15000"/>
-                <a:satMod val="350000"/>
+                <a:tint val="29000"/>
+                <a:satMod val="400000"/>
               </a:schemeClr>
             </a:gs>
           </a:gsLst>
@@ -5250,20 +6578,20 @@
           <a:gsLst>
             <a:gs pos="0">
               <a:schemeClr val="phClr">
-                <a:shade val="51000"/>
-                <a:satMod val="130000"/>
+                <a:shade val="45000"/>
+                <a:satMod val="155000"/>
               </a:schemeClr>
             </a:gs>
-            <a:gs pos="80000">
+            <a:gs pos="60000">
               <a:schemeClr val="phClr">
-                <a:shade val="93000"/>
-                <a:satMod val="130000"/>
+                <a:shade val="95000"/>
+                <a:satMod val="150000"/>
               </a:schemeClr>
             </a:gs>
             <a:gs pos="100000">
               <a:schemeClr val="phClr">
-                <a:shade val="94000"/>
-                <a:satMod val="135000"/>
+                <a:tint val="87000"/>
+                <a:satMod val="250000"/>
               </a:schemeClr>
             </a:gs>
           </a:gsLst>
@@ -5274,13 +6602,12 @@
         <a:ln w="9525" cap="flat" cmpd="sng" algn="ctr">
           <a:solidFill>
             <a:schemeClr val="phClr">
-              <a:shade val="95000"/>
-              <a:satMod val="105000"/>
+              <a:satMod val="150000"/>
             </a:schemeClr>
           </a:solidFill>
           <a:prstDash val="solid"/>
         </a:ln>
-        <a:ln w="25400" cap="flat" cmpd="sng" algn="ctr">
+        <a:ln w="42500" cap="flat" cmpd="sng" algn="ctr">
           <a:solidFill>
             <a:schemeClr val="phClr"/>
           </a:solidFill>
@@ -5296,40 +6623,40 @@
       <a:effectStyleLst>
         <a:effectStyle>
           <a:effectLst>
-            <a:outerShdw blurRad="40000" dist="20000" dir="5400000" rotWithShape="0">
+            <a:outerShdw blurRad="65500" dist="38100" dir="5400000" rotWithShape="0">
               <a:srgbClr val="000000">
-                <a:alpha val="38000"/>
+                <a:alpha val="40000"/>
               </a:srgbClr>
             </a:outerShdw>
           </a:effectLst>
         </a:effectStyle>
         <a:effectStyle>
           <a:effectLst>
-            <a:outerShdw blurRad="40000" dist="23000" dir="5400000" rotWithShape="0">
+            <a:outerShdw blurRad="65500" dist="38100" dir="5400000" rotWithShape="0">
               <a:srgbClr val="000000">
-                <a:alpha val="35000"/>
+                <a:alpha val="40000"/>
               </a:srgbClr>
             </a:outerShdw>
           </a:effectLst>
         </a:effectStyle>
         <a:effectStyle>
           <a:effectLst>
-            <a:outerShdw blurRad="40000" dist="23000" dir="5400000" rotWithShape="0">
+            <a:outerShdw blurRad="65500" dist="38100" dir="5400000" rotWithShape="0">
               <a:srgbClr val="000000">
-                <a:alpha val="35000"/>
+                <a:alpha val="40000"/>
               </a:srgbClr>
             </a:outerShdw>
           </a:effectLst>
           <a:scene3d>
-            <a:camera prst="orthographicFront">
+            <a:camera prst="orthographicFront" fov="0">
               <a:rot lat="0" lon="0" rev="0"/>
             </a:camera>
-            <a:lightRig rig="threePt" dir="t">
-              <a:rot lat="0" lon="0" rev="1200000"/>
+            <a:lightRig rig="contrasting" dir="t">
+              <a:rot lat="0" lon="0" rev="12000000"/>
             </a:lightRig>
           </a:scene3d>
-          <a:sp3d>
-            <a:bevelT w="63500" h="25400"/>
+          <a:sp3d prstMaterial="powder">
+            <a:bevelT h="50800"/>
           </a:sp3d>
         </a:effectStyle>
       </a:effectStyleLst>
@@ -5341,47 +6668,40 @@
           <a:gsLst>
             <a:gs pos="0">
               <a:schemeClr val="phClr">
-                <a:tint val="40000"/>
-                <a:satMod val="350000"/>
+                <a:shade val="35000"/>
+                <a:satMod val="150000"/>
               </a:schemeClr>
             </a:gs>
-            <a:gs pos="40000">
+            <a:gs pos="45000">
               <a:schemeClr val="phClr">
-                <a:tint val="45000"/>
-                <a:shade val="99000"/>
-                <a:satMod val="350000"/>
+                <a:shade val="68000"/>
+                <a:satMod val="155000"/>
               </a:schemeClr>
             </a:gs>
             <a:gs pos="100000">
               <a:schemeClr val="phClr">
-                <a:shade val="20000"/>
-                <a:satMod val="255000"/>
+                <a:tint val="70000"/>
+                <a:satMod val="175000"/>
               </a:schemeClr>
             </a:gs>
           </a:gsLst>
-          <a:path path="circle">
-            <a:fillToRect l="50000" t="-80000" r="50000" b="180000"/>
-          </a:path>
+          <a:lin ang="16200000" scaled="0"/>
         </a:gradFill>
-        <a:gradFill rotWithShape="1">
-          <a:gsLst>
-            <a:gs pos="0">
+        <a:blipFill>
+          <a:blip xmlns:r="http://schemas.openxmlformats.org/officeDocument/2006/relationships" r:embed="rId1">
+            <a:duotone>
+              <a:schemeClr val="phClr">
+                <a:shade val="800"/>
+                <a:satMod val="150000"/>
+              </a:schemeClr>
               <a:schemeClr val="phClr">
                 <a:tint val="80000"/>
-                <a:satMod val="300000"/>
+                <a:satMod val="150000"/>
               </a:schemeClr>
-            </a:gs>
-            <a:gs pos="100000">
-              <a:schemeClr val="phClr">
-                <a:shade val="30000"/>
-                <a:satMod val="200000"/>
-              </a:schemeClr>
-            </a:gs>
-          </a:gsLst>
-          <a:path path="circle">
-            <a:fillToRect l="50000" t="50000" r="50000" b="50000"/>
-          </a:path>
-        </a:gradFill>
+            </a:duotone>
+          </a:blip>
+          <a:tile tx="0" ty="0" sx="75000" sy="75000" flip="none" algn="tl"/>
+        </a:blipFill>
       </a:bgFillStyleLst>
     </a:fmtScheme>
   </a:themeElements>
